--- a/presentation/Presentation Slides- Food deserts in US.pptx
+++ b/presentation/Presentation Slides- Food deserts in US.pptx
@@ -5683,7 +5683,7 @@
         <a:p>
           <a:r>
             <a:rPr lang="en-IN" dirty="0"/>
-            <a:t>Removed columns with excessive missing values (e.g., &gt;90%)</a:t>
+            <a:t>Removed columns with missing values &gt; 10%</a:t>
           </a:r>
           <a:endParaRPr lang="en-US" dirty="0"/>
         </a:p>
@@ -7885,7 +7885,7 @@
           </a:pPr>
           <a:r>
             <a:rPr lang="en-IN" sz="1700" kern="1200" dirty="0"/>
-            <a:t>Removed columns with excessive missing values (e.g., &gt;90%)</a:t>
+            <a:t>Removed columns with missing values &gt; 10%</a:t>
           </a:r>
           <a:endParaRPr lang="en-US" sz="1700" kern="1200" dirty="0"/>
         </a:p>
@@ -17643,7 +17643,7 @@
           <a:p>
             <a:fld id="{F6152D52-49D7-4C93-A542-E51236A2AED0}" type="datetimeFigureOut">
               <a:rPr lang="en-IN" smtClean="0"/>
-              <a:t>24-04-2025</a:t>
+              <a:t>26-04-2025</a:t>
             </a:fld>
             <a:endParaRPr lang="en-IN"/>
           </a:p>
@@ -20055,7 +20055,7 @@
           <a:p>
             <a:fld id="{5BCAD085-E8A6-8845-BD4E-CB4CCA059FC4}" type="datetimeFigureOut">
               <a:rPr lang="en-US" smtClean="0"/>
-              <a:t>4/24/2025</a:t>
+              <a:t>4/26/2025</a:t>
             </a:fld>
             <a:endParaRPr lang="en-US"/>
           </a:p>
@@ -20223,7 +20223,7 @@
           <a:p>
             <a:fld id="{5BCAD085-E8A6-8845-BD4E-CB4CCA059FC4}" type="datetimeFigureOut">
               <a:rPr lang="en-US" smtClean="0"/>
-              <a:t>4/24/2025</a:t>
+              <a:t>4/26/2025</a:t>
             </a:fld>
             <a:endParaRPr lang="en-US"/>
           </a:p>
@@ -20401,7 +20401,7 @@
           <a:p>
             <a:fld id="{5BCAD085-E8A6-8845-BD4E-CB4CCA059FC4}" type="datetimeFigureOut">
               <a:rPr lang="en-US" smtClean="0"/>
-              <a:t>4/24/2025</a:t>
+              <a:t>4/26/2025</a:t>
             </a:fld>
             <a:endParaRPr lang="en-US"/>
           </a:p>
@@ -20569,7 +20569,7 @@
           <a:p>
             <a:fld id="{5BCAD085-E8A6-8845-BD4E-CB4CCA059FC4}" type="datetimeFigureOut">
               <a:rPr lang="en-US" smtClean="0"/>
-              <a:t>4/24/2025</a:t>
+              <a:t>4/26/2025</a:t>
             </a:fld>
             <a:endParaRPr lang="en-US"/>
           </a:p>
@@ -20814,7 +20814,7 @@
           <a:p>
             <a:fld id="{5BCAD085-E8A6-8845-BD4E-CB4CCA059FC4}" type="datetimeFigureOut">
               <a:rPr lang="en-US" smtClean="0"/>
-              <a:t>4/24/2025</a:t>
+              <a:t>4/26/2025</a:t>
             </a:fld>
             <a:endParaRPr lang="en-US"/>
           </a:p>
@@ -21099,7 +21099,7 @@
           <a:p>
             <a:fld id="{5BCAD085-E8A6-8845-BD4E-CB4CCA059FC4}" type="datetimeFigureOut">
               <a:rPr lang="en-US" smtClean="0"/>
-              <a:t>4/24/2025</a:t>
+              <a:t>4/26/2025</a:t>
             </a:fld>
             <a:endParaRPr lang="en-US"/>
           </a:p>
@@ -21518,7 +21518,7 @@
           <a:p>
             <a:fld id="{5BCAD085-E8A6-8845-BD4E-CB4CCA059FC4}" type="datetimeFigureOut">
               <a:rPr lang="en-US" smtClean="0"/>
-              <a:t>4/24/2025</a:t>
+              <a:t>4/26/2025</a:t>
             </a:fld>
             <a:endParaRPr lang="en-US"/>
           </a:p>
@@ -21635,7 +21635,7 @@
           <a:p>
             <a:fld id="{5BCAD085-E8A6-8845-BD4E-CB4CCA059FC4}" type="datetimeFigureOut">
               <a:rPr lang="en-US" smtClean="0"/>
-              <a:t>4/24/2025</a:t>
+              <a:t>4/26/2025</a:t>
             </a:fld>
             <a:endParaRPr lang="en-US"/>
           </a:p>
@@ -21730,7 +21730,7 @@
           <a:p>
             <a:fld id="{5BCAD085-E8A6-8845-BD4E-CB4CCA059FC4}" type="datetimeFigureOut">
               <a:rPr lang="en-US" smtClean="0"/>
-              <a:t>4/24/2025</a:t>
+              <a:t>4/26/2025</a:t>
             </a:fld>
             <a:endParaRPr lang="en-US"/>
           </a:p>
@@ -22005,7 +22005,7 @@
           <a:p>
             <a:fld id="{5BCAD085-E8A6-8845-BD4E-CB4CCA059FC4}" type="datetimeFigureOut">
               <a:rPr lang="en-US" smtClean="0"/>
-              <a:t>4/24/2025</a:t>
+              <a:t>4/26/2025</a:t>
             </a:fld>
             <a:endParaRPr lang="en-US"/>
           </a:p>
@@ -22257,7 +22257,7 @@
           <a:p>
             <a:fld id="{5BCAD085-E8A6-8845-BD4E-CB4CCA059FC4}" type="datetimeFigureOut">
               <a:rPr lang="en-US" smtClean="0"/>
-              <a:t>4/24/2025</a:t>
+              <a:t>4/26/2025</a:t>
             </a:fld>
             <a:endParaRPr lang="en-US"/>
           </a:p>
@@ -22468,7 +22468,7 @@
           <a:p>
             <a:fld id="{5BCAD085-E8A6-8845-BD4E-CB4CCA059FC4}" type="datetimeFigureOut">
               <a:rPr lang="en-US" smtClean="0"/>
-              <a:t>4/24/2025</a:t>
+              <a:t>4/26/2025</a:t>
             </a:fld>
             <a:endParaRPr lang="en-US"/>
           </a:p>
@@ -23369,39 +23369,34 @@
               <a:rPr lang="en-IN" sz="2000" dirty="0"/>
               <a:t>Venkatesh Nagarjuna</a:t>
             </a:r>
-            <a:endParaRPr lang="en-IN" sz="2000" dirty="0" err="1"/>
           </a:p>
           <a:p>
             <a:pPr algn="l"/>
             <a:r>
-              <a:rPr lang="en-IN" sz="2000" dirty="0" err="1">
-                <a:ea typeface="+mn-lt"/>
-                <a:cs typeface="+mn-lt"/>
+              <a:rPr lang="en-US" sz="1800" dirty="0">
+                <a:effectLst/>
+                <a:latin typeface="Times New Roman" panose="02020603050405020304" pitchFamily="18" charset="0"/>
+                <a:ea typeface="Aptos" panose="020B0004020202020204" pitchFamily="34" charset="0"/>
               </a:rPr>
-              <a:t>Sadheen</a:t>
+              <a:t>Manoj </a:t>
             </a:r>
             <a:r>
-              <a:rPr lang="en-IN" sz="2000" dirty="0">
-                <a:ea typeface="+mn-lt"/>
-                <a:cs typeface="+mn-lt"/>
+              <a:rPr lang="en-US" sz="1800" dirty="0" err="1">
+                <a:effectLst/>
+                <a:latin typeface="Times New Roman" panose="02020603050405020304" pitchFamily="18" charset="0"/>
+                <a:ea typeface="Aptos" panose="020B0004020202020204" pitchFamily="34" charset="0"/>
               </a:rPr>
-              <a:t> Hossain</a:t>
+              <a:t>Kodihalli</a:t>
             </a:r>
-            <a:endParaRPr lang="en-IN" dirty="0"/>
-          </a:p>
-          <a:p>
-            <a:pPr algn="l"/>
             <a:r>
-              <a:rPr lang="en-IN" sz="2000" dirty="0">
-                <a:ea typeface="+mn-lt"/>
-                <a:cs typeface="+mn-lt"/>
+              <a:rPr lang="en-US" sz="1800" dirty="0">
+                <a:effectLst/>
+                <a:latin typeface="Times New Roman" panose="02020603050405020304" pitchFamily="18" charset="0"/>
+                <a:ea typeface="Aptos" panose="020B0004020202020204" pitchFamily="34" charset="0"/>
               </a:rPr>
-              <a:t>Dhruv Rai</a:t>
+              <a:t> Venkatesh</a:t>
             </a:r>
-            <a:endParaRPr lang="en-IN" dirty="0">
-              <a:ea typeface="+mn-lt"/>
-              <a:cs typeface="+mn-lt"/>
-            </a:endParaRPr>
+            <a:endParaRPr lang="en-IN" sz="2000" dirty="0" err="1"/>
           </a:p>
         </p:txBody>
       </p:sp>
@@ -25663,39 +25658,6 @@
           </a:p>
         </p:txBody>
       </p:sp>
-      <p:pic>
-        <p:nvPicPr>
-          <p:cNvPr id="2" name="Picture 1">
-            <a:extLst>
-              <a:ext uri="{FF2B5EF4-FFF2-40B4-BE49-F238E27FC236}">
-                <a16:creationId xmlns:a16="http://schemas.microsoft.com/office/drawing/2014/main" id="{65883063-0C18-F5B6-37D9-205A9DE4FB95}"/>
-              </a:ext>
-            </a:extLst>
-          </p:cNvPr>
-          <p:cNvPicPr>
-            <a:picLocks noChangeAspect="1"/>
-          </p:cNvPicPr>
-          <p:nvPr/>
-        </p:nvPicPr>
-        <p:blipFill>
-          <a:blip r:embed="rId2"/>
-          <a:stretch>
-            <a:fillRect/>
-          </a:stretch>
-        </p:blipFill>
-        <p:spPr>
-          <a:xfrm>
-            <a:off x="2153425" y="643468"/>
-            <a:ext cx="6956463" cy="6214002"/>
-          </a:xfrm>
-          <a:prstGeom prst="rect">
-            <a:avLst/>
-          </a:prstGeom>
-          <a:ln>
-            <a:noFill/>
-          </a:ln>
-        </p:spPr>
-      </p:pic>
       <p:sp>
         <p:nvSpPr>
           <p:cNvPr id="19" name="Isosceles Triangle 18">
@@ -25761,6 +25723,36 @@
           </a:p>
         </p:txBody>
       </p:sp>
+      <p:pic>
+        <p:nvPicPr>
+          <p:cNvPr id="4" name="Picture 3" descr="A close-up of a graph&#10;&#10;AI-generated content may be incorrect.">
+            <a:extLst>
+              <a:ext uri="{FF2B5EF4-FFF2-40B4-BE49-F238E27FC236}">
+                <a16:creationId xmlns:a16="http://schemas.microsoft.com/office/drawing/2014/main" id="{57D4D42D-74FB-FDF9-FD68-C2CA604CC096}"/>
+              </a:ext>
+            </a:extLst>
+          </p:cNvPr>
+          <p:cNvPicPr>
+            <a:picLocks noChangeAspect="1"/>
+          </p:cNvPicPr>
+          <p:nvPr/>
+        </p:nvPicPr>
+        <p:blipFill>
+          <a:blip r:embed="rId2"/>
+          <a:stretch>
+            <a:fillRect/>
+          </a:stretch>
+        </p:blipFill>
+        <p:spPr>
+          <a:xfrm>
+            <a:off x="1216325" y="625686"/>
+            <a:ext cx="9759350" cy="6029885"/>
+          </a:xfrm>
+          <a:prstGeom prst="rect">
+            <a:avLst/>
+          </a:prstGeom>
+        </p:spPr>
+      </p:pic>
     </p:spTree>
     <p:extLst>
       <p:ext uri="{BB962C8B-B14F-4D97-AF65-F5344CB8AC3E}">
@@ -26914,7 +26906,7 @@
           <p:nvPr>
             <p:extLst>
               <p:ext uri="{D42A27DB-BD31-4B8C-83A1-F6EECF244321}">
-                <p14:modId xmlns:p14="http://schemas.microsoft.com/office/powerpoint/2010/main" val="3006564942"/>
+                <p14:modId xmlns:p14="http://schemas.microsoft.com/office/powerpoint/2010/main" val="2622597430"/>
               </p:ext>
             </p:extLst>
           </p:nvPr>
@@ -27164,7 +27156,7 @@
                           </a:solidFill>
                           <a:effectLst/>
                         </a:rPr>
-                        <a:t>0.81</a:t>
+                        <a:t>0.58</a:t>
                       </a:r>
                       <a:endParaRPr lang="en-US" sz="1100" cap="none" spc="0" dirty="0">
                         <a:solidFill>
@@ -27337,7 +27329,7 @@
                           </a:solidFill>
                           <a:effectLst/>
                         </a:rPr>
-                        <a:t>0.58</a:t>
+                        <a:t>0.33</a:t>
                       </a:r>
                       <a:endParaRPr lang="en-US" sz="1100" cap="none" spc="0" dirty="0">
                         <a:solidFill>
@@ -27503,7 +27495,7 @@
                           </a:solidFill>
                           <a:effectLst/>
                         </a:rPr>
-                        <a:t>0.55</a:t>
+                        <a:t>0.40</a:t>
                       </a:r>
                       <a:endParaRPr lang="en-US" sz="1100" cap="none" spc="0" dirty="0">
                         <a:solidFill>
@@ -27678,7 +27670,7 @@
                           </a:solidFill>
                           <a:effectLst/>
                         </a:rPr>
-                        <a:t>-0.54</a:t>
+                        <a:t>-0.41</a:t>
                       </a:r>
                       <a:endParaRPr lang="en-US" sz="1100" cap="none" spc="0" dirty="0">
                         <a:solidFill>
@@ -27844,7 +27836,7 @@
                           </a:solidFill>
                           <a:effectLst/>
                         </a:rPr>
-                        <a:t>0.52</a:t>
+                        <a:t>0.48</a:t>
                       </a:r>
                       <a:endParaRPr lang="en-US" sz="1100" cap="none" spc="0" dirty="0">
                         <a:solidFill>
@@ -28019,7 +28011,7 @@
                           </a:solidFill>
                           <a:effectLst/>
                         </a:rPr>
-                        <a:t>0.48</a:t>
+                        <a:t>0.37</a:t>
                       </a:r>
                       <a:endParaRPr lang="en-US" sz="1100" cap="none" spc="0" dirty="0">
                         <a:solidFill>
@@ -28175,13 +28167,13 @@
                         <a:buNone/>
                       </a:pPr>
                       <a:r>
-                        <a:rPr lang="en-US" sz="1100" b="1" i="0" cap="none" spc="0" dirty="0">
+                        <a:rPr lang="en-US" sz="1100" b="1" i="0" cap="none" spc="0">
                           <a:solidFill>
                             <a:schemeClr val="tx1"/>
                           </a:solidFill>
                           <a:effectLst/>
                         </a:rPr>
-                        <a:t>0.42</a:t>
+                        <a:t>0.54</a:t>
                       </a:r>
                       <a:endParaRPr lang="en-US" sz="1100" cap="none" spc="0" dirty="0">
                         <a:solidFill>
@@ -35428,7 +35420,7 @@
             <p:ph idx="1"/>
             <p:extLst>
               <p:ext uri="{D42A27DB-BD31-4B8C-83A1-F6EECF244321}">
-                <p14:modId xmlns:p14="http://schemas.microsoft.com/office/powerpoint/2010/main" val="1246627628"/>
+                <p14:modId xmlns:p14="http://schemas.microsoft.com/office/powerpoint/2010/main" val="1020284097"/>
               </p:ext>
             </p:extLst>
           </p:nvPr>
@@ -37331,10 +37323,10 @@
       </p:sp>
       <p:pic>
         <p:nvPicPr>
-          <p:cNvPr id="3" name="Picture 2" descr="A graph of blue bars&#10;&#10;AI-generated content may be incorrect.">
+          <p:cNvPr id="6" name="Picture 5" descr="A graph of a number of desserts&#10;&#10;AI-generated content may be incorrect.">
             <a:extLst>
               <a:ext uri="{FF2B5EF4-FFF2-40B4-BE49-F238E27FC236}">
-                <a16:creationId xmlns:a16="http://schemas.microsoft.com/office/drawing/2014/main" id="{08E14945-1CA7-DAD3-D1FA-11A6E1766FA3}"/>
+                <a16:creationId xmlns:a16="http://schemas.microsoft.com/office/drawing/2014/main" id="{4EB6D8AB-1102-D1DD-9514-E2C1020A687C}"/>
               </a:ext>
             </a:extLst>
           </p:cNvPr>
@@ -37351,8 +37343,8 @@
         </p:blipFill>
         <p:spPr>
           <a:xfrm>
-            <a:off x="1123950" y="595313"/>
-            <a:ext cx="9944099" cy="5667374"/>
+            <a:off x="1282459" y="641276"/>
+            <a:ext cx="9627079" cy="5567962"/>
           </a:xfrm>
           <a:prstGeom prst="rect">
             <a:avLst/>
@@ -39115,6 +39107,15 @@
 </file>
 
 <file path=customXml/item1.xml><?xml version="1.0" encoding="utf-8"?>
+<?mso-contentType ?>
+<FormTemplates xmlns="http://schemas.microsoft.com/sharepoint/v3/contenttype/forms">
+  <Display>DocumentLibraryForm</Display>
+  <Edit>DocumentLibraryForm</Edit>
+  <New>DocumentLibraryForm</New>
+</FormTemplates>
+</file>
+
+<file path=customXml/item2.xml><?xml version="1.0" encoding="utf-8"?>
 <ct:contentTypeSchema xmlns:ct="http://schemas.microsoft.com/office/2006/metadata/contentType" xmlns:ma="http://schemas.microsoft.com/office/2006/metadata/properties/metaAttributes" ct:_="" ma:_="" ma:contentTypeName="Document" ma:contentTypeID="0x010100D118B785BDA75D4CBB90A80876566430" ma:contentTypeVersion="1" ma:contentTypeDescription="Create a new document." ma:contentTypeScope="" ma:versionID="e39877b95c27bf5f53458c22044a0ddb">
   <xsd:schema xmlns:xsd="http://www.w3.org/2001/XMLSchema" xmlns:xs="http://www.w3.org/2001/XMLSchema" xmlns:p="http://schemas.microsoft.com/office/2006/metadata/properties" xmlns:ns3="58a92a34-6a55-4443-b506-6bf62df04849" targetNamespace="http://schemas.microsoft.com/office/2006/metadata/properties" ma:root="true" ma:fieldsID="c494b0f94c741932b2e505111c4885da" ns3:_="">
     <xsd:import namespace="58a92a34-6a55-4443-b506-6bf62df04849"/>
@@ -39240,15 +39241,6 @@
 </ct:contentTypeSchema>
 </file>
 
-<file path=customXml/item2.xml><?xml version="1.0" encoding="utf-8"?>
-<?mso-contentType ?>
-<FormTemplates xmlns="http://schemas.microsoft.com/sharepoint/v3/contenttype/forms">
-  <Display>DocumentLibraryForm</Display>
-  <Edit>DocumentLibraryForm</Edit>
-  <New>DocumentLibraryForm</New>
-</FormTemplates>
-</file>
-
 <file path=customXml/item3.xml><?xml version="1.0" encoding="utf-8"?>
 <p:properties xmlns:p="http://schemas.microsoft.com/office/2006/metadata/properties" xmlns:xsi="http://www.w3.org/2001/XMLSchema-instance" xmlns:pc="http://schemas.microsoft.com/office/infopath/2007/PartnerControls">
   <documentManagement/>
@@ -39256,6 +39248,14 @@
 </file>
 
 <file path=customXml/itemProps1.xml><?xml version="1.0" encoding="utf-8"?>
+<ds:datastoreItem xmlns:ds="http://schemas.openxmlformats.org/officeDocument/2006/customXml" ds:itemID="{B17B38D2-646E-49A0-B698-1696F94D5170}">
+  <ds:schemaRefs>
+    <ds:schemaRef ds:uri="http://schemas.microsoft.com/sharepoint/v3/contenttype/forms"/>
+  </ds:schemaRefs>
+</ds:datastoreItem>
+</file>
+
+<file path=customXml/itemProps2.xml><?xml version="1.0" encoding="utf-8"?>
 <ds:datastoreItem xmlns:ds="http://schemas.openxmlformats.org/officeDocument/2006/customXml" ds:itemID="{2BCB3704-902E-45D6-9DEE-D031D9E3DF84}">
   <ds:schemaRefs>
     <ds:schemaRef ds:uri="http://schemas.microsoft.com/office/2006/metadata/contentType"/>
@@ -39269,14 +39269,6 @@
     <ds:schemaRef ds:uri="http://purl.org/dc/elements/1.1/"/>
     <ds:schemaRef ds:uri="http://purl.org/dc/terms/"/>
     <ds:schemaRef ds:uri="http://schemas.microsoft.com/internal/obd"/>
-  </ds:schemaRefs>
-</ds:datastoreItem>
-</file>
-
-<file path=customXml/itemProps2.xml><?xml version="1.0" encoding="utf-8"?>
-<ds:datastoreItem xmlns:ds="http://schemas.openxmlformats.org/officeDocument/2006/customXml" ds:itemID="{B17B38D2-646E-49A0-B698-1696F94D5170}">
-  <ds:schemaRefs>
-    <ds:schemaRef ds:uri="http://schemas.microsoft.com/sharepoint/v3/contenttype/forms"/>
   </ds:schemaRefs>
 </ds:datastoreItem>
 </file>

--- a/presentation/Presentation Slides- Food deserts in US.pptx
+++ b/presentation/Presentation Slides- Food deserts in US.pptx
@@ -23373,30 +23373,27 @@
           <a:p>
             <a:pPr algn="l"/>
             <a:r>
-              <a:rPr lang="en-US" sz="1800" dirty="0">
+              <a:rPr lang="en-US" sz="2000" dirty="0">
                 <a:effectLst/>
-                <a:latin typeface="Times New Roman" panose="02020603050405020304" pitchFamily="18" charset="0"/>
                 <a:ea typeface="Aptos" panose="020B0004020202020204" pitchFamily="34" charset="0"/>
               </a:rPr>
               <a:t>Manoj </a:t>
             </a:r>
             <a:r>
-              <a:rPr lang="en-US" sz="1800" dirty="0" err="1">
+              <a:rPr lang="en-US" sz="2000" dirty="0" err="1">
                 <a:effectLst/>
-                <a:latin typeface="Times New Roman" panose="02020603050405020304" pitchFamily="18" charset="0"/>
                 <a:ea typeface="Aptos" panose="020B0004020202020204" pitchFamily="34" charset="0"/>
               </a:rPr>
               <a:t>Kodihalli</a:t>
             </a:r>
             <a:r>
-              <a:rPr lang="en-US" sz="1800" dirty="0">
+              <a:rPr lang="en-US" sz="2000" dirty="0">
                 <a:effectLst/>
-                <a:latin typeface="Times New Roman" panose="02020603050405020304" pitchFamily="18" charset="0"/>
                 <a:ea typeface="Aptos" panose="020B0004020202020204" pitchFamily="34" charset="0"/>
               </a:rPr>
               <a:t> Venkatesh</a:t>
             </a:r>
-            <a:endParaRPr lang="en-IN" sz="2000" dirty="0" err="1"/>
+            <a:endParaRPr lang="en-IN" sz="2400" dirty="0" err="1"/>
           </a:p>
         </p:txBody>
       </p:sp>
@@ -26906,7 +26903,7 @@
           <p:nvPr>
             <p:extLst>
               <p:ext uri="{D42A27DB-BD31-4B8C-83A1-F6EECF244321}">
-                <p14:modId xmlns:p14="http://schemas.microsoft.com/office/powerpoint/2010/main" val="2622597430"/>
+                <p14:modId xmlns:p14="http://schemas.microsoft.com/office/powerpoint/2010/main" val="1877559090"/>
               </p:ext>
             </p:extLst>
           </p:nvPr>
@@ -26999,7 +26996,7 @@
                     <a:bodyPr/>
                     <a:lstStyle/>
                     <a:p>
-                      <a:pPr algn="just" rtl="0">
+                      <a:pPr algn="l" rtl="0">
                         <a:buNone/>
                       </a:pPr>
                       <a:r>
@@ -27094,27 +27091,20 @@
                     <a:bodyPr/>
                     <a:lstStyle/>
                     <a:p>
-                      <a:pPr algn="just" rtl="0">
-                        <a:buNone/>
-                      </a:pPr>
+                      <a:pPr algn="ctr" rtl="0" fontAlgn="ctr"/>
                       <a:r>
-                        <a:rPr lang="en-US" sz="1100" b="1" i="0" cap="none" spc="0" dirty="0" err="1">
+                        <a:rPr lang="en-IN" sz="1100" b="1" i="0" u="none" strike="noStrike">
                           <a:solidFill>
-                            <a:schemeClr val="tx1"/>
+                            <a:srgbClr val="000000"/>
                           </a:solidFill>
                           <a:effectLst/>
+                          <a:latin typeface="Calibri" panose="020F0502020204030204" pitchFamily="34" charset="0"/>
                         </a:rPr>
                         <a:t>LowIncomeTracts</a:t>
                       </a:r>
-                      <a:endParaRPr lang="en-US" sz="1100" cap="none" spc="0" dirty="0" err="1">
-                        <a:solidFill>
-                          <a:schemeClr val="tx1"/>
-                        </a:solidFill>
-                        <a:effectLst/>
-                      </a:endParaRPr>
                     </a:p>
                   </a:txBody>
-                  <a:tcPr marL="86349" marR="86349" marT="86349" marB="43174" anchor="ctr">
+                  <a:tcPr marL="4763" marR="4763" marT="4763" marB="0" anchor="ctr">
                     <a:lnL w="12700" cmpd="sng">
                       <a:noFill/>
                       <a:prstDash val="solid"/>
@@ -27146,27 +27136,20 @@
                     <a:bodyPr/>
                     <a:lstStyle/>
                     <a:p>
-                      <a:pPr algn="just" rtl="0">
-                        <a:buNone/>
-                      </a:pPr>
+                      <a:pPr algn="ctr" rtl="0" fontAlgn="ctr"/>
                       <a:r>
-                        <a:rPr lang="en-US" sz="1100" b="1" i="0" cap="none" spc="0" dirty="0">
+                        <a:rPr lang="en-IN" sz="1100" b="1" i="0" u="none" strike="noStrike">
                           <a:solidFill>
-                            <a:schemeClr val="tx1"/>
+                            <a:srgbClr val="000000"/>
                           </a:solidFill>
                           <a:effectLst/>
+                          <a:latin typeface="Calibri" panose="020F0502020204030204" pitchFamily="34" charset="0"/>
                         </a:rPr>
                         <a:t>0.58</a:t>
                       </a:r>
-                      <a:endParaRPr lang="en-US" sz="1100" cap="none" spc="0" dirty="0">
-                        <a:solidFill>
-                          <a:schemeClr val="tx1"/>
-                        </a:solidFill>
-                        <a:effectLst/>
-                      </a:endParaRPr>
                     </a:p>
                   </a:txBody>
-                  <a:tcPr marL="86349" marR="86349" marT="86349" marB="43174" anchor="ctr">
+                  <a:tcPr marL="4763" marR="4763" marT="4763" marB="0" anchor="ctr">
                     <a:lnL w="12700" cmpd="sng">
                       <a:noFill/>
                       <a:prstDash val="solid"/>
@@ -27198,27 +27181,20 @@
                     <a:bodyPr/>
                     <a:lstStyle/>
                     <a:p>
-                      <a:pPr algn="just" rtl="0">
-                        <a:buNone/>
-                      </a:pPr>
+                      <a:pPr algn="ctr" rtl="0" fontAlgn="ctr"/>
                       <a:r>
-                        <a:rPr lang="en-US" sz="1100" b="1" i="0" cap="none" spc="0" dirty="0">
+                        <a:rPr lang="en-US" sz="1100" b="1" i="0" u="none" strike="noStrike">
                           <a:solidFill>
-                            <a:schemeClr val="tx1"/>
+                            <a:srgbClr val="000000"/>
                           </a:solidFill>
                           <a:effectLst/>
+                          <a:latin typeface="Calibri" panose="020F0502020204030204" pitchFamily="34" charset="0"/>
                         </a:rPr>
                         <a:t>Number of Census tracts that meet the low-income criterion.</a:t>
                       </a:r>
-                      <a:endParaRPr lang="en-US" sz="1100" cap="none" spc="0" dirty="0">
-                        <a:solidFill>
-                          <a:schemeClr val="tx1"/>
-                        </a:solidFill>
-                        <a:effectLst/>
-                      </a:endParaRPr>
                     </a:p>
                   </a:txBody>
-                  <a:tcPr marL="86349" marR="86349" marT="86349" marB="43174" anchor="ctr">
+                  <a:tcPr marL="4763" marR="4763" marT="4763" marB="0" anchor="ctr">
                     <a:lnL w="12700" cmpd="sng">
                       <a:noFill/>
                       <a:prstDash val="solid"/>
@@ -27257,36 +27233,20 @@
                     <a:bodyPr/>
                     <a:lstStyle/>
                     <a:p>
-                      <a:pPr algn="just" rtl="0">
-                        <a:buNone/>
-                      </a:pPr>
+                      <a:pPr algn="ctr" rtl="0" fontAlgn="ctr"/>
                       <a:r>
-                        <a:rPr lang="en-US" sz="1100" b="1" i="0" cap="none" spc="0" dirty="0" err="1">
+                        <a:rPr lang="en-IN" sz="1100" b="1" i="0" u="none" strike="noStrike">
                           <a:solidFill>
-                            <a:schemeClr val="tx1"/>
+                            <a:srgbClr val="000000"/>
                           </a:solidFill>
                           <a:effectLst/>
+                          <a:latin typeface="Calibri" panose="020F0502020204030204" pitchFamily="34" charset="0"/>
                         </a:rPr>
-                        <a:t>LILATracts_Vehicle</a:t>
+                        <a:t>LA1and10 </a:t>
                       </a:r>
-                      <a:r>
-                        <a:rPr lang="en-US" sz="1100" b="1" i="0" cap="none" spc="0" dirty="0">
-                          <a:solidFill>
-                            <a:schemeClr val="tx1"/>
-                          </a:solidFill>
-                          <a:effectLst/>
-                        </a:rPr>
-                        <a:t> </a:t>
-                      </a:r>
-                      <a:endParaRPr lang="en-US" sz="1100" cap="none" spc="0" dirty="0">
-                        <a:solidFill>
-                          <a:schemeClr val="tx1"/>
-                        </a:solidFill>
-                        <a:effectLst/>
-                      </a:endParaRPr>
                     </a:p>
                   </a:txBody>
-                  <a:tcPr marL="86349" marR="86349" marT="86349" marB="43174" anchor="ctr">
+                  <a:tcPr marL="4763" marR="4763" marT="4763" marB="0" anchor="ctr">
                     <a:lnL w="12700" cmpd="sng">
                       <a:noFill/>
                       <a:prstDash val="solid"/>
@@ -27319,27 +27279,20 @@
                     <a:bodyPr/>
                     <a:lstStyle/>
                     <a:p>
-                      <a:pPr algn="just" rtl="0">
-                        <a:buNone/>
-                      </a:pPr>
+                      <a:pPr algn="ctr" rtl="0" fontAlgn="ctr"/>
                       <a:r>
-                        <a:rPr lang="en-US" sz="1100" b="1" i="0" cap="none" spc="0" dirty="0">
+                        <a:rPr lang="en-IN" sz="1100" b="1" i="0" u="none" strike="noStrike">
                           <a:solidFill>
-                            <a:schemeClr val="tx1"/>
+                            <a:srgbClr val="000000"/>
                           </a:solidFill>
                           <a:effectLst/>
+                          <a:latin typeface="Calibri" panose="020F0502020204030204" pitchFamily="34" charset="0"/>
                         </a:rPr>
-                        <a:t>0.33</a:t>
+                        <a:t>0.54</a:t>
                       </a:r>
-                      <a:endParaRPr lang="en-US" sz="1100" cap="none" spc="0" dirty="0">
-                        <a:solidFill>
-                          <a:schemeClr val="tx1"/>
-                        </a:solidFill>
-                        <a:effectLst/>
-                      </a:endParaRPr>
                     </a:p>
                   </a:txBody>
-                  <a:tcPr marL="86349" marR="86349" marT="86349" marB="43174" anchor="ctr">
+                  <a:tcPr marL="4763" marR="4763" marT="4763" marB="0" anchor="ctr">
                     <a:lnL w="12700" cmpd="sng">
                       <a:noFill/>
                       <a:prstDash val="solid"/>
@@ -27372,27 +27325,20 @@
                     <a:bodyPr/>
                     <a:lstStyle/>
                     <a:p>
-                      <a:pPr algn="just" rtl="0">
-                        <a:buNone/>
-                      </a:pPr>
+                      <a:pPr algn="ctr" rtl="0" fontAlgn="ctr"/>
                       <a:r>
-                        <a:rPr lang="en-US" sz="1100" b="1" i="0" cap="none" spc="0" dirty="0">
+                        <a:rPr lang="en-US" sz="1100" b="1" i="0" u="none" strike="noStrike">
                           <a:solidFill>
-                            <a:schemeClr val="tx1"/>
+                            <a:srgbClr val="000000"/>
                           </a:solidFill>
                           <a:effectLst/>
+                          <a:latin typeface="Calibri" panose="020F0502020204030204" pitchFamily="34" charset="0"/>
                         </a:rPr>
-                        <a:t>Tracts classified as low-access based on limited vehicle availability criteria.</a:t>
+                        <a:t>Total population in low-access areas using a 1 mile (urban) / 10 mile (rural) distance threshold.</a:t>
                       </a:r>
-                      <a:endParaRPr lang="en-US" sz="1100" cap="none" spc="0" dirty="0">
-                        <a:solidFill>
-                          <a:schemeClr val="tx1"/>
-                        </a:solidFill>
-                        <a:effectLst/>
-                      </a:endParaRPr>
                     </a:p>
                   </a:txBody>
-                  <a:tcPr marL="86349" marR="86349" marT="86349" marB="43174" anchor="ctr">
+                  <a:tcPr marL="4763" marR="4763" marT="4763" marB="0" anchor="ctr">
                     <a:lnL w="12700" cmpd="sng">
                       <a:noFill/>
                       <a:prstDash val="solid"/>
@@ -27432,27 +27378,20 @@
                     <a:bodyPr/>
                     <a:lstStyle/>
                     <a:p>
-                      <a:pPr algn="just" rtl="0">
-                        <a:buNone/>
-                      </a:pPr>
+                      <a:pPr algn="ctr" rtl="0" fontAlgn="ctr"/>
                       <a:r>
-                        <a:rPr lang="en-US" sz="1100" b="1" i="0" cap="none" spc="0" dirty="0" err="1">
+                        <a:rPr lang="en-IN" sz="1100" b="1" i="0" u="none" strike="noStrike">
                           <a:solidFill>
-                            <a:schemeClr val="tx1"/>
+                            <a:srgbClr val="000000"/>
                           </a:solidFill>
                           <a:effectLst/>
+                          <a:latin typeface="Calibri" panose="020F0502020204030204" pitchFamily="34" charset="0"/>
                         </a:rPr>
-                        <a:t>lalowihalfshare</a:t>
+                        <a:t>lasnap10share </a:t>
                       </a:r>
-                      <a:endParaRPr lang="en-US" sz="1100" cap="none" spc="0" dirty="0" err="1">
-                        <a:solidFill>
-                          <a:schemeClr val="tx1"/>
-                        </a:solidFill>
-                        <a:effectLst/>
-                      </a:endParaRPr>
                     </a:p>
                   </a:txBody>
-                  <a:tcPr marL="86349" marR="86349" marT="86349" marB="43174" anchor="ctr">
+                  <a:tcPr marL="4763" marR="4763" marT="4763" marB="0" anchor="ctr">
                     <a:lnL w="12700" cmpd="sng">
                       <a:noFill/>
                       <a:prstDash val="solid"/>
@@ -27485,27 +27424,20 @@
                     <a:bodyPr/>
                     <a:lstStyle/>
                     <a:p>
-                      <a:pPr algn="just" rtl="0">
-                        <a:buNone/>
-                      </a:pPr>
+                      <a:pPr algn="ctr" rtl="0" fontAlgn="ctr"/>
                       <a:r>
-                        <a:rPr lang="en-US" sz="1100" b="1" i="0" cap="none" spc="0" dirty="0">
+                        <a:rPr lang="en-IN" sz="1100" b="1" i="0" u="none" strike="noStrike">
                           <a:solidFill>
-                            <a:schemeClr val="tx1"/>
+                            <a:srgbClr val="000000"/>
                           </a:solidFill>
                           <a:effectLst/>
+                          <a:latin typeface="Calibri" panose="020F0502020204030204" pitchFamily="34" charset="0"/>
                         </a:rPr>
-                        <a:t>0.40</a:t>
+                        <a:t>0.48</a:t>
                       </a:r>
-                      <a:endParaRPr lang="en-US" sz="1100" cap="none" spc="0" dirty="0">
-                        <a:solidFill>
-                          <a:schemeClr val="tx1"/>
-                        </a:solidFill>
-                        <a:effectLst/>
-                      </a:endParaRPr>
                     </a:p>
                   </a:txBody>
-                  <a:tcPr marL="86349" marR="86349" marT="86349" marB="43174" anchor="ctr">
+                  <a:tcPr marL="4763" marR="4763" marT="4763" marB="0" anchor="ctr">
                     <a:lnL w="12700" cmpd="sng">
                       <a:noFill/>
                       <a:prstDash val="solid"/>
@@ -27538,27 +27470,20 @@
                     <a:bodyPr/>
                     <a:lstStyle/>
                     <a:p>
-                      <a:pPr algn="just" rtl="0">
-                        <a:buNone/>
-                      </a:pPr>
+                      <a:pPr algn="ctr" rtl="0" fontAlgn="ctr"/>
                       <a:r>
-                        <a:rPr lang="en-US" sz="1100" b="1" i="0" cap="none" spc="0" dirty="0">
+                        <a:rPr lang="en-US" sz="1100" b="1" i="0" u="none" strike="noStrike">
                           <a:solidFill>
-                            <a:schemeClr val="tx1"/>
+                            <a:srgbClr val="000000"/>
                           </a:solidFill>
                           <a:effectLst/>
+                          <a:latin typeface="Calibri" panose="020F0502020204030204" pitchFamily="34" charset="0"/>
                         </a:rPr>
-                        <a:t>Share of the low-income population living in low-access areas (0.5 mile/10 mile threshold)</a:t>
+                        <a:t>Share of the population participating in Supplemental Nutrition Assistance Program in low-access areas (10 mile threshold).</a:t>
                       </a:r>
-                      <a:endParaRPr lang="en-US" sz="1100" cap="none" spc="0" dirty="0">
-                        <a:solidFill>
-                          <a:schemeClr val="tx1"/>
-                        </a:solidFill>
-                        <a:effectLst/>
-                      </a:endParaRPr>
                     </a:p>
                   </a:txBody>
-                  <a:tcPr marL="86349" marR="86349" marT="86349" marB="43174" anchor="ctr">
+                  <a:tcPr marL="4763" marR="4763" marT="4763" marB="0" anchor="ctr">
                     <a:lnL w="12700" cmpd="sng">
                       <a:noFill/>
                       <a:prstDash val="solid"/>
@@ -27598,36 +27523,20 @@
                     <a:bodyPr/>
                     <a:lstStyle/>
                     <a:p>
-                      <a:pPr algn="just" rtl="0">
-                        <a:buNone/>
-                      </a:pPr>
+                      <a:pPr algn="ctr" rtl="0" fontAlgn="ctr"/>
                       <a:r>
-                        <a:rPr lang="en-US" sz="1100" b="1" i="0" cap="none" spc="0" dirty="0" err="1">
+                        <a:rPr lang="en-IN" sz="1100" b="1" i="0" u="none" strike="noStrike">
                           <a:solidFill>
-                            <a:schemeClr val="tx1"/>
+                            <a:srgbClr val="000000"/>
                           </a:solidFill>
                           <a:effectLst/>
+                          <a:latin typeface="Calibri" panose="020F0502020204030204" pitchFamily="34" charset="0"/>
                         </a:rPr>
-                        <a:t>MedianFamilyIncome</a:t>
+                        <a:t>lalowihalfshare</a:t>
                       </a:r>
-                      <a:r>
-                        <a:rPr lang="en-US" sz="1100" b="1" i="0" cap="none" spc="0" dirty="0">
-                          <a:solidFill>
-                            <a:schemeClr val="tx1"/>
-                          </a:solidFill>
-                          <a:effectLst/>
-                        </a:rPr>
-                        <a:t> </a:t>
-                      </a:r>
-                      <a:endParaRPr lang="en-US" sz="1100" cap="none" spc="0" dirty="0">
-                        <a:solidFill>
-                          <a:schemeClr val="tx1"/>
-                        </a:solidFill>
-                        <a:effectLst/>
-                      </a:endParaRPr>
                     </a:p>
                   </a:txBody>
-                  <a:tcPr marL="86349" marR="86349" marT="86349" marB="43174" anchor="ctr">
+                  <a:tcPr marL="4763" marR="4763" marT="4763" marB="0" anchor="ctr">
                     <a:lnL w="12700" cmpd="sng">
                       <a:noFill/>
                       <a:prstDash val="solid"/>
@@ -27660,27 +27569,20 @@
                     <a:bodyPr/>
                     <a:lstStyle/>
                     <a:p>
-                      <a:pPr algn="just" rtl="0">
-                        <a:buNone/>
-                      </a:pPr>
+                      <a:pPr algn="ctr" rtl="0" fontAlgn="ctr"/>
                       <a:r>
-                        <a:rPr lang="en-US" sz="1100" b="1" i="0" cap="none" spc="0" dirty="0">
+                        <a:rPr lang="en-IN" sz="1100" b="1" i="0" u="none" strike="noStrike">
                           <a:solidFill>
-                            <a:schemeClr val="tx1"/>
+                            <a:srgbClr val="000000"/>
                           </a:solidFill>
                           <a:effectLst/>
+                          <a:latin typeface="Calibri" panose="020F0502020204030204" pitchFamily="34" charset="0"/>
                         </a:rPr>
-                        <a:t>-0.41</a:t>
+                        <a:t>0.4</a:t>
                       </a:r>
-                      <a:endParaRPr lang="en-US" sz="1100" cap="none" spc="0" dirty="0">
-                        <a:solidFill>
-                          <a:schemeClr val="tx1"/>
-                        </a:solidFill>
-                        <a:effectLst/>
-                      </a:endParaRPr>
                     </a:p>
                   </a:txBody>
-                  <a:tcPr marL="86349" marR="86349" marT="86349" marB="43174" anchor="ctr">
+                  <a:tcPr marL="4763" marR="4763" marT="4763" marB="0" anchor="ctr">
                     <a:lnL w="12700" cmpd="sng">
                       <a:noFill/>
                       <a:prstDash val="solid"/>
@@ -27713,27 +27615,20 @@
                     <a:bodyPr/>
                     <a:lstStyle/>
                     <a:p>
-                      <a:pPr algn="just" rtl="0">
-                        <a:buNone/>
-                      </a:pPr>
+                      <a:pPr algn="ctr" rtl="0" fontAlgn="ctr"/>
                       <a:r>
-                        <a:rPr lang="en-US" sz="1100" b="1" i="0" cap="none" spc="0" dirty="0">
+                        <a:rPr lang="en-US" sz="1100" b="1" i="0" u="none" strike="noStrike">
                           <a:solidFill>
-                            <a:schemeClr val="tx1"/>
+                            <a:srgbClr val="000000"/>
                           </a:solidFill>
                           <a:effectLst/>
+                          <a:latin typeface="Calibri" panose="020F0502020204030204" pitchFamily="34" charset="0"/>
                         </a:rPr>
-                        <a:t>Median family income in the Census tract.</a:t>
+                        <a:t>Share of the low-income population living in low-access areas (0.5 mile/10 mile threshold)</a:t>
                       </a:r>
-                      <a:endParaRPr lang="en-US" sz="1100" cap="none" spc="0" dirty="0">
-                        <a:solidFill>
-                          <a:schemeClr val="tx1"/>
-                        </a:solidFill>
-                        <a:effectLst/>
-                      </a:endParaRPr>
                     </a:p>
                   </a:txBody>
-                  <a:tcPr marL="86349" marR="86349" marT="86349" marB="43174" anchor="ctr">
+                  <a:tcPr marL="4763" marR="4763" marT="4763" marB="0" anchor="ctr">
                     <a:lnL w="12700" cmpd="sng">
                       <a:noFill/>
                       <a:prstDash val="solid"/>
@@ -27773,27 +27668,20 @@
                     <a:bodyPr/>
                     <a:lstStyle/>
                     <a:p>
-                      <a:pPr algn="just" rtl="0">
-                        <a:buNone/>
-                      </a:pPr>
+                      <a:pPr algn="ctr" rtl="0" fontAlgn="ctr"/>
                       <a:r>
-                        <a:rPr lang="en-US" sz="1100" b="1" i="0" cap="none" spc="0" dirty="0">
+                        <a:rPr lang="en-IN" sz="1100" b="1" i="0" u="none" strike="noStrike">
                           <a:solidFill>
-                            <a:schemeClr val="tx1"/>
+                            <a:srgbClr val="000000"/>
                           </a:solidFill>
                           <a:effectLst/>
+                          <a:latin typeface="Calibri" panose="020F0502020204030204" pitchFamily="34" charset="0"/>
                         </a:rPr>
-                        <a:t>lasnap10share </a:t>
+                        <a:t>PovertyRate </a:t>
                       </a:r>
-                      <a:endParaRPr lang="en-US" sz="1100" cap="none" spc="0" dirty="0">
-                        <a:solidFill>
-                          <a:schemeClr val="tx1"/>
-                        </a:solidFill>
-                        <a:effectLst/>
-                      </a:endParaRPr>
                     </a:p>
                   </a:txBody>
-                  <a:tcPr marL="86349" marR="86349" marT="86349" marB="43174" anchor="ctr">
+                  <a:tcPr marL="4763" marR="4763" marT="4763" marB="0" anchor="ctr">
                     <a:lnL w="12700" cmpd="sng">
                       <a:noFill/>
                       <a:prstDash val="solid"/>
@@ -27826,27 +27714,20 @@
                     <a:bodyPr/>
                     <a:lstStyle/>
                     <a:p>
-                      <a:pPr algn="just" rtl="0">
-                        <a:buNone/>
-                      </a:pPr>
+                      <a:pPr algn="ctr" rtl="0" fontAlgn="ctr"/>
                       <a:r>
-                        <a:rPr lang="en-US" sz="1100" b="1" i="0" cap="none" spc="0" dirty="0">
+                        <a:rPr lang="en-IN" sz="1100" b="1" i="0" u="none" strike="noStrike">
                           <a:solidFill>
-                            <a:schemeClr val="tx1"/>
+                            <a:srgbClr val="000000"/>
                           </a:solidFill>
                           <a:effectLst/>
+                          <a:latin typeface="Calibri" panose="020F0502020204030204" pitchFamily="34" charset="0"/>
                         </a:rPr>
-                        <a:t>0.48</a:t>
+                        <a:t>0.37</a:t>
                       </a:r>
-                      <a:endParaRPr lang="en-US" sz="1100" cap="none" spc="0" dirty="0">
-                        <a:solidFill>
-                          <a:schemeClr val="tx1"/>
-                        </a:solidFill>
-                        <a:effectLst/>
-                      </a:endParaRPr>
                     </a:p>
                   </a:txBody>
-                  <a:tcPr marL="86349" marR="86349" marT="86349" marB="43174" anchor="ctr">
+                  <a:tcPr marL="4763" marR="4763" marT="4763" marB="0" anchor="ctr">
                     <a:lnL w="12700" cmpd="sng">
                       <a:noFill/>
                       <a:prstDash val="solid"/>
@@ -27879,27 +27760,20 @@
                     <a:bodyPr/>
                     <a:lstStyle/>
                     <a:p>
-                      <a:pPr algn="just" rtl="0">
-                        <a:buNone/>
-                      </a:pPr>
+                      <a:pPr algn="ctr" rtl="0" fontAlgn="ctr"/>
                       <a:r>
-                        <a:rPr lang="en-US" sz="1100" b="1" i="0" cap="none" spc="0" dirty="0">
+                        <a:rPr lang="en-US" sz="1100" b="1" i="0" u="none" strike="noStrike">
                           <a:solidFill>
-                            <a:schemeClr val="tx1"/>
+                            <a:srgbClr val="000000"/>
                           </a:solidFill>
                           <a:effectLst/>
+                          <a:latin typeface="Calibri" panose="020F0502020204030204" pitchFamily="34" charset="0"/>
                         </a:rPr>
-                        <a:t>Share of the population participating in Supplemental Nutrition Assistance Program in low-access areas (10 mile threshold).</a:t>
+                        <a:t>Percentage of individuals in the tract living below the federal poverty level.</a:t>
                       </a:r>
-                      <a:endParaRPr lang="en-US" sz="1100" cap="none" spc="0" dirty="0">
-                        <a:solidFill>
-                          <a:schemeClr val="tx1"/>
-                        </a:solidFill>
-                        <a:effectLst/>
-                      </a:endParaRPr>
                     </a:p>
                   </a:txBody>
-                  <a:tcPr marL="86349" marR="86349" marT="86349" marB="43174" anchor="ctr">
+                  <a:tcPr marL="4763" marR="4763" marT="4763" marB="0" anchor="ctr">
                     <a:lnL w="12700" cmpd="sng">
                       <a:noFill/>
                       <a:prstDash val="solid"/>
@@ -27939,36 +27813,20 @@
                     <a:bodyPr/>
                     <a:lstStyle/>
                     <a:p>
-                      <a:pPr algn="just" rtl="0">
-                        <a:buNone/>
-                      </a:pPr>
+                      <a:pPr algn="ctr" rtl="0" fontAlgn="ctr"/>
                       <a:r>
-                        <a:rPr lang="en-US" sz="1100" b="1" i="0" cap="none" spc="0" dirty="0" err="1">
+                        <a:rPr lang="en-IN" sz="1100" b="1" i="0" u="none" strike="noStrike">
                           <a:solidFill>
-                            <a:schemeClr val="tx1"/>
+                            <a:srgbClr val="000000"/>
                           </a:solidFill>
                           <a:effectLst/>
+                          <a:latin typeface="Calibri" panose="020F0502020204030204" pitchFamily="34" charset="0"/>
                         </a:rPr>
-                        <a:t>PovertyRate</a:t>
+                        <a:t>LILATracts_Vehicle </a:t>
                       </a:r>
-                      <a:r>
-                        <a:rPr lang="en-US" sz="1100" b="1" i="0" cap="none" spc="0" dirty="0">
-                          <a:solidFill>
-                            <a:schemeClr val="tx1"/>
-                          </a:solidFill>
-                          <a:effectLst/>
-                        </a:rPr>
-                        <a:t> </a:t>
-                      </a:r>
-                      <a:endParaRPr lang="en-US" sz="1100" cap="none" spc="0" dirty="0">
-                        <a:solidFill>
-                          <a:schemeClr val="tx1"/>
-                        </a:solidFill>
-                        <a:effectLst/>
-                      </a:endParaRPr>
                     </a:p>
                   </a:txBody>
-                  <a:tcPr marL="86349" marR="86349" marT="86349" marB="43174" anchor="ctr">
+                  <a:tcPr marL="4763" marR="4763" marT="4763" marB="0" anchor="ctr">
                     <a:lnL w="12700" cmpd="sng">
                       <a:noFill/>
                       <a:prstDash val="solid"/>
@@ -28001,27 +27859,20 @@
                     <a:bodyPr/>
                     <a:lstStyle/>
                     <a:p>
-                      <a:pPr algn="just" rtl="0">
-                        <a:buNone/>
-                      </a:pPr>
+                      <a:pPr algn="ctr" rtl="0" fontAlgn="ctr"/>
                       <a:r>
-                        <a:rPr lang="en-US" sz="1100" b="1" i="0" cap="none" spc="0" dirty="0">
+                        <a:rPr lang="en-IN" sz="1100" b="1" i="0" u="none" strike="noStrike">
                           <a:solidFill>
-                            <a:schemeClr val="tx1"/>
+                            <a:srgbClr val="000000"/>
                           </a:solidFill>
                           <a:effectLst/>
+                          <a:latin typeface="Calibri" panose="020F0502020204030204" pitchFamily="34" charset="0"/>
                         </a:rPr>
-                        <a:t>0.37</a:t>
+                        <a:t>0.33</a:t>
                       </a:r>
-                      <a:endParaRPr lang="en-US" sz="1100" cap="none" spc="0" dirty="0">
-                        <a:solidFill>
-                          <a:schemeClr val="tx1"/>
-                        </a:solidFill>
-                        <a:effectLst/>
-                      </a:endParaRPr>
                     </a:p>
                   </a:txBody>
-                  <a:tcPr marL="86349" marR="86349" marT="86349" marB="43174" anchor="ctr">
+                  <a:tcPr marL="4763" marR="4763" marT="4763" marB="0" anchor="ctr">
                     <a:lnL w="12700" cmpd="sng">
                       <a:noFill/>
                       <a:prstDash val="solid"/>
@@ -28054,27 +27905,20 @@
                     <a:bodyPr/>
                     <a:lstStyle/>
                     <a:p>
-                      <a:pPr algn="just" rtl="0">
-                        <a:buNone/>
-                      </a:pPr>
+                      <a:pPr algn="ctr" rtl="0" fontAlgn="ctr"/>
                       <a:r>
-                        <a:rPr lang="en-US" sz="1100" b="1" i="0" cap="none" spc="0" dirty="0">
+                        <a:rPr lang="en-US" sz="1100" b="1" i="0" u="none" strike="noStrike">
                           <a:solidFill>
-                            <a:schemeClr val="tx1"/>
+                            <a:srgbClr val="000000"/>
                           </a:solidFill>
                           <a:effectLst/>
+                          <a:latin typeface="Calibri" panose="020F0502020204030204" pitchFamily="34" charset="0"/>
                         </a:rPr>
-                        <a:t>Percentage of individuals in the tract living below the federal poverty level.</a:t>
+                        <a:t>Tracts classified as low-access based on limited vehicle availability criteria.</a:t>
                       </a:r>
-                      <a:endParaRPr lang="en-US" sz="1100" cap="none" spc="0" dirty="0">
-                        <a:solidFill>
-                          <a:schemeClr val="tx1"/>
-                        </a:solidFill>
-                        <a:effectLst/>
-                      </a:endParaRPr>
                     </a:p>
                   </a:txBody>
-                  <a:tcPr marL="86349" marR="86349" marT="86349" marB="43174" anchor="ctr">
+                  <a:tcPr marL="4763" marR="4763" marT="4763" marB="0" anchor="ctr">
                     <a:lnL w="12700" cmpd="sng">
                       <a:noFill/>
                       <a:prstDash val="solid"/>
@@ -28114,27 +27958,20 @@
                     <a:bodyPr/>
                     <a:lstStyle/>
                     <a:p>
-                      <a:pPr algn="just" rtl="0">
-                        <a:buNone/>
-                      </a:pPr>
+                      <a:pPr algn="ctr" rtl="0" fontAlgn="ctr"/>
                       <a:r>
-                        <a:rPr lang="en-US" sz="1100" b="1" i="0" cap="none" spc="0" dirty="0">
+                        <a:rPr lang="en-IN" sz="1100" b="1" i="0" u="none" strike="noStrike">
                           <a:solidFill>
-                            <a:schemeClr val="tx1"/>
+                            <a:srgbClr val="000000"/>
                           </a:solidFill>
                           <a:effectLst/>
+                          <a:latin typeface="Calibri" panose="020F0502020204030204" pitchFamily="34" charset="0"/>
                         </a:rPr>
-                        <a:t>LA1and10 </a:t>
+                        <a:t>MedianFamilyIncome </a:t>
                       </a:r>
-                      <a:endParaRPr lang="en-US" sz="1100" cap="none" spc="0" dirty="0">
-                        <a:solidFill>
-                          <a:schemeClr val="tx1"/>
-                        </a:solidFill>
-                        <a:effectLst/>
-                      </a:endParaRPr>
                     </a:p>
                   </a:txBody>
-                  <a:tcPr marL="86349" marR="86349" marT="86349" marB="43174" anchor="ctr">
+                  <a:tcPr marL="4763" marR="4763" marT="4763" marB="0" anchor="ctr">
                     <a:lnL w="12700" cmpd="sng">
                       <a:noFill/>
                       <a:prstDash val="solid"/>
@@ -28163,27 +28000,20 @@
                     <a:bodyPr/>
                     <a:lstStyle/>
                     <a:p>
-                      <a:pPr algn="just" rtl="0">
-                        <a:buNone/>
-                      </a:pPr>
+                      <a:pPr algn="ctr" rtl="0" fontAlgn="ctr"/>
                       <a:r>
-                        <a:rPr lang="en-US" sz="1100" b="1" i="0" cap="none" spc="0">
+                        <a:rPr lang="en-IN" sz="1100" b="1" i="0" u="none" strike="noStrike">
                           <a:solidFill>
-                            <a:schemeClr val="tx1"/>
+                            <a:srgbClr val="000000"/>
                           </a:solidFill>
                           <a:effectLst/>
+                          <a:latin typeface="Calibri" panose="020F0502020204030204" pitchFamily="34" charset="0"/>
                         </a:rPr>
-                        <a:t>0.54</a:t>
+                        <a:t>-0.41</a:t>
                       </a:r>
-                      <a:endParaRPr lang="en-US" sz="1100" cap="none" spc="0" dirty="0">
-                        <a:solidFill>
-                          <a:schemeClr val="tx1"/>
-                        </a:solidFill>
-                        <a:effectLst/>
-                      </a:endParaRPr>
                     </a:p>
                   </a:txBody>
-                  <a:tcPr marL="86349" marR="86349" marT="86349" marB="43174" anchor="ctr">
+                  <a:tcPr marL="4763" marR="4763" marT="4763" marB="0" anchor="ctr">
                     <a:lnL w="12700" cmpd="sng">
                       <a:noFill/>
                       <a:prstDash val="solid"/>
@@ -28212,27 +28042,20 @@
                     <a:bodyPr/>
                     <a:lstStyle/>
                     <a:p>
-                      <a:pPr algn="just" rtl="0">
-                        <a:buNone/>
-                      </a:pPr>
+                      <a:pPr algn="ctr" rtl="0" fontAlgn="ctr"/>
                       <a:r>
-                        <a:rPr lang="en-US" sz="1100" b="1" i="0" cap="none" spc="0" dirty="0">
+                        <a:rPr lang="en-US" sz="1100" b="1" i="0" u="none" strike="noStrike" dirty="0">
                           <a:solidFill>
-                            <a:schemeClr val="tx1"/>
+                            <a:srgbClr val="000000"/>
                           </a:solidFill>
                           <a:effectLst/>
+                          <a:latin typeface="Calibri" panose="020F0502020204030204" pitchFamily="34" charset="0"/>
                         </a:rPr>
-                        <a:t>Total population in low-access areas using a 1 mile (urban) / 10 mile (rural) distance threshold.</a:t>
+                        <a:t>Median family income in the Census tract.</a:t>
                       </a:r>
-                      <a:endParaRPr lang="en-US" sz="1100" cap="none" spc="0" dirty="0">
-                        <a:solidFill>
-                          <a:schemeClr val="tx1"/>
-                        </a:solidFill>
-                        <a:effectLst/>
-                      </a:endParaRPr>
                     </a:p>
                   </a:txBody>
-                  <a:tcPr marL="86349" marR="86349" marT="86349" marB="43174" anchor="ctr">
+                  <a:tcPr marL="4763" marR="4763" marT="4763" marB="0" anchor="ctr">
                     <a:lnL w="12700" cmpd="sng">
                       <a:noFill/>
                       <a:prstDash val="solid"/>
@@ -29166,39 +28989,6 @@
           </a:p>
         </p:txBody>
       </p:sp>
-      <p:pic>
-        <p:nvPicPr>
-          <p:cNvPr id="3" name="Picture 2" descr="A graph of obesity and food deserts&#10;&#10;AI-generated content may be incorrect.">
-            <a:extLst>
-              <a:ext uri="{FF2B5EF4-FFF2-40B4-BE49-F238E27FC236}">
-                <a16:creationId xmlns:a16="http://schemas.microsoft.com/office/drawing/2014/main" id="{0E8EDFAB-E5E6-3121-223F-B802BD7C2D0E}"/>
-              </a:ext>
-            </a:extLst>
-          </p:cNvPr>
-          <p:cNvPicPr>
-            <a:picLocks noChangeAspect="1"/>
-          </p:cNvPicPr>
-          <p:nvPr/>
-        </p:nvPicPr>
-        <p:blipFill>
-          <a:blip r:embed="rId2"/>
-          <a:stretch>
-            <a:fillRect/>
-          </a:stretch>
-        </p:blipFill>
-        <p:spPr>
-          <a:xfrm>
-            <a:off x="262468" y="960343"/>
-            <a:ext cx="11667065" cy="4937313"/>
-          </a:xfrm>
-          <a:prstGeom prst="rect">
-            <a:avLst/>
-          </a:prstGeom>
-          <a:ln>
-            <a:noFill/>
-          </a:ln>
-        </p:spPr>
-      </p:pic>
       <p:sp>
         <p:nvSpPr>
           <p:cNvPr id="20" name="Isosceles Triangle 19">
@@ -29264,6 +29054,66 @@
           </a:p>
         </p:txBody>
       </p:sp>
+      <p:pic>
+        <p:nvPicPr>
+          <p:cNvPr id="4" name="Picture 3" descr="A graph of food desert&#10;&#10;AI-generated content may be incorrect.">
+            <a:extLst>
+              <a:ext uri="{FF2B5EF4-FFF2-40B4-BE49-F238E27FC236}">
+                <a16:creationId xmlns:a16="http://schemas.microsoft.com/office/drawing/2014/main" id="{35FD4E2E-989C-16E9-44E6-346B4D7C362D}"/>
+              </a:ext>
+            </a:extLst>
+          </p:cNvPr>
+          <p:cNvPicPr>
+            <a:picLocks noChangeAspect="1"/>
+          </p:cNvPicPr>
+          <p:nvPr/>
+        </p:nvPicPr>
+        <p:blipFill>
+          <a:blip r:embed="rId2"/>
+          <a:stretch>
+            <a:fillRect/>
+          </a:stretch>
+        </p:blipFill>
+        <p:spPr>
+          <a:xfrm>
+            <a:off x="144256" y="1632017"/>
+            <a:ext cx="5836637" cy="3606208"/>
+          </a:xfrm>
+          <a:prstGeom prst="rect">
+            <a:avLst/>
+          </a:prstGeom>
+        </p:spPr>
+      </p:pic>
+      <p:pic>
+        <p:nvPicPr>
+          <p:cNvPr id="6" name="Picture 5" descr="A graph with red and black lines&#10;&#10;AI-generated content may be incorrect.">
+            <a:extLst>
+              <a:ext uri="{FF2B5EF4-FFF2-40B4-BE49-F238E27FC236}">
+                <a16:creationId xmlns:a16="http://schemas.microsoft.com/office/drawing/2014/main" id="{B7F70C59-133E-9E58-B56F-36B1FBEB56F5}"/>
+              </a:ext>
+            </a:extLst>
+          </p:cNvPr>
+          <p:cNvPicPr>
+            <a:picLocks noChangeAspect="1"/>
+          </p:cNvPicPr>
+          <p:nvPr/>
+        </p:nvPicPr>
+        <p:blipFill>
+          <a:blip r:embed="rId3"/>
+          <a:stretch>
+            <a:fillRect/>
+          </a:stretch>
+        </p:blipFill>
+        <p:spPr>
+          <a:xfrm>
+            <a:off x="6047412" y="1632017"/>
+            <a:ext cx="6078069" cy="3755378"/>
+          </a:xfrm>
+          <a:prstGeom prst="rect">
+            <a:avLst/>
+          </a:prstGeom>
+        </p:spPr>
+      </p:pic>
     </p:spTree>
     <p:extLst>
       <p:ext uri="{BB962C8B-B14F-4D97-AF65-F5344CB8AC3E}">
@@ -29304,10 +29154,10 @@
       </p:grpSpPr>
       <p:sp useBgFill="1">
         <p:nvSpPr>
-          <p:cNvPr id="8" name="Rectangle 7">
+          <p:cNvPr id="15" name="Rectangle 14">
             <a:extLst>
               <a:ext uri="{FF2B5EF4-FFF2-40B4-BE49-F238E27FC236}">
-                <a16:creationId xmlns:a16="http://schemas.microsoft.com/office/drawing/2014/main" id="{BCED4D40-4B67-4331-AC48-79B82B4A47D8}"/>
+                <a16:creationId xmlns:a16="http://schemas.microsoft.com/office/drawing/2014/main" id="{91DC6ABD-215C-4EA8-A483-CEF5B99AB385}"/>
               </a:ext>
               <a:ext uri="{C183D7F6-B498-43B3-948B-1728B52AA6E4}">
                 <adec:decorative xmlns:adec="http://schemas.microsoft.com/office/drawing/2017/decorative" val="1"/>
@@ -29328,7 +29178,7 @@
         <p:spPr>
           <a:xfrm>
             <a:off x="0" y="0"/>
-            <a:ext cx="12192000" cy="6858000"/>
+            <a:ext cx="12191999" cy="6857365"/>
           </a:xfrm>
           <a:prstGeom prst="rect">
             <a:avLst/>
@@ -29380,43 +29230,186 @@
         </p:nvSpPr>
         <p:spPr>
           <a:xfrm>
-            <a:off x="638881" y="417576"/>
-            <a:ext cx="10909640" cy="1249394"/>
+            <a:off x="599609" y="679731"/>
+            <a:ext cx="4171994" cy="3736540"/>
           </a:xfrm>
         </p:spPr>
         <p:txBody>
-          <a:bodyPr vert="horz" lIns="91440" tIns="45720" rIns="91440" bIns="45720" rtlCol="0" anchor="ctr">
+          <a:bodyPr vert="horz" lIns="91440" tIns="45720" rIns="91440" bIns="45720" rtlCol="0" anchor="b">
             <a:normAutofit/>
           </a:bodyPr>
           <a:lstStyle/>
           <a:p>
-            <a:pPr defTabSz="914400">
+            <a:pPr algn="l" defTabSz="914400">
               <a:lnSpc>
                 <a:spcPct val="90000"/>
               </a:lnSpc>
             </a:pPr>
             <a:r>
-              <a:rPr lang="en-US" sz="3400" kern="1200" dirty="0">
+              <a:rPr lang="en-US" sz="6000" kern="1200">
+                <a:solidFill>
+                  <a:schemeClr val="tx1"/>
+                </a:solidFill>
                 <a:latin typeface="+mj-lt"/>
                 <a:ea typeface="+mj-ea"/>
                 <a:cs typeface="+mj-cs"/>
               </a:rPr>
               <a:t>Correlation Table</a:t>
             </a:r>
-            <a:endParaRPr lang="en-US" sz="3400" kern="1200" dirty="0">
-              <a:latin typeface="+mj-lt"/>
-              <a:ea typeface="Calibri"/>
-              <a:cs typeface="Calibri"/>
-            </a:endParaRPr>
           </a:p>
         </p:txBody>
       </p:sp>
+      <p:grpSp>
+        <p:nvGrpSpPr>
+          <p:cNvPr id="17" name="Group 16">
+            <a:extLst>
+              <a:ext uri="{FF2B5EF4-FFF2-40B4-BE49-F238E27FC236}">
+                <a16:creationId xmlns:a16="http://schemas.microsoft.com/office/drawing/2014/main" id="{3AF6A671-C637-4547-85F4-51B6D1881399}"/>
+              </a:ext>
+              <a:ext uri="{C183D7F6-B498-43B3-948B-1728B52AA6E4}">
+                <adec:decorative xmlns:adec="http://schemas.microsoft.com/office/drawing/2017/decorative" val="1"/>
+              </a:ext>
+            </a:extLst>
+          </p:cNvPr>
+          <p:cNvGrpSpPr>
+            <a:grpSpLocks noGrp="1" noUngrp="1" noRot="1" noChangeAspect="1" noMove="1" noResize="1"/>
+          </p:cNvGrpSpPr>
+          <p:nvPr>
+            <p:extLst>
+              <p:ext uri="{386F3935-93C4-4BCD-93E2-E3B085C9AB24}">
+                <p16:designElem xmlns:p16="http://schemas.microsoft.com/office/powerpoint/2015/main" val="1"/>
+              </p:ext>
+            </p:extLst>
+          </p:nvPr>
+        </p:nvGrpSpPr>
+        <p:grpSpPr>
+          <a:xfrm>
+            <a:off x="9416432" y="1"/>
+            <a:ext cx="2446384" cy="5777808"/>
+            <a:chOff x="329184" y="1"/>
+            <a:chExt cx="524256" cy="5777808"/>
+          </a:xfrm>
+        </p:grpSpPr>
+        <p:cxnSp>
+          <p:nvCxnSpPr>
+            <p:cNvPr id="18" name="Straight Connector 17">
+              <a:extLst>
+                <a:ext uri="{FF2B5EF4-FFF2-40B4-BE49-F238E27FC236}">
+                  <a16:creationId xmlns:a16="http://schemas.microsoft.com/office/drawing/2014/main" id="{C575CF26-3D3C-4C5A-A2B7-00432016EF62}"/>
+                </a:ext>
+                <a:ext uri="{C183D7F6-B498-43B3-948B-1728B52AA6E4}">
+                  <adec:decorative xmlns:adec="http://schemas.microsoft.com/office/drawing/2017/decorative" val="1"/>
+                </a:ext>
+              </a:extLst>
+            </p:cNvPr>
+            <p:cNvCxnSpPr>
+              <a:cxnSpLocks/>
+            </p:cNvCxnSpPr>
+            <p:nvPr>
+              <p:extLst>
+                <p:ext uri="{386F3935-93C4-4BCD-93E2-E3B085C9AB24}">
+                  <p16:designElem xmlns:p16="http://schemas.microsoft.com/office/powerpoint/2015/main" val="1"/>
+                </p:ext>
+              </p:extLst>
+            </p:nvPr>
+          </p:nvCxnSpPr>
+          <p:spPr>
+            <a:xfrm flipH="1">
+              <a:off x="329184" y="5777809"/>
+              <a:ext cx="521208" cy="0"/>
+            </a:xfrm>
+            <a:prstGeom prst="line">
+              <a:avLst/>
+            </a:prstGeom>
+            <a:ln w="152400">
+              <a:solidFill>
+                <a:schemeClr val="accent4"/>
+              </a:solidFill>
+            </a:ln>
+          </p:spPr>
+          <p:style>
+            <a:lnRef idx="1">
+              <a:schemeClr val="accent1"/>
+            </a:lnRef>
+            <a:fillRef idx="0">
+              <a:schemeClr val="accent1"/>
+            </a:fillRef>
+            <a:effectRef idx="0">
+              <a:schemeClr val="accent1"/>
+            </a:effectRef>
+            <a:fontRef idx="minor">
+              <a:schemeClr val="tx1"/>
+            </a:fontRef>
+          </p:style>
+        </p:cxnSp>
+        <p:sp>
+          <p:nvSpPr>
+            <p:cNvPr id="19" name="Rectangle 18">
+              <a:extLst>
+                <a:ext uri="{FF2B5EF4-FFF2-40B4-BE49-F238E27FC236}">
+                  <a16:creationId xmlns:a16="http://schemas.microsoft.com/office/drawing/2014/main" id="{99413ED5-9ED4-4772-BCE4-2BCAE6B12E35}"/>
+                </a:ext>
+                <a:ext uri="{C183D7F6-B498-43B3-948B-1728B52AA6E4}">
+                  <adec:decorative xmlns:adec="http://schemas.microsoft.com/office/drawing/2017/decorative" val="1"/>
+                </a:ext>
+              </a:extLst>
+            </p:cNvPr>
+            <p:cNvSpPr/>
+            <p:nvPr>
+              <p:extLst>
+                <p:ext uri="{386F3935-93C4-4BCD-93E2-E3B085C9AB24}">
+                  <p16:designElem xmlns:p16="http://schemas.microsoft.com/office/powerpoint/2015/main" val="1"/>
+                </p:ext>
+              </p:extLst>
+            </p:nvPr>
+          </p:nvSpPr>
+          <p:spPr>
+            <a:xfrm>
+              <a:off x="329184" y="1"/>
+              <a:ext cx="524256" cy="5532119"/>
+            </a:xfrm>
+            <a:prstGeom prst="rect">
+              <a:avLst/>
+            </a:prstGeom>
+            <a:solidFill>
+              <a:schemeClr val="accent4"/>
+            </a:solidFill>
+            <a:ln>
+              <a:noFill/>
+            </a:ln>
+          </p:spPr>
+          <p:style>
+            <a:lnRef idx="2">
+              <a:schemeClr val="accent1">
+                <a:shade val="50000"/>
+              </a:schemeClr>
+            </a:lnRef>
+            <a:fillRef idx="1">
+              <a:schemeClr val="accent1"/>
+            </a:fillRef>
+            <a:effectRef idx="0">
+              <a:schemeClr val="accent1"/>
+            </a:effectRef>
+            <a:fontRef idx="minor">
+              <a:schemeClr val="lt1"/>
+            </a:fontRef>
+          </p:style>
+          <p:txBody>
+            <a:bodyPr rtlCol="0" anchor="ctr"/>
+            <a:lstStyle/>
+            <a:p>
+              <a:pPr algn="ctr"/>
+              <a:endParaRPr lang="en-US"/>
+            </a:p>
+          </p:txBody>
+        </p:sp>
+      </p:grpSp>
       <p:sp>
         <p:nvSpPr>
-          <p:cNvPr id="10" name="sketch line">
+          <p:cNvPr id="21" name="Rectangle 20">
             <a:extLst>
               <a:ext uri="{FF2B5EF4-FFF2-40B4-BE49-F238E27FC236}">
-                <a16:creationId xmlns:a16="http://schemas.microsoft.com/office/drawing/2014/main" id="{670CEDEF-4F34-412E-84EE-329C1E936AF5}"/>
+                <a16:creationId xmlns:a16="http://schemas.microsoft.com/office/drawing/2014/main" id="{04357C93-F0CB-4A1C-8F77-4E9063789819}"/>
               </a:ext>
               <a:ext uri="{C183D7F6-B498-43B3-948B-1728B52AA6E4}">
                 <adec:decorative xmlns:adec="http://schemas.microsoft.com/office/drawing/2017/decorative" val="1"/>
@@ -29436,298 +29429,25 @@
         </p:nvSpPr>
         <p:spPr>
           <a:xfrm>
-            <a:off x="3807702" y="1733454"/>
-            <a:ext cx="4572000" cy="18288"/>
+            <a:off x="5386598" y="269324"/>
+            <a:ext cx="6116779" cy="6208776"/>
           </a:xfrm>
-          <a:custGeom>
+          <a:prstGeom prst="rect">
             <a:avLst/>
-            <a:gdLst>
-              <a:gd name="connsiteX0" fmla="*/ 0 w 4572000"/>
-              <a:gd name="connsiteY0" fmla="*/ 0 h 18288"/>
-              <a:gd name="connsiteX1" fmla="*/ 515983 w 4572000"/>
-              <a:gd name="connsiteY1" fmla="*/ 0 h 18288"/>
-              <a:gd name="connsiteX2" fmla="*/ 1031966 w 4572000"/>
-              <a:gd name="connsiteY2" fmla="*/ 0 h 18288"/>
-              <a:gd name="connsiteX3" fmla="*/ 1639389 w 4572000"/>
-              <a:gd name="connsiteY3" fmla="*/ 0 h 18288"/>
-              <a:gd name="connsiteX4" fmla="*/ 2383971 w 4572000"/>
-              <a:gd name="connsiteY4" fmla="*/ 0 h 18288"/>
-              <a:gd name="connsiteX5" fmla="*/ 2945674 w 4572000"/>
-              <a:gd name="connsiteY5" fmla="*/ 0 h 18288"/>
-              <a:gd name="connsiteX6" fmla="*/ 3507377 w 4572000"/>
-              <a:gd name="connsiteY6" fmla="*/ 0 h 18288"/>
-              <a:gd name="connsiteX7" fmla="*/ 4572000 w 4572000"/>
-              <a:gd name="connsiteY7" fmla="*/ 0 h 18288"/>
-              <a:gd name="connsiteX8" fmla="*/ 4572000 w 4572000"/>
-              <a:gd name="connsiteY8" fmla="*/ 18288 h 18288"/>
-              <a:gd name="connsiteX9" fmla="*/ 3873137 w 4572000"/>
-              <a:gd name="connsiteY9" fmla="*/ 18288 h 18288"/>
-              <a:gd name="connsiteX10" fmla="*/ 3311434 w 4572000"/>
-              <a:gd name="connsiteY10" fmla="*/ 18288 h 18288"/>
-              <a:gd name="connsiteX11" fmla="*/ 2749731 w 4572000"/>
-              <a:gd name="connsiteY11" fmla="*/ 18288 h 18288"/>
-              <a:gd name="connsiteX12" fmla="*/ 2050869 w 4572000"/>
-              <a:gd name="connsiteY12" fmla="*/ 18288 h 18288"/>
-              <a:gd name="connsiteX13" fmla="*/ 1306286 w 4572000"/>
-              <a:gd name="connsiteY13" fmla="*/ 18288 h 18288"/>
-              <a:gd name="connsiteX14" fmla="*/ 790303 w 4572000"/>
-              <a:gd name="connsiteY14" fmla="*/ 18288 h 18288"/>
-              <a:gd name="connsiteX15" fmla="*/ 0 w 4572000"/>
-              <a:gd name="connsiteY15" fmla="*/ 18288 h 18288"/>
-              <a:gd name="connsiteX16" fmla="*/ 0 w 4572000"/>
-              <a:gd name="connsiteY16" fmla="*/ 0 h 18288"/>
-            </a:gdLst>
-            <a:ahLst/>
-            <a:cxnLst>
-              <a:cxn ang="0">
-                <a:pos x="connsiteX0" y="connsiteY0"/>
-              </a:cxn>
-              <a:cxn ang="0">
-                <a:pos x="connsiteX1" y="connsiteY1"/>
-              </a:cxn>
-              <a:cxn ang="0">
-                <a:pos x="connsiteX2" y="connsiteY2"/>
-              </a:cxn>
-              <a:cxn ang="0">
-                <a:pos x="connsiteX3" y="connsiteY3"/>
-              </a:cxn>
-              <a:cxn ang="0">
-                <a:pos x="connsiteX4" y="connsiteY4"/>
-              </a:cxn>
-              <a:cxn ang="0">
-                <a:pos x="connsiteX5" y="connsiteY5"/>
-              </a:cxn>
-              <a:cxn ang="0">
-                <a:pos x="connsiteX6" y="connsiteY6"/>
-              </a:cxn>
-              <a:cxn ang="0">
-                <a:pos x="connsiteX7" y="connsiteY7"/>
-              </a:cxn>
-              <a:cxn ang="0">
-                <a:pos x="connsiteX8" y="connsiteY8"/>
-              </a:cxn>
-              <a:cxn ang="0">
-                <a:pos x="connsiteX9" y="connsiteY9"/>
-              </a:cxn>
-              <a:cxn ang="0">
-                <a:pos x="connsiteX10" y="connsiteY10"/>
-              </a:cxn>
-              <a:cxn ang="0">
-                <a:pos x="connsiteX11" y="connsiteY11"/>
-              </a:cxn>
-              <a:cxn ang="0">
-                <a:pos x="connsiteX12" y="connsiteY12"/>
-              </a:cxn>
-              <a:cxn ang="0">
-                <a:pos x="connsiteX13" y="connsiteY13"/>
-              </a:cxn>
-              <a:cxn ang="0">
-                <a:pos x="connsiteX14" y="connsiteY14"/>
-              </a:cxn>
-              <a:cxn ang="0">
-                <a:pos x="connsiteX15" y="connsiteY15"/>
-              </a:cxn>
-              <a:cxn ang="0">
-                <a:pos x="connsiteX16" y="connsiteY16"/>
-              </a:cxn>
-            </a:cxnLst>
-            <a:rect l="l" t="t" r="r" b="b"/>
-            <a:pathLst>
-              <a:path w="4572000" h="18288" fill="none" extrusionOk="0">
-                <a:moveTo>
-                  <a:pt x="0" y="0"/>
-                </a:moveTo>
-                <a:cubicBezTo>
-                  <a:pt x="105156" y="-20963"/>
-                  <a:pt x="340432" y="822"/>
-                  <a:pt x="515983" y="0"/>
-                </a:cubicBezTo>
-                <a:cubicBezTo>
-                  <a:pt x="691534" y="-822"/>
-                  <a:pt x="850679" y="16479"/>
-                  <a:pt x="1031966" y="0"/>
-                </a:cubicBezTo>
-                <a:cubicBezTo>
-                  <a:pt x="1213253" y="-16479"/>
-                  <a:pt x="1443646" y="-18730"/>
-                  <a:pt x="1639389" y="0"/>
-                </a:cubicBezTo>
-                <a:cubicBezTo>
-                  <a:pt x="1835132" y="18730"/>
-                  <a:pt x="2159975" y="18531"/>
-                  <a:pt x="2383971" y="0"/>
-                </a:cubicBezTo>
-                <a:cubicBezTo>
-                  <a:pt x="2607967" y="-18531"/>
-                  <a:pt x="2719096" y="-12030"/>
-                  <a:pt x="2945674" y="0"/>
-                </a:cubicBezTo>
-                <a:cubicBezTo>
-                  <a:pt x="3172252" y="12030"/>
-                  <a:pt x="3269167" y="27666"/>
-                  <a:pt x="3507377" y="0"/>
-                </a:cubicBezTo>
-                <a:cubicBezTo>
-                  <a:pt x="3745587" y="-27666"/>
-                  <a:pt x="4116741" y="18705"/>
-                  <a:pt x="4572000" y="0"/>
-                </a:cubicBezTo>
-                <a:cubicBezTo>
-                  <a:pt x="4572895" y="8974"/>
-                  <a:pt x="4571454" y="9359"/>
-                  <a:pt x="4572000" y="18288"/>
-                </a:cubicBezTo>
-                <a:cubicBezTo>
-                  <a:pt x="4374698" y="3942"/>
-                  <a:pt x="4098874" y="-11042"/>
-                  <a:pt x="3873137" y="18288"/>
-                </a:cubicBezTo>
-                <a:cubicBezTo>
-                  <a:pt x="3647400" y="47618"/>
-                  <a:pt x="3517055" y="5421"/>
-                  <a:pt x="3311434" y="18288"/>
-                </a:cubicBezTo>
-                <a:cubicBezTo>
-                  <a:pt x="3105813" y="31155"/>
-                  <a:pt x="3025168" y="17856"/>
-                  <a:pt x="2749731" y="18288"/>
-                </a:cubicBezTo>
-                <a:cubicBezTo>
-                  <a:pt x="2474294" y="18720"/>
-                  <a:pt x="2291766" y="-14168"/>
-                  <a:pt x="2050869" y="18288"/>
-                </a:cubicBezTo>
-                <a:cubicBezTo>
-                  <a:pt x="1809972" y="50744"/>
-                  <a:pt x="1540276" y="46798"/>
-                  <a:pt x="1306286" y="18288"/>
-                </a:cubicBezTo>
-                <a:cubicBezTo>
-                  <a:pt x="1072296" y="-10222"/>
-                  <a:pt x="972445" y="19645"/>
-                  <a:pt x="790303" y="18288"/>
-                </a:cubicBezTo>
-                <a:cubicBezTo>
-                  <a:pt x="608161" y="16931"/>
-                  <a:pt x="200981" y="8241"/>
-                  <a:pt x="0" y="18288"/>
-                </a:cubicBezTo>
-                <a:cubicBezTo>
-                  <a:pt x="-229" y="14222"/>
-                  <a:pt x="509" y="5816"/>
-                  <a:pt x="0" y="0"/>
-                </a:cubicBezTo>
-                <a:close/>
-              </a:path>
-              <a:path w="4572000" h="18288" stroke="0" extrusionOk="0">
-                <a:moveTo>
-                  <a:pt x="0" y="0"/>
-                </a:moveTo>
-                <a:cubicBezTo>
-                  <a:pt x="143285" y="-9565"/>
-                  <a:pt x="327959" y="-11498"/>
-                  <a:pt x="561703" y="0"/>
-                </a:cubicBezTo>
-                <a:cubicBezTo>
-                  <a:pt x="795447" y="11498"/>
-                  <a:pt x="838260" y="18255"/>
-                  <a:pt x="1077686" y="0"/>
-                </a:cubicBezTo>
-                <a:cubicBezTo>
-                  <a:pt x="1317112" y="-18255"/>
-                  <a:pt x="1437472" y="23514"/>
-                  <a:pt x="1639389" y="0"/>
-                </a:cubicBezTo>
-                <a:cubicBezTo>
-                  <a:pt x="1841306" y="-23514"/>
-                  <a:pt x="2037142" y="-12551"/>
-                  <a:pt x="2292531" y="0"/>
-                </a:cubicBezTo>
-                <a:cubicBezTo>
-                  <a:pt x="2547920" y="12551"/>
-                  <a:pt x="2810436" y="-20352"/>
-                  <a:pt x="2991394" y="0"/>
-                </a:cubicBezTo>
-                <a:cubicBezTo>
-                  <a:pt x="3172352" y="20352"/>
-                  <a:pt x="3530025" y="-13347"/>
-                  <a:pt x="3735977" y="0"/>
-                </a:cubicBezTo>
-                <a:cubicBezTo>
-                  <a:pt x="3941929" y="13347"/>
-                  <a:pt x="4161497" y="34086"/>
-                  <a:pt x="4572000" y="0"/>
-                </a:cubicBezTo>
-                <a:cubicBezTo>
-                  <a:pt x="4571545" y="6162"/>
-                  <a:pt x="4571903" y="11775"/>
-                  <a:pt x="4572000" y="18288"/>
-                </a:cubicBezTo>
-                <a:cubicBezTo>
-                  <a:pt x="4228040" y="36490"/>
-                  <a:pt x="4199736" y="42557"/>
-                  <a:pt x="3873137" y="18288"/>
-                </a:cubicBezTo>
-                <a:cubicBezTo>
-                  <a:pt x="3546538" y="-5981"/>
-                  <a:pt x="3472124" y="16809"/>
-                  <a:pt x="3128554" y="18288"/>
-                </a:cubicBezTo>
-                <a:cubicBezTo>
-                  <a:pt x="2784984" y="19767"/>
-                  <a:pt x="2735896" y="-17781"/>
-                  <a:pt x="2383971" y="18288"/>
-                </a:cubicBezTo>
-                <a:cubicBezTo>
-                  <a:pt x="2032046" y="54357"/>
-                  <a:pt x="2019324" y="2920"/>
-                  <a:pt x="1867989" y="18288"/>
-                </a:cubicBezTo>
-                <a:cubicBezTo>
-                  <a:pt x="1716654" y="33656"/>
-                  <a:pt x="1418675" y="32575"/>
-                  <a:pt x="1169126" y="18288"/>
-                </a:cubicBezTo>
-                <a:cubicBezTo>
-                  <a:pt x="919577" y="4001"/>
-                  <a:pt x="798537" y="16165"/>
-                  <a:pt x="561703" y="18288"/>
-                </a:cubicBezTo>
-                <a:cubicBezTo>
-                  <a:pt x="324869" y="20411"/>
-                  <a:pt x="221395" y="-912"/>
-                  <a:pt x="0" y="18288"/>
-                </a:cubicBezTo>
-                <a:cubicBezTo>
-                  <a:pt x="766" y="10800"/>
-                  <a:pt x="-457" y="8180"/>
-                  <a:pt x="0" y="0"/>
-                </a:cubicBezTo>
-                <a:close/>
-              </a:path>
-            </a:pathLst>
-          </a:custGeom>
+          </a:prstGeom>
           <a:solidFill>
-            <a:schemeClr val="accent2"/>
+            <a:schemeClr val="bg1"/>
           </a:solidFill>
-          <a:ln w="41275" cap="rnd">
-            <a:solidFill>
-              <a:schemeClr val="accent2"/>
-            </a:solidFill>
-            <a:round/>
-            <a:extLst>
-              <a:ext uri="{C807C97D-BFC1-408E-A445-0C87EB9F89A2}">
-                <ask:lineSketchStyleProps xmlns:ask="http://schemas.microsoft.com/office/drawing/2018/sketchyshapes" sd="2727557108">
-                  <a:prstGeom prst="rect">
-                    <a:avLst/>
-                  </a:prstGeom>
-                  <ask:type>
-                    <ask:lineSketchFreehand/>
-                  </ask:type>
-                </ask:lineSketchStyleProps>
-              </a:ext>
-            </a:extLst>
+          <a:ln>
+            <a:noFill/>
           </a:ln>
+          <a:effectLst>
+            <a:outerShdw blurRad="139700" dist="127000" dir="5400000" algn="t" rotWithShape="0">
+              <a:prstClr val="black">
+                <a:alpha val="15000"/>
+              </a:prstClr>
+            </a:outerShdw>
+          </a:effectLst>
         </p:spPr>
         <p:style>
           <a:lnRef idx="2">
@@ -29756,10 +29476,10 @@
       </p:sp>
       <p:pic>
         <p:nvPicPr>
-          <p:cNvPr id="3" name="Picture 2" descr="A screenshot of a graph&#10;&#10;AI-generated content may be incorrect.">
+          <p:cNvPr id="5" name="Picture 4" descr="A blue and white squares with text&#10;&#10;AI-generated content may be incorrect.">
             <a:extLst>
               <a:ext uri="{FF2B5EF4-FFF2-40B4-BE49-F238E27FC236}">
-                <a16:creationId xmlns:a16="http://schemas.microsoft.com/office/drawing/2014/main" id="{3F76BF46-D6FF-59A5-5C33-7996ED228814}"/>
+                <a16:creationId xmlns:a16="http://schemas.microsoft.com/office/drawing/2014/main" id="{D451598A-B4D2-4E56-1802-646EA58B7E5F}"/>
               </a:ext>
             </a:extLst>
           </p:cNvPr>
@@ -29776,8 +29496,8 @@
         </p:blipFill>
         <p:spPr>
           <a:xfrm>
-            <a:off x="320040" y="2386984"/>
-            <a:ext cx="11548872" cy="3031579"/>
+            <a:off x="5640572" y="1641986"/>
+            <a:ext cx="5608830" cy="3463452"/>
           </a:xfrm>
           <a:prstGeom prst="rect">
             <a:avLst/>
@@ -30157,7 +29877,7 @@
                 <a:ea typeface="+mn-lt"/>
                 <a:cs typeface="+mn-lt"/>
               </a:rPr>
-              <a:t>diabetes (r ≈ 0.53).</a:t>
+              <a:t>diabetes (r ≈ 0.5).</a:t>
             </a:r>
             <a:endParaRPr lang="en-IN" sz="2400" dirty="0">
               <a:ea typeface="Calibri"/>
@@ -30218,7 +29938,7 @@
               </a:rPr>
               <a:t> to consider affordability, nutrition quality, and health education.</a:t>
             </a:r>
-            <a:endParaRPr lang="en-IN">
+            <a:endParaRPr lang="en-IN" dirty="0">
               <a:ea typeface="Calibri"/>
               <a:cs typeface="Calibri"/>
             </a:endParaRPr>
@@ -34883,8 +34603,8 @@
         </p:nvSpPr>
         <p:spPr>
           <a:xfrm>
-            <a:off x="838200" y="365125"/>
-            <a:ext cx="3822189" cy="1899912"/>
+            <a:off x="501558" y="358235"/>
+            <a:ext cx="5096435" cy="1899912"/>
           </a:xfrm>
           <a:prstGeom prst="rect">
             <a:avLst/>
@@ -34902,13 +34622,13 @@
               </a:lnSpc>
             </a:pPr>
             <a:r>
-              <a:rPr lang="en-US" sz="4000" b="1"/>
-              <a:t>Conclusion</a:t>
+              <a:rPr lang="en-US" sz="4000" b="1" dirty="0"/>
+              <a:t>Further Considerations</a:t>
             </a:r>
             <a:br>
-              <a:rPr lang="en-US" sz="4000"/>
+              <a:rPr lang="en-US" sz="4000" dirty="0"/>
             </a:br>
-            <a:endParaRPr lang="en-US" sz="4000"/>
+            <a:endParaRPr lang="en-US" sz="4000" dirty="0"/>
           </a:p>
         </p:txBody>
       </p:sp>
@@ -34935,114 +34655,11 @@
         </p:spPr>
         <p:txBody>
           <a:bodyPr spcFirstLastPara="1" vert="horz" lIns="91440" tIns="45720" rIns="91440" bIns="45720" rtlCol="0" anchor="t" anchorCtr="0">
-            <a:normAutofit fontScale="92500" lnSpcReduction="10000"/>
+            <a:normAutofit/>
           </a:bodyPr>
           <a:lstStyle/>
           <a:p>
-            <a:pPr marL="342900" indent="-342900" defTabSz="914400">
-              <a:buFont typeface="Arial"/>
-              <a:buChar char="•"/>
-            </a:pPr>
-            <a:r>
-              <a:rPr lang="en-US" sz="2000" b="1" dirty="0">
-                <a:ea typeface="+mn-lt"/>
-                <a:cs typeface="+mn-lt"/>
-              </a:rPr>
-              <a:t>Food deserts are driven by a combination of geographic, economic, and social factors.</a:t>
-            </a:r>
-            <a:br>
-              <a:rPr lang="en-US" sz="2000" b="1" dirty="0">
-                <a:ea typeface="+mn-lt"/>
-                <a:cs typeface="+mn-lt"/>
-              </a:rPr>
-            </a:br>
-            <a:r>
-              <a:rPr lang="en-US" sz="2000" b="1" dirty="0">
-                <a:ea typeface="+mn-lt"/>
-                <a:cs typeface="+mn-lt"/>
-              </a:rPr>
-              <a:t>  </a:t>
-            </a:r>
-            <a:endParaRPr lang="en-US" sz="2000" dirty="0">
-              <a:latin typeface="Calibri"/>
-              <a:ea typeface="Calibri"/>
-              <a:cs typeface="Calibri"/>
-            </a:endParaRPr>
-          </a:p>
-          <a:p>
-            <a:pPr marL="342900" indent="-342900" defTabSz="914400">
-              <a:buFont typeface="Arial"/>
-              <a:buChar char="•"/>
-            </a:pPr>
-            <a:r>
-              <a:rPr lang="en-US" sz="2000" b="1">
-                <a:ea typeface="+mn-lt"/>
-                <a:cs typeface="+mn-lt"/>
-              </a:rPr>
-              <a:t>Demographic </a:t>
-            </a:r>
-            <a:r>
-              <a:rPr lang="en-US" sz="2000" b="1" i="0">
-                <a:effectLst/>
-                <a:ea typeface="+mn-lt"/>
-                <a:cs typeface="+mn-lt"/>
-              </a:rPr>
-              <a:t>and </a:t>
-            </a:r>
-            <a:r>
-              <a:rPr lang="en-US" sz="2000" b="1">
-                <a:ea typeface="+mn-lt"/>
-                <a:cs typeface="+mn-lt"/>
-              </a:rPr>
-              <a:t>socioeconomic variables—such as poverty rate </a:t>
-            </a:r>
-            <a:r>
-              <a:rPr lang="en-US" sz="2000" b="1" i="0">
-                <a:effectLst/>
-                <a:ea typeface="+mn-lt"/>
-                <a:cs typeface="+mn-lt"/>
-              </a:rPr>
-              <a:t>and </a:t>
-            </a:r>
-            <a:r>
-              <a:rPr lang="en-US" sz="2000" b="1">
-                <a:ea typeface="+mn-lt"/>
-                <a:cs typeface="+mn-lt"/>
-              </a:rPr>
-              <a:t>SNAP participation—are strongly linked</a:t>
-            </a:r>
-            <a:r>
-              <a:rPr lang="en-US" sz="2000">
-                <a:ea typeface="+mn-lt"/>
-                <a:cs typeface="+mn-lt"/>
-              </a:rPr>
-              <a:t> to </a:t>
-            </a:r>
-            <a:r>
-              <a:rPr lang="en-US" sz="2000" i="0">
-                <a:effectLst/>
-                <a:ea typeface="+mn-lt"/>
-                <a:cs typeface="+mn-lt"/>
-              </a:rPr>
-              <a:t>food desert </a:t>
-            </a:r>
-            <a:r>
-              <a:rPr lang="en-US" sz="2000">
-                <a:ea typeface="+mn-lt"/>
-                <a:cs typeface="+mn-lt"/>
-              </a:rPr>
-              <a:t>prevalence, especially in the Southeast and Southwest U.S.</a:t>
-            </a:r>
-            <a:endParaRPr lang="en-US">
-              <a:ea typeface="Calibri"/>
-              <a:cs typeface="Calibri"/>
-            </a:endParaRPr>
-          </a:p>
-          <a:p>
-            <a:pPr marL="342900" indent="-342900" defTabSz="914400">
-              <a:buFont typeface="Arial"/>
-              <a:buChar char="•"/>
-            </a:pPr>
+            <a:pPr defTabSz="914400"/>
             <a:endParaRPr lang="en-US" sz="2000" dirty="0">
               <a:ea typeface="Calibri"/>
               <a:cs typeface="Calibri"/>
@@ -35082,10 +34699,6 @@
               </a:rPr>
               <a:t> with food access alone, highlighting the need for more holistic interventions </a:t>
             </a:r>
-            <a:endParaRPr lang="en-US" sz="2000" dirty="0">
-              <a:ea typeface="Calibri"/>
-              <a:cs typeface="Calibri"/>
-            </a:endParaRPr>
           </a:p>
           <a:p>
             <a:pPr marL="342900" indent="-342900" defTabSz="914400">
@@ -35103,155 +34716,17 @@
               <a:buChar char="•"/>
             </a:pPr>
             <a:r>
-              <a:rPr lang="en-US" sz="2000" b="1">
-                <a:ea typeface="+mn-lt"/>
-                <a:cs typeface="+mn-lt"/>
-              </a:rPr>
-              <a:t>Federal </a:t>
-            </a:r>
-            <a:r>
-              <a:rPr lang="en-US" sz="2000" b="1" i="0">
-                <a:effectLst/>
-                <a:ea typeface="+mn-lt"/>
-                <a:cs typeface="+mn-lt"/>
-              </a:rPr>
-              <a:t>and </a:t>
-            </a:r>
-            <a:r>
-              <a:rPr lang="en-US" sz="2000" b="1">
-                <a:ea typeface="+mn-lt"/>
-                <a:cs typeface="+mn-lt"/>
-              </a:rPr>
-              <a:t>local </a:t>
-            </a:r>
-            <a:r>
-              <a:rPr lang="en-US" sz="2000" b="1" i="0">
-                <a:effectLst/>
-                <a:ea typeface="+mn-lt"/>
-                <a:cs typeface="+mn-lt"/>
-              </a:rPr>
-              <a:t>policies </a:t>
-            </a:r>
-            <a:r>
-              <a:rPr lang="en-US" sz="2000" b="1">
-                <a:ea typeface="+mn-lt"/>
-                <a:cs typeface="+mn-lt"/>
-              </a:rPr>
-              <a:t>must integrate </a:t>
-            </a:r>
-            <a:r>
-              <a:rPr lang="en-US" sz="2000" b="1" i="0">
-                <a:effectLst/>
-                <a:ea typeface="+mn-lt"/>
-                <a:cs typeface="+mn-lt"/>
-              </a:rPr>
-              <a:t>food access</a:t>
-            </a:r>
-            <a:r>
-              <a:rPr lang="en-US" sz="2000" b="1">
-                <a:ea typeface="+mn-lt"/>
-                <a:cs typeface="+mn-lt"/>
-              </a:rPr>
-              <a:t> with broader support systems</a:t>
-            </a:r>
-            <a:r>
-              <a:rPr lang="en-US" sz="2000">
-                <a:ea typeface="+mn-lt"/>
-                <a:cs typeface="+mn-lt"/>
-              </a:rPr>
-              <a:t>, </a:t>
-            </a:r>
-            <a:r>
-              <a:rPr lang="en-US" sz="2000" b="1">
-                <a:ea typeface="+mn-lt"/>
-                <a:cs typeface="+mn-lt"/>
-              </a:rPr>
-              <a:t>such as</a:t>
-            </a:r>
-            <a:r>
-              <a:rPr lang="en-US" sz="2000">
-                <a:ea typeface="+mn-lt"/>
-                <a:cs typeface="+mn-lt"/>
-              </a:rPr>
-              <a:t>:</a:t>
-            </a:r>
-            <a:endParaRPr lang="en-US">
-              <a:ea typeface="Calibri"/>
-              <a:cs typeface="Calibri"/>
-            </a:endParaRPr>
-          </a:p>
-          <a:p>
-            <a:pPr marL="800100" lvl="1" indent="-342900" defTabSz="914400">
-              <a:buFont typeface="Courier New"/>
-              <a:buChar char="o"/>
-            </a:pPr>
-            <a:r>
               <a:rPr lang="en-US" sz="2000" dirty="0">
                 <a:ea typeface="+mn-lt"/>
                 <a:cs typeface="+mn-lt"/>
               </a:rPr>
-              <a:t>Economic development in rural areas</a:t>
+              <a:t>Need to build a pipeline to efficiently filter out all the feature list from the supplementary data sources</a:t>
             </a:r>
-            <a:endParaRPr lang="en-US">
-              <a:ea typeface="Calibri"/>
-              <a:cs typeface="Calibri"/>
-            </a:endParaRPr>
           </a:p>
           <a:p>
-            <a:pPr marL="800100" lvl="1" indent="-342900" defTabSz="914400">
-              <a:buFont typeface="Courier New"/>
-              <a:buChar char="o"/>
-            </a:pPr>
-            <a:r>
-              <a:rPr lang="en-US" sz="2000" dirty="0">
-                <a:ea typeface="+mn-lt"/>
-                <a:cs typeface="+mn-lt"/>
-              </a:rPr>
-              <a:t>Transportation infrastructure</a:t>
-            </a:r>
-            <a:endParaRPr lang="en-US">
-              <a:ea typeface="Calibri"/>
-              <a:cs typeface="Calibri"/>
-            </a:endParaRPr>
-          </a:p>
-          <a:p>
-            <a:pPr marL="800100" lvl="1" indent="-342900" defTabSz="914400">
-              <a:buFont typeface="Courier New"/>
-              <a:buChar char="o"/>
-            </a:pPr>
-            <a:r>
-              <a:rPr lang="en-US" sz="2000" dirty="0">
-                <a:ea typeface="+mn-lt"/>
-                <a:cs typeface="+mn-lt"/>
-              </a:rPr>
-              <a:t>Nutrition education</a:t>
-            </a:r>
-            <a:endParaRPr lang="en-US">
-              <a:ea typeface="Calibri"/>
-              <a:cs typeface="Calibri"/>
-            </a:endParaRPr>
-          </a:p>
-          <a:p>
-            <a:pPr marL="800100" lvl="1" indent="-342900" defTabSz="914400">
-              <a:buFont typeface="Courier New"/>
-              <a:buChar char="o"/>
-            </a:pPr>
-            <a:r>
-              <a:rPr lang="en-US" sz="2000" dirty="0">
-                <a:ea typeface="+mn-lt"/>
-                <a:cs typeface="+mn-lt"/>
-              </a:rPr>
-              <a:t>SNAP expansion and support for local grocers</a:t>
-            </a:r>
-            <a:endParaRPr lang="en-US">
-              <a:ea typeface="Calibri"/>
-              <a:cs typeface="Calibri"/>
-            </a:endParaRPr>
-          </a:p>
-          <a:p>
-            <a:pPr marL="800100" lvl="1" indent="-342900" defTabSz="914400">
-              <a:buFont typeface="Courier New"/>
-              <a:buChar char="o"/>
+            <a:pPr marL="342900" indent="-342900" defTabSz="914400">
+              <a:buFont typeface="Arial"/>
+              <a:buChar char="•"/>
             </a:pPr>
             <a:endParaRPr lang="en-US" sz="2000" dirty="0">
               <a:ea typeface="Calibri"/>
@@ -35259,15 +34734,50 @@
             </a:endParaRPr>
           </a:p>
           <a:p>
-            <a:pPr marL="400050" indent="-342900" defTabSz="914400">
+            <a:pPr marL="342900" indent="-342900" defTabSz="914400">
+              <a:buFont typeface="Arial"/>
+              <a:buChar char="•"/>
+            </a:pPr>
+            <a:r>
+              <a:rPr lang="en-US" sz="2000" dirty="0">
+                <a:ea typeface="Calibri"/>
+                <a:cs typeface="Calibri"/>
+              </a:rPr>
+              <a:t>Will need to investigate the </a:t>
+            </a:r>
+            <a:r>
+              <a:rPr lang="en-US" sz="2000" dirty="0" err="1">
+                <a:ea typeface="Calibri"/>
+                <a:cs typeface="Calibri"/>
+              </a:rPr>
+              <a:t>shap</a:t>
+            </a:r>
+            <a:r>
+              <a:rPr lang="en-US" sz="2000" dirty="0">
+                <a:ea typeface="Calibri"/>
+                <a:cs typeface="Calibri"/>
+              </a:rPr>
+              <a:t> values to observe the exact effect on food deserts</a:t>
+            </a:r>
+          </a:p>
+          <a:p>
+            <a:pPr marL="342900" indent="-342900" defTabSz="914400">
+              <a:buFont typeface="Arial"/>
+              <a:buChar char="•"/>
+            </a:pPr>
+            <a:endParaRPr lang="en-US" sz="2000" dirty="0">
+              <a:ea typeface="+mn-lt"/>
+              <a:cs typeface="+mn-lt"/>
+            </a:endParaRPr>
+          </a:p>
+          <a:p>
+            <a:pPr marL="57150" defTabSz="914400">
               <a:lnSpc>
                 <a:spcPct val="90000"/>
               </a:lnSpc>
               <a:spcAft>
                 <a:spcPts val="600"/>
               </a:spcAft>
-              <a:buFont typeface="Arial" panose="020B0604020202020204" pitchFamily="34" charset="0"/>
-              <a:buChar char="•"/>
             </a:pPr>
             <a:endParaRPr lang="en-US" sz="2000" b="1" dirty="0">
               <a:effectLst/>

--- a/presentation/Presentation Slides- Food deserts in US.pptx
+++ b/presentation/Presentation Slides- Food deserts in US.pptx
@@ -5,39 +5,40 @@
     <p:sldMasterId id="2147483648" r:id="rId4"/>
   </p:sldMasterIdLst>
   <p:notesMasterIdLst>
-    <p:notesMasterId r:id="rId35"/>
+    <p:notesMasterId r:id="rId36"/>
   </p:notesMasterIdLst>
   <p:sldIdLst>
     <p:sldId id="256" r:id="rId5"/>
     <p:sldId id="257" r:id="rId6"/>
     <p:sldId id="258" r:id="rId7"/>
-    <p:sldId id="260" r:id="rId8"/>
-    <p:sldId id="293" r:id="rId9"/>
-    <p:sldId id="283" r:id="rId10"/>
-    <p:sldId id="268" r:id="rId11"/>
-    <p:sldId id="282" r:id="rId12"/>
-    <p:sldId id="281" r:id="rId13"/>
-    <p:sldId id="271" r:id="rId14"/>
-    <p:sldId id="273" r:id="rId15"/>
-    <p:sldId id="280" r:id="rId16"/>
-    <p:sldId id="266" r:id="rId17"/>
-    <p:sldId id="279" r:id="rId18"/>
-    <p:sldId id="284" r:id="rId19"/>
-    <p:sldId id="285" r:id="rId20"/>
-    <p:sldId id="294" r:id="rId21"/>
-    <p:sldId id="295" r:id="rId22"/>
-    <p:sldId id="296" r:id="rId23"/>
-    <p:sldId id="286" r:id="rId24"/>
-    <p:sldId id="274" r:id="rId25"/>
+    <p:sldId id="293" r:id="rId8"/>
+    <p:sldId id="283" r:id="rId9"/>
+    <p:sldId id="268" r:id="rId10"/>
+    <p:sldId id="282" r:id="rId11"/>
+    <p:sldId id="281" r:id="rId12"/>
+    <p:sldId id="271" r:id="rId13"/>
+    <p:sldId id="273" r:id="rId14"/>
+    <p:sldId id="280" r:id="rId15"/>
+    <p:sldId id="266" r:id="rId16"/>
+    <p:sldId id="279" r:id="rId17"/>
+    <p:sldId id="284" r:id="rId18"/>
+    <p:sldId id="285" r:id="rId19"/>
+    <p:sldId id="294" r:id="rId20"/>
+    <p:sldId id="295" r:id="rId21"/>
+    <p:sldId id="296" r:id="rId22"/>
+    <p:sldId id="286" r:id="rId23"/>
+    <p:sldId id="274" r:id="rId24"/>
+    <p:sldId id="297" r:id="rId25"/>
     <p:sldId id="276" r:id="rId26"/>
-    <p:sldId id="287" r:id="rId27"/>
-    <p:sldId id="288" r:id="rId28"/>
-    <p:sldId id="289" r:id="rId29"/>
-    <p:sldId id="290" r:id="rId30"/>
-    <p:sldId id="291" r:id="rId31"/>
-    <p:sldId id="278" r:id="rId32"/>
-    <p:sldId id="277" r:id="rId33"/>
-    <p:sldId id="292" r:id="rId34"/>
+    <p:sldId id="298" r:id="rId27"/>
+    <p:sldId id="287" r:id="rId28"/>
+    <p:sldId id="288" r:id="rId29"/>
+    <p:sldId id="289" r:id="rId30"/>
+    <p:sldId id="290" r:id="rId31"/>
+    <p:sldId id="291" r:id="rId32"/>
+    <p:sldId id="278" r:id="rId33"/>
+    <p:sldId id="277" r:id="rId34"/>
+    <p:sldId id="292" r:id="rId35"/>
   </p:sldIdLst>
   <p:sldSz cx="12192000" cy="6858000"/>
   <p:notesSz cx="6858000" cy="9144000"/>
@@ -23672,629 +23673,6 @@
     </p:bg>
     <p:spTree>
       <p:nvGrpSpPr>
-        <p:cNvPr id="1" name=""/>
-        <p:cNvGrpSpPr/>
-        <p:nvPr/>
-      </p:nvGrpSpPr>
-      <p:grpSpPr>
-        <a:xfrm>
-          <a:off x="0" y="0"/>
-          <a:ext cx="0" cy="0"/>
-          <a:chOff x="0" y="0"/>
-          <a:chExt cx="0" cy="0"/>
-        </a:xfrm>
-      </p:grpSpPr>
-      <p:sp>
-        <p:nvSpPr>
-          <p:cNvPr id="11" name="Rectangle 10">
-            <a:extLst>
-              <a:ext uri="{FF2B5EF4-FFF2-40B4-BE49-F238E27FC236}">
-                <a16:creationId xmlns:a16="http://schemas.microsoft.com/office/drawing/2014/main" id="{F3060C83-F051-4F0E-ABAD-AA0DFC48B218}"/>
-              </a:ext>
-              <a:ext uri="{C183D7F6-B498-43B3-948B-1728B52AA6E4}">
-                <adec:decorative xmlns:adec="http://schemas.microsoft.com/office/drawing/2017/decorative" val="1"/>
-              </a:ext>
-            </a:extLst>
-          </p:cNvPr>
-          <p:cNvSpPr>
-            <a:spLocks noGrp="1" noRot="1" noChangeAspect="1" noMove="1" noResize="1" noEditPoints="1" noAdjustHandles="1" noChangeArrowheads="1" noChangeShapeType="1" noTextEdit="1"/>
-          </p:cNvSpPr>
-          <p:nvPr>
-            <p:extLst>
-              <p:ext uri="{386F3935-93C4-4BCD-93E2-E3B085C9AB24}">
-                <p16:designElem xmlns:p16="http://schemas.microsoft.com/office/powerpoint/2015/main" val="1"/>
-              </p:ext>
-            </p:extLst>
-          </p:nvPr>
-        </p:nvSpPr>
-        <p:spPr>
-          <a:xfrm>
-            <a:off x="0" y="0"/>
-            <a:ext cx="12192000" cy="6858000"/>
-          </a:xfrm>
-          <a:prstGeom prst="rect">
-            <a:avLst/>
-          </a:prstGeom>
-          <a:solidFill>
-            <a:schemeClr val="bg1"/>
-          </a:solidFill>
-          <a:ln>
-            <a:noFill/>
-          </a:ln>
-        </p:spPr>
-        <p:style>
-          <a:lnRef idx="2">
-            <a:schemeClr val="accent1">
-              <a:shade val="50000"/>
-            </a:schemeClr>
-          </a:lnRef>
-          <a:fillRef idx="1">
-            <a:schemeClr val="accent1"/>
-          </a:fillRef>
-          <a:effectRef idx="0">
-            <a:schemeClr val="accent1"/>
-          </a:effectRef>
-          <a:fontRef idx="minor">
-            <a:schemeClr val="lt1"/>
-          </a:fontRef>
-        </p:style>
-        <p:txBody>
-          <a:bodyPr rtlCol="0" anchor="ctr"/>
-          <a:lstStyle/>
-          <a:p>
-            <a:pPr algn="ctr"/>
-            <a:endParaRPr lang="en-US" dirty="0"/>
-          </a:p>
-        </p:txBody>
-      </p:sp>
-      <p:sp>
-        <p:nvSpPr>
-          <p:cNvPr id="13" name="Freeform: Shape 12">
-            <a:extLst>
-              <a:ext uri="{FF2B5EF4-FFF2-40B4-BE49-F238E27FC236}">
-                <a16:creationId xmlns:a16="http://schemas.microsoft.com/office/drawing/2014/main" id="{83C98ABE-055B-441F-B07E-44F97F083C39}"/>
-              </a:ext>
-              <a:ext uri="{C183D7F6-B498-43B3-948B-1728B52AA6E4}">
-                <adec:decorative xmlns:adec="http://schemas.microsoft.com/office/drawing/2017/decorative" val="1"/>
-              </a:ext>
-            </a:extLst>
-          </p:cNvPr>
-          <p:cNvSpPr>
-            <a:spLocks noGrp="1" noRot="1" noChangeAspect="1" noMove="1" noResize="1" noEditPoints="1" noAdjustHandles="1" noChangeArrowheads="1" noChangeShapeType="1" noTextEdit="1"/>
-          </p:cNvSpPr>
-          <p:nvPr>
-            <p:extLst>
-              <p:ext uri="{386F3935-93C4-4BCD-93E2-E3B085C9AB24}">
-                <p16:designElem xmlns:p16="http://schemas.microsoft.com/office/powerpoint/2015/main" val="1"/>
-              </p:ext>
-            </p:extLst>
-          </p:nvPr>
-        </p:nvSpPr>
-        <p:spPr>
-          <a:xfrm rot="18900000" flipH="1">
-            <a:off x="-376156" y="-253670"/>
-            <a:ext cx="1827638" cy="1376989"/>
-          </a:xfrm>
-          <a:custGeom>
-            <a:avLst/>
-            <a:gdLst>
-              <a:gd name="connsiteX0" fmla="*/ 0 w 1827638"/>
-              <a:gd name="connsiteY0" fmla="*/ 987379 h 1376989"/>
-              <a:gd name="connsiteX1" fmla="*/ 987379 w 1827638"/>
-              <a:gd name="connsiteY1" fmla="*/ 0 h 1376989"/>
-              <a:gd name="connsiteX2" fmla="*/ 1827638 w 1827638"/>
-              <a:gd name="connsiteY2" fmla="*/ 840260 h 1376989"/>
-              <a:gd name="connsiteX3" fmla="*/ 1827638 w 1827638"/>
-              <a:gd name="connsiteY3" fmla="*/ 1376989 h 1376989"/>
-              <a:gd name="connsiteX4" fmla="*/ 0 w 1827638"/>
-              <a:gd name="connsiteY4" fmla="*/ 1376989 h 1376989"/>
-            </a:gdLst>
-            <a:ahLst/>
-            <a:cxnLst>
-              <a:cxn ang="0">
-                <a:pos x="connsiteX0" y="connsiteY0"/>
-              </a:cxn>
-              <a:cxn ang="0">
-                <a:pos x="connsiteX1" y="connsiteY1"/>
-              </a:cxn>
-              <a:cxn ang="0">
-                <a:pos x="connsiteX2" y="connsiteY2"/>
-              </a:cxn>
-              <a:cxn ang="0">
-                <a:pos x="connsiteX3" y="connsiteY3"/>
-              </a:cxn>
-              <a:cxn ang="0">
-                <a:pos x="connsiteX4" y="connsiteY4"/>
-              </a:cxn>
-            </a:cxnLst>
-            <a:rect l="l" t="t" r="r" b="b"/>
-            <a:pathLst>
-              <a:path w="1827638" h="1376989">
-                <a:moveTo>
-                  <a:pt x="0" y="987379"/>
-                </a:moveTo>
-                <a:lnTo>
-                  <a:pt x="987379" y="0"/>
-                </a:lnTo>
-                <a:lnTo>
-                  <a:pt x="1827638" y="840260"/>
-                </a:lnTo>
-                <a:lnTo>
-                  <a:pt x="1827638" y="1376989"/>
-                </a:lnTo>
-                <a:lnTo>
-                  <a:pt x="0" y="1376989"/>
-                </a:lnTo>
-                <a:close/>
-              </a:path>
-            </a:pathLst>
-          </a:custGeom>
-          <a:solidFill>
-            <a:schemeClr val="accent1">
-              <a:alpha val="30000"/>
-            </a:schemeClr>
-          </a:solidFill>
-          <a:ln>
-            <a:noFill/>
-          </a:ln>
-        </p:spPr>
-        <p:style>
-          <a:lnRef idx="2">
-            <a:schemeClr val="accent1">
-              <a:shade val="50000"/>
-            </a:schemeClr>
-          </a:lnRef>
-          <a:fillRef idx="1">
-            <a:schemeClr val="accent1"/>
-          </a:fillRef>
-          <a:effectRef idx="0">
-            <a:schemeClr val="accent1"/>
-          </a:effectRef>
-          <a:fontRef idx="minor">
-            <a:schemeClr val="lt1"/>
-          </a:fontRef>
-        </p:style>
-        <p:txBody>
-          <a:bodyPr rtlCol="0" anchor="ctr"/>
-          <a:lstStyle/>
-          <a:p>
-            <a:pPr algn="ctr"/>
-            <a:endParaRPr lang="en-US" dirty="0"/>
-          </a:p>
-        </p:txBody>
-      </p:sp>
-      <p:sp>
-        <p:nvSpPr>
-          <p:cNvPr id="15" name="Rectangle 14">
-            <a:extLst>
-              <a:ext uri="{FF2B5EF4-FFF2-40B4-BE49-F238E27FC236}">
-                <a16:creationId xmlns:a16="http://schemas.microsoft.com/office/drawing/2014/main" id="{29FDB030-9B49-4CED-8CCD-4D99382388AC}"/>
-              </a:ext>
-              <a:ext uri="{C183D7F6-B498-43B3-948B-1728B52AA6E4}">
-                <adec:decorative xmlns:adec="http://schemas.microsoft.com/office/drawing/2017/decorative" val="1"/>
-              </a:ext>
-            </a:extLst>
-          </p:cNvPr>
-          <p:cNvSpPr>
-            <a:spLocks noGrp="1" noRot="1" noChangeAspect="1" noMove="1" noResize="1" noEditPoints="1" noAdjustHandles="1" noChangeArrowheads="1" noChangeShapeType="1" noTextEdit="1"/>
-          </p:cNvSpPr>
-          <p:nvPr>
-            <p:extLst>
-              <p:ext uri="{386F3935-93C4-4BCD-93E2-E3B085C9AB24}">
-                <p16:designElem xmlns:p16="http://schemas.microsoft.com/office/powerpoint/2015/main" val="1"/>
-              </p:ext>
-            </p:extLst>
-          </p:nvPr>
-        </p:nvSpPr>
-        <p:spPr>
-          <a:xfrm rot="18900000" flipH="1">
-            <a:off x="891641" y="422146"/>
-            <a:ext cx="645368" cy="645368"/>
-          </a:xfrm>
-          <a:prstGeom prst="rect">
-            <a:avLst/>
-          </a:prstGeom>
-          <a:solidFill>
-            <a:schemeClr val="accent1">
-              <a:alpha val="30000"/>
-            </a:schemeClr>
-          </a:solidFill>
-          <a:ln>
-            <a:noFill/>
-          </a:ln>
-        </p:spPr>
-        <p:style>
-          <a:lnRef idx="2">
-            <a:schemeClr val="accent1">
-              <a:shade val="50000"/>
-            </a:schemeClr>
-          </a:lnRef>
-          <a:fillRef idx="1">
-            <a:schemeClr val="accent1"/>
-          </a:fillRef>
-          <a:effectRef idx="0">
-            <a:schemeClr val="accent1"/>
-          </a:effectRef>
-          <a:fontRef idx="minor">
-            <a:schemeClr val="lt1"/>
-          </a:fontRef>
-        </p:style>
-        <p:txBody>
-          <a:bodyPr rtlCol="0" anchor="ctr"/>
-          <a:lstStyle/>
-          <a:p>
-            <a:pPr algn="ctr"/>
-            <a:endParaRPr lang="en-US"/>
-          </a:p>
-        </p:txBody>
-      </p:sp>
-      <p:sp>
-        <p:nvSpPr>
-          <p:cNvPr id="17" name="Rectangle 16">
-            <a:extLst>
-              <a:ext uri="{FF2B5EF4-FFF2-40B4-BE49-F238E27FC236}">
-                <a16:creationId xmlns:a16="http://schemas.microsoft.com/office/drawing/2014/main" id="{3783CA14-24A1-485C-8B30-D6A5D87987AD}"/>
-              </a:ext>
-              <a:ext uri="{C183D7F6-B498-43B3-948B-1728B52AA6E4}">
-                <adec:decorative xmlns:adec="http://schemas.microsoft.com/office/drawing/2017/decorative" val="1"/>
-              </a:ext>
-            </a:extLst>
-          </p:cNvPr>
-          <p:cNvSpPr>
-            <a:spLocks noGrp="1" noRot="1" noChangeAspect="1" noMove="1" noResize="1" noEditPoints="1" noAdjustHandles="1" noChangeArrowheads="1" noChangeShapeType="1" noTextEdit="1"/>
-          </p:cNvSpPr>
-          <p:nvPr>
-            <p:extLst>
-              <p:ext uri="{386F3935-93C4-4BCD-93E2-E3B085C9AB24}">
-                <p16:designElem xmlns:p16="http://schemas.microsoft.com/office/powerpoint/2015/main" val="1"/>
-              </p:ext>
-            </p:extLst>
-          </p:nvPr>
-        </p:nvSpPr>
-        <p:spPr>
-          <a:xfrm rot="18900000" flipH="1">
-            <a:off x="10043482" y="655140"/>
-            <a:ext cx="687472" cy="687472"/>
-          </a:xfrm>
-          <a:prstGeom prst="rect">
-            <a:avLst/>
-          </a:prstGeom>
-          <a:solidFill>
-            <a:schemeClr val="accent4">
-              <a:alpha val="30000"/>
-            </a:schemeClr>
-          </a:solidFill>
-          <a:ln>
-            <a:noFill/>
-          </a:ln>
-        </p:spPr>
-        <p:style>
-          <a:lnRef idx="2">
-            <a:schemeClr val="accent1">
-              <a:shade val="50000"/>
-            </a:schemeClr>
-          </a:lnRef>
-          <a:fillRef idx="1">
-            <a:schemeClr val="accent1"/>
-          </a:fillRef>
-          <a:effectRef idx="0">
-            <a:schemeClr val="accent1"/>
-          </a:effectRef>
-          <a:fontRef idx="minor">
-            <a:schemeClr val="lt1"/>
-          </a:fontRef>
-        </p:style>
-        <p:txBody>
-          <a:bodyPr rtlCol="0" anchor="ctr"/>
-          <a:lstStyle/>
-          <a:p>
-            <a:pPr algn="ctr"/>
-            <a:endParaRPr lang="en-US"/>
-          </a:p>
-        </p:txBody>
-      </p:sp>
-      <p:sp>
-        <p:nvSpPr>
-          <p:cNvPr id="19" name="Freeform: Shape 18">
-            <a:extLst>
-              <a:ext uri="{FF2B5EF4-FFF2-40B4-BE49-F238E27FC236}">
-                <a16:creationId xmlns:a16="http://schemas.microsoft.com/office/drawing/2014/main" id="{9A97C86A-04D6-40F7-AE84-31AB43E6A846}"/>
-              </a:ext>
-              <a:ext uri="{C183D7F6-B498-43B3-948B-1728B52AA6E4}">
-                <adec:decorative xmlns:adec="http://schemas.microsoft.com/office/drawing/2017/decorative" val="1"/>
-              </a:ext>
-            </a:extLst>
-          </p:cNvPr>
-          <p:cNvSpPr>
-            <a:spLocks noGrp="1" noRot="1" noChangeAspect="1" noMove="1" noResize="1" noEditPoints="1" noAdjustHandles="1" noChangeArrowheads="1" noChangeShapeType="1" noTextEdit="1"/>
-          </p:cNvSpPr>
-          <p:nvPr>
-            <p:extLst>
-              <p:ext uri="{386F3935-93C4-4BCD-93E2-E3B085C9AB24}">
-                <p16:designElem xmlns:p16="http://schemas.microsoft.com/office/powerpoint/2015/main" val="1"/>
-              </p:ext>
-            </p:extLst>
-          </p:nvPr>
-        </p:nvSpPr>
-        <p:spPr>
-          <a:xfrm rot="10800000" flipH="1">
-            <a:off x="9356643" y="0"/>
-            <a:ext cx="2835357" cy="1480837"/>
-          </a:xfrm>
-          <a:custGeom>
-            <a:avLst/>
-            <a:gdLst>
-              <a:gd name="connsiteX0" fmla="*/ 2835357 w 2835357"/>
-              <a:gd name="connsiteY0" fmla="*/ 1480837 h 1480837"/>
-              <a:gd name="connsiteX1" fmla="*/ 0 w 2835357"/>
-              <a:gd name="connsiteY1" fmla="*/ 1480837 h 1480837"/>
-              <a:gd name="connsiteX2" fmla="*/ 1552727 w 2835357"/>
-              <a:gd name="connsiteY2" fmla="*/ 0 h 1480837"/>
-              <a:gd name="connsiteX3" fmla="*/ 2835357 w 2835357"/>
-              <a:gd name="connsiteY3" fmla="*/ 1223245 h 1480837"/>
-            </a:gdLst>
-            <a:ahLst/>
-            <a:cxnLst>
-              <a:cxn ang="0">
-                <a:pos x="connsiteX0" y="connsiteY0"/>
-              </a:cxn>
-              <a:cxn ang="0">
-                <a:pos x="connsiteX1" y="connsiteY1"/>
-              </a:cxn>
-              <a:cxn ang="0">
-                <a:pos x="connsiteX2" y="connsiteY2"/>
-              </a:cxn>
-              <a:cxn ang="0">
-                <a:pos x="connsiteX3" y="connsiteY3"/>
-              </a:cxn>
-            </a:cxnLst>
-            <a:rect l="l" t="t" r="r" b="b"/>
-            <a:pathLst>
-              <a:path w="2835357" h="1480837">
-                <a:moveTo>
-                  <a:pt x="2835357" y="1480837"/>
-                </a:moveTo>
-                <a:lnTo>
-                  <a:pt x="0" y="1480837"/>
-                </a:lnTo>
-                <a:lnTo>
-                  <a:pt x="1552727" y="0"/>
-                </a:lnTo>
-                <a:lnTo>
-                  <a:pt x="2835357" y="1223245"/>
-                </a:lnTo>
-                <a:close/>
-              </a:path>
-            </a:pathLst>
-          </a:custGeom>
-          <a:solidFill>
-            <a:schemeClr val="accent4">
-              <a:alpha val="30000"/>
-            </a:schemeClr>
-          </a:solidFill>
-          <a:ln>
-            <a:noFill/>
-          </a:ln>
-        </p:spPr>
-        <p:style>
-          <a:lnRef idx="2">
-            <a:schemeClr val="accent1">
-              <a:shade val="50000"/>
-            </a:schemeClr>
-          </a:lnRef>
-          <a:fillRef idx="1">
-            <a:schemeClr val="accent1"/>
-          </a:fillRef>
-          <a:effectRef idx="0">
-            <a:schemeClr val="accent1"/>
-          </a:effectRef>
-          <a:fontRef idx="minor">
-            <a:schemeClr val="lt1"/>
-          </a:fontRef>
-        </p:style>
-        <p:txBody>
-          <a:bodyPr wrap="square" rtlCol="0" anchor="ctr">
-            <a:noAutofit/>
-          </a:bodyPr>
-          <a:lstStyle/>
-          <a:p>
-            <a:pPr algn="ctr"/>
-            <a:endParaRPr lang="en-US" dirty="0"/>
-          </a:p>
-        </p:txBody>
-      </p:sp>
-      <p:sp>
-        <p:nvSpPr>
-          <p:cNvPr id="21" name="Isosceles Triangle 20">
-            <a:extLst>
-              <a:ext uri="{FF2B5EF4-FFF2-40B4-BE49-F238E27FC236}">
-                <a16:creationId xmlns:a16="http://schemas.microsoft.com/office/drawing/2014/main" id="{FF9F2414-84E8-453E-B1F3-389FDE8192D9}"/>
-              </a:ext>
-              <a:ext uri="{C183D7F6-B498-43B3-948B-1728B52AA6E4}">
-                <adec:decorative xmlns:adec="http://schemas.microsoft.com/office/drawing/2017/decorative" val="1"/>
-              </a:ext>
-            </a:extLst>
-          </p:cNvPr>
-          <p:cNvSpPr>
-            <a:spLocks noGrp="1" noRot="1" noChangeAspect="1" noMove="1" noResize="1" noEditPoints="1" noAdjustHandles="1" noChangeArrowheads="1" noChangeShapeType="1" noTextEdit="1"/>
-          </p:cNvSpPr>
-          <p:nvPr>
-            <p:extLst>
-              <p:ext uri="{386F3935-93C4-4BCD-93E2-E3B085C9AB24}">
-                <p16:designElem xmlns:p16="http://schemas.microsoft.com/office/powerpoint/2015/main" val="1"/>
-              </p:ext>
-            </p:extLst>
-          </p:nvPr>
-        </p:nvSpPr>
-        <p:spPr>
-          <a:xfrm flipH="1">
-            <a:off x="7976344" y="6115501"/>
-            <a:ext cx="1494513" cy="742499"/>
-          </a:xfrm>
-          <a:prstGeom prst="triangle">
-            <a:avLst/>
-          </a:prstGeom>
-          <a:solidFill>
-            <a:schemeClr val="accent1">
-              <a:alpha val="30000"/>
-            </a:schemeClr>
-          </a:solidFill>
-          <a:ln>
-            <a:noFill/>
-          </a:ln>
-        </p:spPr>
-        <p:style>
-          <a:lnRef idx="2">
-            <a:schemeClr val="accent1">
-              <a:shade val="50000"/>
-            </a:schemeClr>
-          </a:lnRef>
-          <a:fillRef idx="1">
-            <a:schemeClr val="accent1"/>
-          </a:fillRef>
-          <a:effectRef idx="0">
-            <a:schemeClr val="accent1"/>
-          </a:effectRef>
-          <a:fontRef idx="minor">
-            <a:schemeClr val="lt1"/>
-          </a:fontRef>
-        </p:style>
-        <p:txBody>
-          <a:bodyPr rtlCol="0" anchor="ctr"/>
-          <a:lstStyle/>
-          <a:p>
-            <a:pPr algn="ctr"/>
-            <a:endParaRPr lang="en-US"/>
-          </a:p>
-        </p:txBody>
-      </p:sp>
-      <p:pic>
-        <p:nvPicPr>
-          <p:cNvPr id="6" name="Picture Placeholder 5">
-            <a:extLst>
-              <a:ext uri="{FF2B5EF4-FFF2-40B4-BE49-F238E27FC236}">
-                <a16:creationId xmlns:a16="http://schemas.microsoft.com/office/drawing/2014/main" id="{E0EF9054-F9CA-223A-A974-90D580FC2CD1}"/>
-              </a:ext>
-            </a:extLst>
-          </p:cNvPr>
-          <p:cNvPicPr>
-            <a:picLocks noGrp="1" noChangeAspect="1"/>
-          </p:cNvPicPr>
-          <p:nvPr>
-            <p:ph type="pic" idx="1"/>
-          </p:nvPr>
-        </p:nvPicPr>
-        <p:blipFill>
-          <a:blip r:embed="rId2"/>
-          <a:srcRect t="550" b="550"/>
-          <a:stretch>
-            <a:fillRect/>
-          </a:stretch>
-        </p:blipFill>
-        <p:spPr>
-          <a:xfrm>
-            <a:off x="970202" y="542264"/>
-            <a:ext cx="10251597" cy="5773471"/>
-          </a:xfrm>
-          <a:prstGeom prst="rect">
-            <a:avLst/>
-          </a:prstGeom>
-          <a:ln>
-            <a:noFill/>
-          </a:ln>
-        </p:spPr>
-      </p:pic>
-      <p:sp>
-        <p:nvSpPr>
-          <p:cNvPr id="23" name="Isosceles Triangle 22">
-            <a:extLst>
-              <a:ext uri="{FF2B5EF4-FFF2-40B4-BE49-F238E27FC236}">
-                <a16:creationId xmlns:a16="http://schemas.microsoft.com/office/drawing/2014/main" id="{3ECA69A1-7536-43AC-85EF-C7106179F5ED}"/>
-              </a:ext>
-              <a:ext uri="{C183D7F6-B498-43B3-948B-1728B52AA6E4}">
-                <adec:decorative xmlns:adec="http://schemas.microsoft.com/office/drawing/2017/decorative" val="1"/>
-              </a:ext>
-            </a:extLst>
-          </p:cNvPr>
-          <p:cNvSpPr>
-            <a:spLocks noGrp="1" noRot="1" noChangeAspect="1" noMove="1" noResize="1" noEditPoints="1" noAdjustHandles="1" noChangeArrowheads="1" noChangeShapeType="1" noTextEdit="1"/>
-          </p:cNvSpPr>
-          <p:nvPr>
-            <p:extLst>
-              <p:ext uri="{386F3935-93C4-4BCD-93E2-E3B085C9AB24}">
-                <p16:designElem xmlns:p16="http://schemas.microsoft.com/office/powerpoint/2015/main" val="1"/>
-              </p:ext>
-            </p:extLst>
-          </p:nvPr>
-        </p:nvSpPr>
-        <p:spPr>
-          <a:xfrm flipH="1">
-            <a:off x="7604080" y="6453143"/>
-            <a:ext cx="814903" cy="404857"/>
-          </a:xfrm>
-          <a:prstGeom prst="triangle">
-            <a:avLst/>
-          </a:prstGeom>
-          <a:solidFill>
-            <a:schemeClr val="accent1">
-              <a:alpha val="30000"/>
-            </a:schemeClr>
-          </a:solidFill>
-          <a:ln>
-            <a:noFill/>
-          </a:ln>
-        </p:spPr>
-        <p:style>
-          <a:lnRef idx="2">
-            <a:schemeClr val="accent1">
-              <a:shade val="50000"/>
-            </a:schemeClr>
-          </a:lnRef>
-          <a:fillRef idx="1">
-            <a:schemeClr val="accent1"/>
-          </a:fillRef>
-          <a:effectRef idx="0">
-            <a:schemeClr val="accent1"/>
-          </a:effectRef>
-          <a:fontRef idx="minor">
-            <a:schemeClr val="lt1"/>
-          </a:fontRef>
-        </p:style>
-        <p:txBody>
-          <a:bodyPr rtlCol="0" anchor="ctr"/>
-          <a:lstStyle/>
-          <a:p>
-            <a:pPr algn="ctr"/>
-            <a:endParaRPr lang="en-US"/>
-          </a:p>
-        </p:txBody>
-      </p:sp>
-    </p:spTree>
-    <p:extLst>
-      <p:ext uri="{BB962C8B-B14F-4D97-AF65-F5344CB8AC3E}">
-        <p14:creationId xmlns:p14="http://schemas.microsoft.com/office/powerpoint/2010/main" val="2069750573"/>
-      </p:ext>
-    </p:extLst>
-  </p:cSld>
-  <p:clrMapOvr>
-    <a:masterClrMapping/>
-  </p:clrMapOvr>
-</p:sld>
-</file>
-
-<file path=ppt/slides/slide11.xml><?xml version="1.0" encoding="utf-8"?>
-<p:sld xmlns:a="http://schemas.openxmlformats.org/drawingml/2006/main" xmlns:r="http://schemas.openxmlformats.org/officeDocument/2006/relationships" xmlns:p="http://schemas.openxmlformats.org/presentationml/2006/main">
-  <p:cSld>
-    <p:bg>
-      <p:bgPr>
-        <a:solidFill>
-          <a:schemeClr val="bg1"/>
-        </a:solidFill>
-        <a:effectLst/>
-      </p:bgPr>
-    </p:bg>
-    <p:spTree>
-      <p:nvGrpSpPr>
         <p:cNvPr id="1" name="Shape 106">
           <a:extLst>
             <a:ext uri="{FF2B5EF4-FFF2-40B4-BE49-F238E27FC236}">
@@ -24709,7 +24087,7 @@
 </p:sld>
 </file>
 
-<file path=ppt/slides/slide12.xml><?xml version="1.0" encoding="utf-8"?>
+<file path=ppt/slides/slide11.xml><?xml version="1.0" encoding="utf-8"?>
 <p:sld xmlns:a="http://schemas.openxmlformats.org/drawingml/2006/main" xmlns:r="http://schemas.openxmlformats.org/officeDocument/2006/relationships" xmlns:p="http://schemas.openxmlformats.org/presentationml/2006/main">
   <p:cSld>
     <p:bg>
@@ -25071,7 +24449,7 @@
               <a:t>Merge all datasets using </a:t>
             </a:r>
             <a:r>
-              <a:rPr lang="en-US" sz="2000" i="0" err="1">
+              <a:rPr lang="en-US" sz="2000" i="0" dirty="0" err="1">
                 <a:effectLst/>
               </a:rPr>
               <a:t>CountyFIPS</a:t>
@@ -25082,10 +24460,25 @@
               </a:rPr>
               <a:t> code</a:t>
             </a:r>
-            <a:endParaRPr lang="en-US" sz="2000" dirty="0">
-              <a:ea typeface="Calibri"/>
-              <a:cs typeface="Calibri"/>
-            </a:endParaRPr>
+          </a:p>
+          <a:p>
+            <a:pPr marL="285750" indent="-228600" defTabSz="914400">
+              <a:lnSpc>
+                <a:spcPct val="90000"/>
+              </a:lnSpc>
+              <a:spcAft>
+                <a:spcPts val="600"/>
+              </a:spcAft>
+              <a:buFont typeface="Arial" panose="020B0604020202020204" pitchFamily="34" charset="0"/>
+              <a:buChar char="•"/>
+            </a:pPr>
+            <a:r>
+              <a:rPr lang="en-US" sz="2000" dirty="0">
+                <a:ea typeface="Calibri"/>
+                <a:cs typeface="Calibri"/>
+              </a:rPr>
+              <a:t>Iteratively eliminate features</a:t>
+            </a:r>
           </a:p>
           <a:p>
             <a:pPr marL="285750" indent="-228600" defTabSz="914400">
@@ -25146,7 +24539,7 @@
 </p:sld>
 </file>
 
-<file path=ppt/slides/slide13.xml><?xml version="1.0" encoding="utf-8"?>
+<file path=ppt/slides/slide12.xml><?xml version="1.0" encoding="utf-8"?>
 <p:sld xmlns:a="http://schemas.openxmlformats.org/drawingml/2006/main" xmlns:r="http://schemas.openxmlformats.org/officeDocument/2006/relationships" xmlns:p="http://schemas.openxmlformats.org/presentationml/2006/main">
   <p:cSld>
     <p:bg>
@@ -25722,10 +25115,10 @@
       </p:sp>
       <p:pic>
         <p:nvPicPr>
-          <p:cNvPr id="4" name="Picture 3" descr="A close-up of a graph&#10;&#10;AI-generated content may be incorrect.">
+          <p:cNvPr id="6" name="Picture 5" descr="A blue and white graph&#10;&#10;AI-generated content may be incorrect.">
             <a:extLst>
               <a:ext uri="{FF2B5EF4-FFF2-40B4-BE49-F238E27FC236}">
-                <a16:creationId xmlns:a16="http://schemas.microsoft.com/office/drawing/2014/main" id="{57D4D42D-74FB-FDF9-FD68-C2CA604CC096}"/>
+                <a16:creationId xmlns:a16="http://schemas.microsoft.com/office/drawing/2014/main" id="{FAB771BF-E491-7BA3-8FE6-6D6190807A18}"/>
               </a:ext>
             </a:extLst>
           </p:cNvPr>
@@ -25742,8 +25135,8 @@
         </p:blipFill>
         <p:spPr>
           <a:xfrm>
-            <a:off x="1216325" y="625686"/>
-            <a:ext cx="9759350" cy="6029885"/>
+            <a:off x="1214325" y="267161"/>
+            <a:ext cx="9606322" cy="5935335"/>
           </a:xfrm>
           <a:prstGeom prst="rect">
             <a:avLst/>
@@ -25763,7 +25156,7 @@
 </p:sld>
 </file>
 
-<file path=ppt/slides/slide14.xml><?xml version="1.0" encoding="utf-8"?>
+<file path=ppt/slides/slide13.xml><?xml version="1.0" encoding="utf-8"?>
 <p:sld xmlns:a="http://schemas.openxmlformats.org/drawingml/2006/main" xmlns:r="http://schemas.openxmlformats.org/officeDocument/2006/relationships" xmlns:p="http://schemas.openxmlformats.org/presentationml/2006/main">
   <p:cSld>
     <p:bg>
@@ -26278,39 +25671,6 @@
           </a:p>
         </p:txBody>
       </p:sp>
-      <p:pic>
-        <p:nvPicPr>
-          <p:cNvPr id="3" name="Picture 2">
-            <a:extLst>
-              <a:ext uri="{FF2B5EF4-FFF2-40B4-BE49-F238E27FC236}">
-                <a16:creationId xmlns:a16="http://schemas.microsoft.com/office/drawing/2014/main" id="{6756F5AA-A0A0-A042-91CE-AB92FE9FD203}"/>
-              </a:ext>
-            </a:extLst>
-          </p:cNvPr>
-          <p:cNvPicPr>
-            <a:picLocks noChangeAspect="1"/>
-          </p:cNvPicPr>
-          <p:nvPr/>
-        </p:nvPicPr>
-        <p:blipFill>
-          <a:blip r:embed="rId2"/>
-          <a:stretch>
-            <a:fillRect/>
-          </a:stretch>
-        </p:blipFill>
-        <p:spPr>
-          <a:xfrm>
-            <a:off x="1868254" y="101733"/>
-            <a:ext cx="8300710" cy="6541423"/>
-          </a:xfrm>
-          <a:prstGeom prst="rect">
-            <a:avLst/>
-          </a:prstGeom>
-          <a:ln>
-            <a:noFill/>
-          </a:ln>
-        </p:spPr>
-      </p:pic>
       <p:sp>
         <p:nvSpPr>
           <p:cNvPr id="20" name="Isosceles Triangle 19">
@@ -26376,6 +25736,36 @@
           </a:p>
         </p:txBody>
       </p:sp>
+      <p:pic>
+        <p:nvPicPr>
+          <p:cNvPr id="5" name="Picture 4" descr="A graph of a desert&#10;&#10;AI-generated content may be incorrect.">
+            <a:extLst>
+              <a:ext uri="{FF2B5EF4-FFF2-40B4-BE49-F238E27FC236}">
+                <a16:creationId xmlns:a16="http://schemas.microsoft.com/office/drawing/2014/main" id="{13425965-6026-91D8-614B-5AB2A467CD3F}"/>
+              </a:ext>
+            </a:extLst>
+          </p:cNvPr>
+          <p:cNvPicPr>
+            <a:picLocks noChangeAspect="1"/>
+          </p:cNvPicPr>
+          <p:nvPr/>
+        </p:nvPicPr>
+        <p:blipFill>
+          <a:blip r:embed="rId2"/>
+          <a:stretch>
+            <a:fillRect/>
+          </a:stretch>
+        </p:blipFill>
+        <p:spPr>
+          <a:xfrm>
+            <a:off x="0" y="512759"/>
+            <a:ext cx="12192000" cy="5495499"/>
+          </a:xfrm>
+          <a:prstGeom prst="rect">
+            <a:avLst/>
+          </a:prstGeom>
+        </p:spPr>
+      </p:pic>
     </p:spTree>
     <p:extLst>
       <p:ext uri="{BB962C8B-B14F-4D97-AF65-F5344CB8AC3E}">
@@ -26389,7 +25779,7 @@
 </p:sld>
 </file>
 
-<file path=ppt/slides/slide15.xml><?xml version="1.0" encoding="utf-8"?>
+<file path=ppt/slides/slide14.xml><?xml version="1.0" encoding="utf-8"?>
 <p:sld xmlns:a="http://schemas.openxmlformats.org/drawingml/2006/main" xmlns:r="http://schemas.openxmlformats.org/officeDocument/2006/relationships" xmlns:p="http://schemas.openxmlformats.org/presentationml/2006/main">
   <p:cSld>
     <p:bg>
@@ -26903,14 +26293,14 @@
           <p:nvPr>
             <p:extLst>
               <p:ext uri="{D42A27DB-BD31-4B8C-83A1-F6EECF244321}">
-                <p14:modId xmlns:p14="http://schemas.microsoft.com/office/powerpoint/2010/main" val="1877559090"/>
+                <p14:modId xmlns:p14="http://schemas.microsoft.com/office/powerpoint/2010/main" val="406718465"/>
               </p:ext>
             </p:extLst>
           </p:nvPr>
         </p:nvGraphicFramePr>
         <p:xfrm>
           <a:off x="922734" y="2059781"/>
-          <a:ext cx="10350829" cy="4156797"/>
+          <a:ext cx="10350829" cy="2973073"/>
         </p:xfrm>
         <a:graphic>
           <a:graphicData uri="http://schemas.openxmlformats.org/drawingml/2006/table">
@@ -27091,20 +26481,27 @@
                     <a:bodyPr/>
                     <a:lstStyle/>
                     <a:p>
-                      <a:pPr algn="ctr" rtl="0" fontAlgn="ctr"/>
+                      <a:pPr algn="ctr" fontAlgn="b"/>
                       <a:r>
-                        <a:rPr lang="en-IN" sz="1100" b="1" i="0" u="none" strike="noStrike">
+                        <a:rPr lang="en-IN" sz="1100" b="1" i="0" u="none" strike="noStrike" dirty="0" err="1">
                           <a:solidFill>
                             <a:srgbClr val="000000"/>
                           </a:solidFill>
                           <a:effectLst/>
                           <a:latin typeface="Calibri" panose="020F0502020204030204" pitchFamily="34" charset="0"/>
                         </a:rPr>
-                        <a:t>LowIncomeTracts</a:t>
+                        <a:t>PovertyRate</a:t>
                       </a:r>
+                      <a:endParaRPr lang="en-IN" sz="1100" b="1" i="0" u="none" strike="noStrike" dirty="0">
+                        <a:solidFill>
+                          <a:srgbClr val="000000"/>
+                        </a:solidFill>
+                        <a:effectLst/>
+                        <a:latin typeface="Calibri" panose="020F0502020204030204" pitchFamily="34" charset="0"/>
+                      </a:endParaRPr>
                     </a:p>
                   </a:txBody>
-                  <a:tcPr marL="4763" marR="4763" marT="4763" marB="0" anchor="ctr">
+                  <a:tcPr marL="4763" marR="4763" marT="4763" marB="0" anchor="b">
                     <a:lnL w="12700" cmpd="sng">
                       <a:noFill/>
                       <a:prstDash val="solid"/>
@@ -27136,7 +26533,7 @@
                     <a:bodyPr/>
                     <a:lstStyle/>
                     <a:p>
-                      <a:pPr algn="ctr" rtl="0" fontAlgn="ctr"/>
+                      <a:pPr algn="ctr" fontAlgn="b"/>
                       <a:r>
                         <a:rPr lang="en-IN" sz="1100" b="1" i="0" u="none" strike="noStrike">
                           <a:solidFill>
@@ -27145,11 +26542,11 @@
                           <a:effectLst/>
                           <a:latin typeface="Calibri" panose="020F0502020204030204" pitchFamily="34" charset="0"/>
                         </a:rPr>
-                        <a:t>0.58</a:t>
+                        <a:t>0.32</a:t>
                       </a:r>
                     </a:p>
                   </a:txBody>
-                  <a:tcPr marL="4763" marR="4763" marT="4763" marB="0" anchor="ctr">
+                  <a:tcPr marL="4763" marR="4763" marT="4763" marB="0" anchor="b">
                     <a:lnL w="12700" cmpd="sng">
                       <a:noFill/>
                       <a:prstDash val="solid"/>
@@ -27181,20 +26578,20 @@
                     <a:bodyPr/>
                     <a:lstStyle/>
                     <a:p>
-                      <a:pPr algn="ctr" rtl="0" fontAlgn="ctr"/>
+                      <a:pPr algn="ctr" fontAlgn="b"/>
                       <a:r>
-                        <a:rPr lang="en-US" sz="1100" b="1" i="0" u="none" strike="noStrike">
+                        <a:rPr lang="en-IN" sz="1100" b="1" i="0" u="none" strike="noStrike">
                           <a:solidFill>
                             <a:srgbClr val="000000"/>
                           </a:solidFill>
                           <a:effectLst/>
                           <a:latin typeface="Calibri" panose="020F0502020204030204" pitchFamily="34" charset="0"/>
                         </a:rPr>
-                        <a:t>Number of Census tracts that meet the low-income criterion.</a:t>
+                        <a:t>% population below poverty line</a:t>
                       </a:r>
                     </a:p>
                   </a:txBody>
-                  <a:tcPr marL="4763" marR="4763" marT="4763" marB="0" anchor="ctr">
+                  <a:tcPr marL="4763" marR="4763" marT="4763" marB="0" anchor="b">
                     <a:lnL w="12700" cmpd="sng">
                       <a:noFill/>
                       <a:prstDash val="solid"/>
@@ -27233,20 +26630,27 @@
                     <a:bodyPr/>
                     <a:lstStyle/>
                     <a:p>
-                      <a:pPr algn="ctr" rtl="0" fontAlgn="ctr"/>
+                      <a:pPr algn="ctr" fontAlgn="b"/>
                       <a:r>
-                        <a:rPr lang="en-IN" sz="1100" b="1" i="0" u="none" strike="noStrike">
+                        <a:rPr lang="en-IN" sz="1100" b="1" i="0" u="none" strike="noStrike" dirty="0" err="1">
                           <a:solidFill>
                             <a:srgbClr val="000000"/>
                           </a:solidFill>
                           <a:effectLst/>
                           <a:latin typeface="Calibri" panose="020F0502020204030204" pitchFamily="34" charset="0"/>
                         </a:rPr>
-                        <a:t>LA1and10 </a:t>
+                        <a:t>TractSNAP</a:t>
                       </a:r>
+                      <a:endParaRPr lang="en-IN" sz="1100" b="1" i="0" u="none" strike="noStrike" dirty="0">
+                        <a:solidFill>
+                          <a:srgbClr val="000000"/>
+                        </a:solidFill>
+                        <a:effectLst/>
+                        <a:latin typeface="Calibri" panose="020F0502020204030204" pitchFamily="34" charset="0"/>
+                      </a:endParaRPr>
                     </a:p>
                   </a:txBody>
-                  <a:tcPr marL="4763" marR="4763" marT="4763" marB="0" anchor="ctr">
+                  <a:tcPr marL="4763" marR="4763" marT="4763" marB="0" anchor="b">
                     <a:lnL w="12700" cmpd="sng">
                       <a:noFill/>
                       <a:prstDash val="solid"/>
@@ -27279,20 +26683,20 @@
                     <a:bodyPr/>
                     <a:lstStyle/>
                     <a:p>
-                      <a:pPr algn="ctr" rtl="0" fontAlgn="ctr"/>
+                      <a:pPr algn="ctr" fontAlgn="b"/>
                       <a:r>
-                        <a:rPr lang="en-IN" sz="1100" b="1" i="0" u="none" strike="noStrike">
+                        <a:rPr lang="en-IN" sz="1100" b="1" i="0" u="none" strike="noStrike" dirty="0">
                           <a:solidFill>
                             <a:srgbClr val="000000"/>
                           </a:solidFill>
                           <a:effectLst/>
                           <a:latin typeface="Calibri" panose="020F0502020204030204" pitchFamily="34" charset="0"/>
                         </a:rPr>
-                        <a:t>0.54</a:t>
+                        <a:t>0.26</a:t>
                       </a:r>
                     </a:p>
                   </a:txBody>
-                  <a:tcPr marL="4763" marR="4763" marT="4763" marB="0" anchor="ctr">
+                  <a:tcPr marL="4763" marR="4763" marT="4763" marB="0" anchor="b">
                     <a:lnL w="12700" cmpd="sng">
                       <a:noFill/>
                       <a:prstDash val="solid"/>
@@ -27325,7 +26729,7 @@
                     <a:bodyPr/>
                     <a:lstStyle/>
                     <a:p>
-                      <a:pPr algn="ctr" rtl="0" fontAlgn="ctr"/>
+                      <a:pPr algn="ctr" fontAlgn="b"/>
                       <a:r>
                         <a:rPr lang="en-US" sz="1100" b="1" i="0" u="none" strike="noStrike">
                           <a:solidFill>
@@ -27334,11 +26738,11 @@
                           <a:effectLst/>
                           <a:latin typeface="Calibri" panose="020F0502020204030204" pitchFamily="34" charset="0"/>
                         </a:rPr>
-                        <a:t>Total population in low-access areas using a 1 mile (urban) / 10 mile (rural) distance threshold.</a:t>
+                        <a:t># of people on SNAP benefits</a:t>
                       </a:r>
                     </a:p>
                   </a:txBody>
-                  <a:tcPr marL="4763" marR="4763" marT="4763" marB="0" anchor="ctr">
+                  <a:tcPr marL="4763" marR="4763" marT="4763" marB="0" anchor="b">
                     <a:lnL w="12700" cmpd="sng">
                       <a:noFill/>
                       <a:prstDash val="solid"/>
@@ -27378,7 +26782,7 @@
                     <a:bodyPr/>
                     <a:lstStyle/>
                     <a:p>
-                      <a:pPr algn="ctr" rtl="0" fontAlgn="ctr"/>
+                      <a:pPr algn="ctr" fontAlgn="b"/>
                       <a:r>
                         <a:rPr lang="en-IN" sz="1100" b="1" i="0" u="none" strike="noStrike">
                           <a:solidFill>
@@ -27387,11 +26791,11 @@
                           <a:effectLst/>
                           <a:latin typeface="Calibri" panose="020F0502020204030204" pitchFamily="34" charset="0"/>
                         </a:rPr>
-                        <a:t>lasnap10share </a:t>
+                        <a:t>PCT_LACCESS_SNAP15</a:t>
                       </a:r>
                     </a:p>
                   </a:txBody>
-                  <a:tcPr marL="4763" marR="4763" marT="4763" marB="0" anchor="ctr">
+                  <a:tcPr marL="4763" marR="4763" marT="4763" marB="0" anchor="b">
                     <a:lnL w="12700" cmpd="sng">
                       <a:noFill/>
                       <a:prstDash val="solid"/>
@@ -27424,20 +26828,20 @@
                     <a:bodyPr/>
                     <a:lstStyle/>
                     <a:p>
-                      <a:pPr algn="ctr" rtl="0" fontAlgn="ctr"/>
+                      <a:pPr algn="ctr" fontAlgn="b"/>
                       <a:r>
-                        <a:rPr lang="en-IN" sz="1100" b="1" i="0" u="none" strike="noStrike">
+                        <a:rPr lang="en-IN" sz="1100" b="1" i="0" u="none" strike="noStrike" dirty="0">
                           <a:solidFill>
                             <a:srgbClr val="000000"/>
                           </a:solidFill>
                           <a:effectLst/>
                           <a:latin typeface="Calibri" panose="020F0502020204030204" pitchFamily="34" charset="0"/>
                         </a:rPr>
-                        <a:t>0.48</a:t>
+                        <a:t>0.24</a:t>
                       </a:r>
                     </a:p>
                   </a:txBody>
-                  <a:tcPr marL="4763" marR="4763" marT="4763" marB="0" anchor="ctr">
+                  <a:tcPr marL="4763" marR="4763" marT="4763" marB="0" anchor="b">
                     <a:lnL w="12700" cmpd="sng">
                       <a:noFill/>
                       <a:prstDash val="solid"/>
@@ -27470,7 +26874,7 @@
                     <a:bodyPr/>
                     <a:lstStyle/>
                     <a:p>
-                      <a:pPr algn="ctr" rtl="0" fontAlgn="ctr"/>
+                      <a:pPr algn="ctr" fontAlgn="b"/>
                       <a:r>
                         <a:rPr lang="en-US" sz="1100" b="1" i="0" u="none" strike="noStrike">
                           <a:solidFill>
@@ -27479,11 +26883,11 @@
                           <a:effectLst/>
                           <a:latin typeface="Calibri" panose="020F0502020204030204" pitchFamily="34" charset="0"/>
                         </a:rPr>
-                        <a:t>Share of the population participating in Supplemental Nutrition Assistance Program in low-access areas (10 mile threshold).</a:t>
+                        <a:t>% of SNAP recipients with low access to stores</a:t>
                       </a:r>
                     </a:p>
                   </a:txBody>
-                  <a:tcPr marL="4763" marR="4763" marT="4763" marB="0" anchor="ctr">
+                  <a:tcPr marL="4763" marR="4763" marT="4763" marB="0" anchor="b">
                     <a:lnL w="12700" cmpd="sng">
                       <a:noFill/>
                       <a:prstDash val="solid"/>
@@ -27523,7 +26927,7 @@
                     <a:bodyPr/>
                     <a:lstStyle/>
                     <a:p>
-                      <a:pPr algn="ctr" rtl="0" fontAlgn="ctr"/>
+                      <a:pPr algn="ctr" fontAlgn="b"/>
                       <a:r>
                         <a:rPr lang="en-IN" sz="1100" b="1" i="0" u="none" strike="noStrike">
                           <a:solidFill>
@@ -27532,11 +26936,11 @@
                           <a:effectLst/>
                           <a:latin typeface="Calibri" panose="020F0502020204030204" pitchFamily="34" charset="0"/>
                         </a:rPr>
-                        <a:t>lalowihalfshare</a:t>
+                        <a:t>PCT_LACCESS_LOWI10</a:t>
                       </a:r>
                     </a:p>
                   </a:txBody>
-                  <a:tcPr marL="4763" marR="4763" marT="4763" marB="0" anchor="ctr">
+                  <a:tcPr marL="4763" marR="4763" marT="4763" marB="0" anchor="b">
                     <a:lnL w="12700" cmpd="sng">
                       <a:noFill/>
                       <a:prstDash val="solid"/>
@@ -27569,7 +26973,7 @@
                     <a:bodyPr/>
                     <a:lstStyle/>
                     <a:p>
-                      <a:pPr algn="ctr" rtl="0" fontAlgn="ctr"/>
+                      <a:pPr algn="ctr" fontAlgn="b"/>
                       <a:r>
                         <a:rPr lang="en-IN" sz="1100" b="1" i="0" u="none" strike="noStrike">
                           <a:solidFill>
@@ -27578,11 +26982,11 @@
                           <a:effectLst/>
                           <a:latin typeface="Calibri" panose="020F0502020204030204" pitchFamily="34" charset="0"/>
                         </a:rPr>
-                        <a:t>0.4</a:t>
+                        <a:t>0.23</a:t>
                       </a:r>
                     </a:p>
                   </a:txBody>
-                  <a:tcPr marL="4763" marR="4763" marT="4763" marB="0" anchor="ctr">
+                  <a:tcPr marL="4763" marR="4763" marT="4763" marB="0" anchor="b">
                     <a:lnL w="12700" cmpd="sng">
                       <a:noFill/>
                       <a:prstDash val="solid"/>
@@ -27615,20 +27019,20 @@
                     <a:bodyPr/>
                     <a:lstStyle/>
                     <a:p>
-                      <a:pPr algn="ctr" rtl="0" fontAlgn="ctr"/>
+                      <a:pPr algn="ctr" fontAlgn="b"/>
                       <a:r>
-                        <a:rPr lang="en-US" sz="1100" b="1" i="0" u="none" strike="noStrike">
+                        <a:rPr lang="en-US" sz="1100" b="1" i="0" u="none" strike="noStrike" dirty="0">
                           <a:solidFill>
                             <a:srgbClr val="000000"/>
                           </a:solidFill>
                           <a:effectLst/>
                           <a:latin typeface="Calibri" panose="020F0502020204030204" pitchFamily="34" charset="0"/>
                         </a:rPr>
-                        <a:t>Share of the low-income population living in low-access areas (0.5 mile/10 mile threshold)</a:t>
+                        <a:t>% low-income people with low access (10 mile threshold)</a:t>
                       </a:r>
                     </a:p>
                   </a:txBody>
-                  <a:tcPr marL="4763" marR="4763" marT="4763" marB="0" anchor="ctr">
+                  <a:tcPr marL="4763" marR="4763" marT="4763" marB="0" anchor="b">
                     <a:lnL w="12700" cmpd="sng">
                       <a:noFill/>
                       <a:prstDash val="solid"/>
@@ -27668,7 +27072,7 @@
                     <a:bodyPr/>
                     <a:lstStyle/>
                     <a:p>
-                      <a:pPr algn="ctr" rtl="0" fontAlgn="ctr"/>
+                      <a:pPr algn="ctr" fontAlgn="b"/>
                       <a:r>
                         <a:rPr lang="en-IN" sz="1100" b="1" i="0" u="none" strike="noStrike">
                           <a:solidFill>
@@ -27677,11 +27081,11 @@
                           <a:effectLst/>
                           <a:latin typeface="Calibri" panose="020F0502020204030204" pitchFamily="34" charset="0"/>
                         </a:rPr>
-                        <a:t>PovertyRate </a:t>
+                        <a:t>PCT_LACCESS_HHNV10</a:t>
                       </a:r>
                     </a:p>
                   </a:txBody>
-                  <a:tcPr marL="4763" marR="4763" marT="4763" marB="0" anchor="ctr">
+                  <a:tcPr marL="4763" marR="4763" marT="4763" marB="0" anchor="b">
                     <a:lnL w="12700" cmpd="sng">
                       <a:noFill/>
                       <a:prstDash val="solid"/>
@@ -27714,7 +27118,7 @@
                     <a:bodyPr/>
                     <a:lstStyle/>
                     <a:p>
-                      <a:pPr algn="ctr" rtl="0" fontAlgn="ctr"/>
+                      <a:pPr algn="ctr" fontAlgn="b"/>
                       <a:r>
                         <a:rPr lang="en-IN" sz="1100" b="1" i="0" u="none" strike="noStrike">
                           <a:solidFill>
@@ -27723,11 +27127,11 @@
                           <a:effectLst/>
                           <a:latin typeface="Calibri" panose="020F0502020204030204" pitchFamily="34" charset="0"/>
                         </a:rPr>
-                        <a:t>0.37</a:t>
+                        <a:t>0.2</a:t>
                       </a:r>
                     </a:p>
                   </a:txBody>
-                  <a:tcPr marL="4763" marR="4763" marT="4763" marB="0" anchor="ctr">
+                  <a:tcPr marL="4763" marR="4763" marT="4763" marB="0" anchor="b">
                     <a:lnL w="12700" cmpd="sng">
                       <a:noFill/>
                       <a:prstDash val="solid"/>
@@ -27760,20 +27164,20 @@
                     <a:bodyPr/>
                     <a:lstStyle/>
                     <a:p>
-                      <a:pPr algn="ctr" rtl="0" fontAlgn="ctr"/>
+                      <a:pPr algn="ctr" fontAlgn="b"/>
                       <a:r>
-                        <a:rPr lang="en-US" sz="1100" b="1" i="0" u="none" strike="noStrike">
+                        <a:rPr lang="en-US" sz="1100" b="1" i="0" u="none" strike="noStrike" dirty="0">
                           <a:solidFill>
                             <a:srgbClr val="000000"/>
                           </a:solidFill>
                           <a:effectLst/>
                           <a:latin typeface="Calibri" panose="020F0502020204030204" pitchFamily="34" charset="0"/>
                         </a:rPr>
-                        <a:t>Percentage of individuals in the tract living below the federal poverty level.</a:t>
+                        <a:t>% households without a car and low access</a:t>
                       </a:r>
                     </a:p>
                   </a:txBody>
-                  <a:tcPr marL="4763" marR="4763" marT="4763" marB="0" anchor="ctr">
+                  <a:tcPr marL="4763" marR="4763" marT="4763" marB="0" anchor="b">
                     <a:lnL w="12700" cmpd="sng">
                       <a:noFill/>
                       <a:prstDash val="solid"/>
@@ -27807,284 +27211,6 @@
                   </a:ext>
                 </a:extLst>
               </a:tr>
-              <a:tr h="591862">
-                <a:tc>
-                  <a:txBody>
-                    <a:bodyPr/>
-                    <a:lstStyle/>
-                    <a:p>
-                      <a:pPr algn="ctr" rtl="0" fontAlgn="ctr"/>
-                      <a:r>
-                        <a:rPr lang="en-IN" sz="1100" b="1" i="0" u="none" strike="noStrike">
-                          <a:solidFill>
-                            <a:srgbClr val="000000"/>
-                          </a:solidFill>
-                          <a:effectLst/>
-                          <a:latin typeface="Calibri" panose="020F0502020204030204" pitchFamily="34" charset="0"/>
-                        </a:rPr>
-                        <a:t>LILATracts_Vehicle </a:t>
-                      </a:r>
-                    </a:p>
-                  </a:txBody>
-                  <a:tcPr marL="4763" marR="4763" marT="4763" marB="0" anchor="ctr">
-                    <a:lnL w="12700" cmpd="sng">
-                      <a:noFill/>
-                      <a:prstDash val="solid"/>
-                    </a:lnL>
-                    <a:lnR w="12700" cmpd="sng">
-                      <a:noFill/>
-                      <a:prstDash val="solid"/>
-                    </a:lnR>
-                    <a:lnT w="12700" cap="flat" cmpd="sng" algn="ctr">
-                      <a:solidFill>
-                        <a:schemeClr val="bg1">
-                          <a:lumMod val="75000"/>
-                        </a:schemeClr>
-                      </a:solidFill>
-                      <a:prstDash val="solid"/>
-                    </a:lnT>
-                    <a:lnB w="12700" cmpd="sng">
-                      <a:noFill/>
-                      <a:prstDash val="solid"/>
-                    </a:lnB>
-                    <a:solidFill>
-                      <a:srgbClr val="BFBFBF">
-                        <a:alpha val="34902"/>
-                      </a:srgbClr>
-                    </a:solidFill>
-                  </a:tcPr>
-                </a:tc>
-                <a:tc>
-                  <a:txBody>
-                    <a:bodyPr/>
-                    <a:lstStyle/>
-                    <a:p>
-                      <a:pPr algn="ctr" rtl="0" fontAlgn="ctr"/>
-                      <a:r>
-                        <a:rPr lang="en-IN" sz="1100" b="1" i="0" u="none" strike="noStrike">
-                          <a:solidFill>
-                            <a:srgbClr val="000000"/>
-                          </a:solidFill>
-                          <a:effectLst/>
-                          <a:latin typeface="Calibri" panose="020F0502020204030204" pitchFamily="34" charset="0"/>
-                        </a:rPr>
-                        <a:t>0.33</a:t>
-                      </a:r>
-                    </a:p>
-                  </a:txBody>
-                  <a:tcPr marL="4763" marR="4763" marT="4763" marB="0" anchor="ctr">
-                    <a:lnL w="12700" cmpd="sng">
-                      <a:noFill/>
-                      <a:prstDash val="solid"/>
-                    </a:lnL>
-                    <a:lnR w="12700" cmpd="sng">
-                      <a:noFill/>
-                      <a:prstDash val="solid"/>
-                    </a:lnR>
-                    <a:lnT w="12700" cap="flat" cmpd="sng" algn="ctr">
-                      <a:solidFill>
-                        <a:schemeClr val="bg1">
-                          <a:lumMod val="75000"/>
-                        </a:schemeClr>
-                      </a:solidFill>
-                      <a:prstDash val="solid"/>
-                    </a:lnT>
-                    <a:lnB w="12700" cmpd="sng">
-                      <a:noFill/>
-                      <a:prstDash val="solid"/>
-                    </a:lnB>
-                    <a:solidFill>
-                      <a:srgbClr val="BFBFBF">
-                        <a:alpha val="34902"/>
-                      </a:srgbClr>
-                    </a:solidFill>
-                  </a:tcPr>
-                </a:tc>
-                <a:tc>
-                  <a:txBody>
-                    <a:bodyPr/>
-                    <a:lstStyle/>
-                    <a:p>
-                      <a:pPr algn="ctr" rtl="0" fontAlgn="ctr"/>
-                      <a:r>
-                        <a:rPr lang="en-US" sz="1100" b="1" i="0" u="none" strike="noStrike">
-                          <a:solidFill>
-                            <a:srgbClr val="000000"/>
-                          </a:solidFill>
-                          <a:effectLst/>
-                          <a:latin typeface="Calibri" panose="020F0502020204030204" pitchFamily="34" charset="0"/>
-                        </a:rPr>
-                        <a:t>Tracts classified as low-access based on limited vehicle availability criteria.</a:t>
-                      </a:r>
-                    </a:p>
-                  </a:txBody>
-                  <a:tcPr marL="4763" marR="4763" marT="4763" marB="0" anchor="ctr">
-                    <a:lnL w="12700" cmpd="sng">
-                      <a:noFill/>
-                      <a:prstDash val="solid"/>
-                    </a:lnL>
-                    <a:lnR w="12700" cmpd="sng">
-                      <a:noFill/>
-                      <a:prstDash val="solid"/>
-                    </a:lnR>
-                    <a:lnT w="12700" cap="flat" cmpd="sng" algn="ctr">
-                      <a:solidFill>
-                        <a:schemeClr val="bg1">
-                          <a:lumMod val="75000"/>
-                        </a:schemeClr>
-                      </a:solidFill>
-                      <a:prstDash val="solid"/>
-                    </a:lnT>
-                    <a:lnB w="12700" cmpd="sng">
-                      <a:noFill/>
-                      <a:prstDash val="solid"/>
-                    </a:lnB>
-                    <a:solidFill>
-                      <a:srgbClr val="BFBFBF">
-                        <a:alpha val="34902"/>
-                      </a:srgbClr>
-                    </a:solidFill>
-                  </a:tcPr>
-                </a:tc>
-                <a:extLst>
-                  <a:ext uri="{0D108BD9-81ED-4DB2-BD59-A6C34878D82A}">
-                    <a16:rowId xmlns:a16="http://schemas.microsoft.com/office/drawing/2014/main" val="2664439791"/>
-                  </a:ext>
-                </a:extLst>
-              </a:tr>
-              <a:tr h="591862">
-                <a:tc>
-                  <a:txBody>
-                    <a:bodyPr/>
-                    <a:lstStyle/>
-                    <a:p>
-                      <a:pPr algn="ctr" rtl="0" fontAlgn="ctr"/>
-                      <a:r>
-                        <a:rPr lang="en-IN" sz="1100" b="1" i="0" u="none" strike="noStrike">
-                          <a:solidFill>
-                            <a:srgbClr val="000000"/>
-                          </a:solidFill>
-                          <a:effectLst/>
-                          <a:latin typeface="Calibri" panose="020F0502020204030204" pitchFamily="34" charset="0"/>
-                        </a:rPr>
-                        <a:t>MedianFamilyIncome </a:t>
-                      </a:r>
-                    </a:p>
-                  </a:txBody>
-                  <a:tcPr marL="4763" marR="4763" marT="4763" marB="0" anchor="ctr">
-                    <a:lnL w="12700" cmpd="sng">
-                      <a:noFill/>
-                      <a:prstDash val="solid"/>
-                    </a:lnL>
-                    <a:lnR w="12700" cmpd="sng">
-                      <a:noFill/>
-                      <a:prstDash val="solid"/>
-                    </a:lnR>
-                    <a:lnT w="12700" cmpd="sng">
-                      <a:noFill/>
-                      <a:prstDash val="solid"/>
-                    </a:lnT>
-                    <a:lnB w="12700" cmpd="sng">
-                      <a:noFill/>
-                      <a:prstDash val="solid"/>
-                    </a:lnB>
-                    <a:solidFill>
-                      <a:srgbClr val="F2F2F2">
-                        <a:alpha val="45098"/>
-                      </a:srgbClr>
-                    </a:solidFill>
-                  </a:tcPr>
-                </a:tc>
-                <a:tc>
-                  <a:txBody>
-                    <a:bodyPr/>
-                    <a:lstStyle/>
-                    <a:p>
-                      <a:pPr algn="ctr" rtl="0" fontAlgn="ctr"/>
-                      <a:r>
-                        <a:rPr lang="en-IN" sz="1100" b="1" i="0" u="none" strike="noStrike">
-                          <a:solidFill>
-                            <a:srgbClr val="000000"/>
-                          </a:solidFill>
-                          <a:effectLst/>
-                          <a:latin typeface="Calibri" panose="020F0502020204030204" pitchFamily="34" charset="0"/>
-                        </a:rPr>
-                        <a:t>-0.41</a:t>
-                      </a:r>
-                    </a:p>
-                  </a:txBody>
-                  <a:tcPr marL="4763" marR="4763" marT="4763" marB="0" anchor="ctr">
-                    <a:lnL w="12700" cmpd="sng">
-                      <a:noFill/>
-                      <a:prstDash val="solid"/>
-                    </a:lnL>
-                    <a:lnR w="12700" cmpd="sng">
-                      <a:noFill/>
-                      <a:prstDash val="solid"/>
-                    </a:lnR>
-                    <a:lnT w="12700" cmpd="sng">
-                      <a:noFill/>
-                      <a:prstDash val="solid"/>
-                    </a:lnT>
-                    <a:lnB w="12700" cmpd="sng">
-                      <a:noFill/>
-                      <a:prstDash val="solid"/>
-                    </a:lnB>
-                    <a:solidFill>
-                      <a:srgbClr val="F2F2F2">
-                        <a:alpha val="45098"/>
-                      </a:srgbClr>
-                    </a:solidFill>
-                  </a:tcPr>
-                </a:tc>
-                <a:tc>
-                  <a:txBody>
-                    <a:bodyPr/>
-                    <a:lstStyle/>
-                    <a:p>
-                      <a:pPr algn="ctr" rtl="0" fontAlgn="ctr"/>
-                      <a:r>
-                        <a:rPr lang="en-US" sz="1100" b="1" i="0" u="none" strike="noStrike" dirty="0">
-                          <a:solidFill>
-                            <a:srgbClr val="000000"/>
-                          </a:solidFill>
-                          <a:effectLst/>
-                          <a:latin typeface="Calibri" panose="020F0502020204030204" pitchFamily="34" charset="0"/>
-                        </a:rPr>
-                        <a:t>Median family income in the Census tract.</a:t>
-                      </a:r>
-                    </a:p>
-                  </a:txBody>
-                  <a:tcPr marL="4763" marR="4763" marT="4763" marB="0" anchor="ctr">
-                    <a:lnL w="12700" cmpd="sng">
-                      <a:noFill/>
-                      <a:prstDash val="solid"/>
-                    </a:lnL>
-                    <a:lnR w="12700" cmpd="sng">
-                      <a:noFill/>
-                      <a:prstDash val="solid"/>
-                    </a:lnR>
-                    <a:lnT w="12700" cmpd="sng">
-                      <a:noFill/>
-                      <a:prstDash val="solid"/>
-                    </a:lnT>
-                    <a:lnB w="12700" cmpd="sng">
-                      <a:noFill/>
-                      <a:prstDash val="solid"/>
-                    </a:lnB>
-                    <a:solidFill>
-                      <a:srgbClr val="F2F2F2">
-                        <a:alpha val="45098"/>
-                      </a:srgbClr>
-                    </a:solidFill>
-                  </a:tcPr>
-                </a:tc>
-                <a:extLst>
-                  <a:ext uri="{0D108BD9-81ED-4DB2-BD59-A6C34878D82A}">
-                    <a16:rowId xmlns:a16="http://schemas.microsoft.com/office/drawing/2014/main" val="1301841640"/>
-                  </a:ext>
-                </a:extLst>
-              </a:tr>
             </a:tbl>
           </a:graphicData>
         </a:graphic>
@@ -28102,7 +27228,7 @@
 </p:sld>
 </file>
 
-<file path=ppt/slides/slide16.xml><?xml version="1.0" encoding="utf-8"?>
+<file path=ppt/slides/slide15.xml><?xml version="1.0" encoding="utf-8"?>
 <p:sld xmlns:a="http://schemas.openxmlformats.org/drawingml/2006/main" xmlns:r="http://schemas.openxmlformats.org/officeDocument/2006/relationships" xmlns:p="http://schemas.openxmlformats.org/presentationml/2006/main">
   <p:cSld>
     <p:bg>
@@ -28480,7 +27606,7 @@
 </p:sld>
 </file>
 
-<file path=ppt/slides/slide17.xml><?xml version="1.0" encoding="utf-8"?>
+<file path=ppt/slides/slide16.xml><?xml version="1.0" encoding="utf-8"?>
 <p:sld xmlns:a="http://schemas.openxmlformats.org/drawingml/2006/main" xmlns:r="http://schemas.openxmlformats.org/officeDocument/2006/relationships" xmlns:p="http://schemas.openxmlformats.org/presentationml/2006/main">
   <p:cSld>
     <p:bg>
@@ -29127,7 +28253,7 @@
 </p:sld>
 </file>
 
-<file path=ppt/slides/slide18.xml><?xml version="1.0" encoding="utf-8"?>
+<file path=ppt/slides/slide17.xml><?xml version="1.0" encoding="utf-8"?>
 <p:sld xmlns:a="http://schemas.openxmlformats.org/drawingml/2006/main" xmlns:r="http://schemas.openxmlformats.org/officeDocument/2006/relationships" xmlns:p="http://schemas.openxmlformats.org/presentationml/2006/main">
   <p:cSld>
     <p:bg>
@@ -29517,7 +28643,7 @@
 </p:sld>
 </file>
 
-<file path=ppt/slides/slide19.xml><?xml version="1.0" encoding="utf-8"?>
+<file path=ppt/slides/slide18.xml><?xml version="1.0" encoding="utf-8"?>
 <p:sld xmlns:a="http://schemas.openxmlformats.org/drawingml/2006/main" xmlns:r="http://schemas.openxmlformats.org/officeDocument/2006/relationships" xmlns:p="http://schemas.openxmlformats.org/presentationml/2006/main">
   <p:cSld>
     <p:bg>
@@ -29987,6 +29113,469 @@
     <p:extLst>
       <p:ext uri="{BB962C8B-B14F-4D97-AF65-F5344CB8AC3E}">
         <p14:creationId xmlns:p14="http://schemas.microsoft.com/office/powerpoint/2010/main" val="3494397469"/>
+      </p:ext>
+    </p:extLst>
+  </p:cSld>
+  <p:clrMapOvr>
+    <a:masterClrMapping/>
+  </p:clrMapOvr>
+</p:sld>
+</file>
+
+<file path=ppt/slides/slide19.xml><?xml version="1.0" encoding="utf-8"?>
+<p:sld xmlns:a="http://schemas.openxmlformats.org/drawingml/2006/main" xmlns:r="http://schemas.openxmlformats.org/officeDocument/2006/relationships" xmlns:p="http://schemas.openxmlformats.org/presentationml/2006/main">
+  <p:cSld>
+    <p:bg>
+      <p:bgPr>
+        <a:solidFill>
+          <a:schemeClr val="bg1"/>
+        </a:solidFill>
+        <a:effectLst/>
+      </p:bgPr>
+    </p:bg>
+    <p:spTree>
+      <p:nvGrpSpPr>
+        <p:cNvPr id="1" name="Shape 106">
+          <a:extLst>
+            <a:ext uri="{FF2B5EF4-FFF2-40B4-BE49-F238E27FC236}">
+              <a16:creationId xmlns:a16="http://schemas.microsoft.com/office/drawing/2014/main" id="{F3AC236D-4E51-ADC1-6FEA-2C8F944DBE64}"/>
+            </a:ext>
+          </a:extLst>
+        </p:cNvPr>
+        <p:cNvGrpSpPr/>
+        <p:nvPr/>
+      </p:nvGrpSpPr>
+      <p:grpSpPr>
+        <a:xfrm>
+          <a:off x="0" y="0"/>
+          <a:ext cx="0" cy="0"/>
+          <a:chOff x="0" y="0"/>
+          <a:chExt cx="0" cy="0"/>
+        </a:xfrm>
+      </p:grpSpPr>
+      <p:sp useBgFill="1">
+        <p:nvSpPr>
+          <p:cNvPr id="128" name="Rectangle 127">
+            <a:extLst>
+              <a:ext uri="{FF2B5EF4-FFF2-40B4-BE49-F238E27FC236}">
+                <a16:creationId xmlns:a16="http://schemas.microsoft.com/office/drawing/2014/main" id="{9E1608D1-098B-4638-7470-5D82AF7E6AB0}"/>
+              </a:ext>
+              <a:ext uri="{C183D7F6-B498-43B3-948B-1728B52AA6E4}">
+                <adec:decorative xmlns:adec="http://schemas.microsoft.com/office/drawing/2017/decorative" val="1"/>
+              </a:ext>
+            </a:extLst>
+          </p:cNvPr>
+          <p:cNvSpPr>
+            <a:spLocks noGrp="1" noRot="1" noChangeAspect="1" noMove="1" noResize="1" noEditPoints="1" noAdjustHandles="1" noChangeArrowheads="1" noChangeShapeType="1" noTextEdit="1"/>
+          </p:cNvSpPr>
+          <p:nvPr>
+            <p:extLst>
+              <p:ext uri="{386F3935-93C4-4BCD-93E2-E3B085C9AB24}">
+                <p16:designElem xmlns:p16="http://schemas.microsoft.com/office/powerpoint/2015/main" val="1"/>
+              </p:ext>
+            </p:extLst>
+          </p:nvPr>
+        </p:nvSpPr>
+        <p:spPr>
+          <a:xfrm>
+            <a:off x="0" y="0"/>
+            <a:ext cx="12192000" cy="6858000"/>
+          </a:xfrm>
+          <a:prstGeom prst="rect">
+            <a:avLst/>
+          </a:prstGeom>
+          <a:ln>
+            <a:noFill/>
+          </a:ln>
+        </p:spPr>
+        <p:style>
+          <a:lnRef idx="2">
+            <a:schemeClr val="accent1">
+              <a:shade val="50000"/>
+            </a:schemeClr>
+          </a:lnRef>
+          <a:fillRef idx="1">
+            <a:schemeClr val="accent1"/>
+          </a:fillRef>
+          <a:effectRef idx="0">
+            <a:schemeClr val="accent1"/>
+          </a:effectRef>
+          <a:fontRef idx="minor">
+            <a:schemeClr val="lt1"/>
+          </a:fontRef>
+        </p:style>
+        <p:txBody>
+          <a:bodyPr rtlCol="0" anchor="ctr"/>
+          <a:lstStyle/>
+          <a:p>
+            <a:pPr algn="ctr"/>
+            <a:endParaRPr lang="en-US"/>
+          </a:p>
+        </p:txBody>
+      </p:sp>
+      <p:sp>
+        <p:nvSpPr>
+          <p:cNvPr id="107" name="Google Shape;107;p19">
+            <a:extLst>
+              <a:ext uri="{FF2B5EF4-FFF2-40B4-BE49-F238E27FC236}">
+                <a16:creationId xmlns:a16="http://schemas.microsoft.com/office/drawing/2014/main" id="{70C02A41-3833-DD74-8D87-1F6EDEE984C9}"/>
+              </a:ext>
+            </a:extLst>
+          </p:cNvPr>
+          <p:cNvSpPr txBox="1">
+            <a:spLocks noGrp="1"/>
+          </p:cNvSpPr>
+          <p:nvPr>
+            <p:ph type="title"/>
+          </p:nvPr>
+        </p:nvSpPr>
+        <p:spPr>
+          <a:xfrm>
+            <a:off x="390416" y="978964"/>
+            <a:ext cx="11366638" cy="1306577"/>
+          </a:xfrm>
+          <a:prstGeom prst="rect">
+            <a:avLst/>
+          </a:prstGeom>
+        </p:spPr>
+        <p:txBody>
+          <a:bodyPr spcFirstLastPara="1" vert="horz" lIns="91440" tIns="45720" rIns="91440" bIns="45720" rtlCol="0" anchor="b" anchorCtr="0">
+            <a:normAutofit fontScale="90000"/>
+          </a:bodyPr>
+          <a:lstStyle/>
+          <a:p>
+            <a:pPr algn="l" defTabSz="914400">
+              <a:lnSpc>
+                <a:spcPct val="90000"/>
+              </a:lnSpc>
+            </a:pPr>
+            <a:r>
+              <a:rPr lang="en-US" sz="2700" dirty="0"/>
+              <a:t>SMART Question 4</a:t>
+            </a:r>
+            <a:br>
+              <a:rPr lang="en-US" sz="1600" dirty="0"/>
+            </a:br>
+            <a:r>
+              <a:rPr lang="en-US" sz="3200" b="1" dirty="0">
+                <a:ea typeface="+mj-lt"/>
+                <a:cs typeface="+mj-lt"/>
+              </a:rPr>
+              <a:t>Can we develop a predictive model that accurately identifies high-risk areas likely to be or become food deserts based on social and economic indicators?</a:t>
+            </a:r>
+            <a:endParaRPr lang="en-US" sz="3200" b="1" kern="1200" dirty="0">
+              <a:ea typeface="+mj-lt"/>
+              <a:cs typeface="+mj-lt"/>
+            </a:endParaRPr>
+          </a:p>
+        </p:txBody>
+      </p:sp>
+      <p:sp>
+        <p:nvSpPr>
+          <p:cNvPr id="129" name="Rectangle 128">
+            <a:extLst>
+              <a:ext uri="{FF2B5EF4-FFF2-40B4-BE49-F238E27FC236}">
+                <a16:creationId xmlns:a16="http://schemas.microsoft.com/office/drawing/2014/main" id="{A502EB9E-BF54-586D-D8E1-F55377C5F4BE}"/>
+              </a:ext>
+              <a:ext uri="{C183D7F6-B498-43B3-948B-1728B52AA6E4}">
+                <adec:decorative xmlns:adec="http://schemas.microsoft.com/office/drawing/2017/decorative" val="1"/>
+              </a:ext>
+            </a:extLst>
+          </p:cNvPr>
+          <p:cNvSpPr>
+            <a:spLocks noGrp="1" noRot="1" noChangeAspect="1" noMove="1" noResize="1" noEditPoints="1" noAdjustHandles="1" noChangeArrowheads="1" noChangeShapeType="1" noTextEdit="1"/>
+          </p:cNvSpPr>
+          <p:nvPr>
+            <p:extLst>
+              <p:ext uri="{386F3935-93C4-4BCD-93E2-E3B085C9AB24}">
+                <p16:designElem xmlns:p16="http://schemas.microsoft.com/office/powerpoint/2015/main" val="1"/>
+              </p:ext>
+            </p:extLst>
+          </p:nvPr>
+        </p:nvSpPr>
+        <p:spPr>
+          <a:xfrm rot="5400000">
+            <a:off x="649223" y="387939"/>
+            <a:ext cx="73152" cy="548640"/>
+          </a:xfrm>
+          <a:prstGeom prst="rect">
+            <a:avLst/>
+          </a:prstGeom>
+          <a:solidFill>
+            <a:schemeClr val="accent2"/>
+          </a:solidFill>
+          <a:ln>
+            <a:noFill/>
+          </a:ln>
+        </p:spPr>
+        <p:style>
+          <a:lnRef idx="2">
+            <a:schemeClr val="accent1">
+              <a:shade val="50000"/>
+            </a:schemeClr>
+          </a:lnRef>
+          <a:fillRef idx="1">
+            <a:schemeClr val="accent1"/>
+          </a:fillRef>
+          <a:effectRef idx="0">
+            <a:schemeClr val="accent1"/>
+          </a:effectRef>
+          <a:fontRef idx="minor">
+            <a:schemeClr val="lt1"/>
+          </a:fontRef>
+        </p:style>
+        <p:txBody>
+          <a:bodyPr rtlCol="0" anchor="ctr"/>
+          <a:lstStyle/>
+          <a:p>
+            <a:pPr algn="ctr"/>
+            <a:endParaRPr lang="en-US">
+              <a:solidFill>
+                <a:prstClr val="white"/>
+              </a:solidFill>
+              <a:latin typeface="Calibri" panose="020F0502020204030204"/>
+            </a:endParaRPr>
+          </a:p>
+        </p:txBody>
+      </p:sp>
+      <p:sp>
+        <p:nvSpPr>
+          <p:cNvPr id="130" name="Rectangle 129">
+            <a:extLst>
+              <a:ext uri="{FF2B5EF4-FFF2-40B4-BE49-F238E27FC236}">
+                <a16:creationId xmlns:a16="http://schemas.microsoft.com/office/drawing/2014/main" id="{A5E0EBF9-50DE-2DB8-17CA-C301C30FACA7}"/>
+              </a:ext>
+              <a:ext uri="{C183D7F6-B498-43B3-948B-1728B52AA6E4}">
+                <adec:decorative xmlns:adec="http://schemas.microsoft.com/office/drawing/2017/decorative" val="1"/>
+              </a:ext>
+            </a:extLst>
+          </p:cNvPr>
+          <p:cNvSpPr>
+            <a:spLocks noGrp="1" noRot="1" noChangeAspect="1" noMove="1" noResize="1" noEditPoints="1" noAdjustHandles="1" noChangeArrowheads="1" noChangeShapeType="1" noTextEdit="1"/>
+          </p:cNvSpPr>
+          <p:nvPr>
+            <p:extLst>
+              <p:ext uri="{386F3935-93C4-4BCD-93E2-E3B085C9AB24}">
+                <p16:designElem xmlns:p16="http://schemas.microsoft.com/office/powerpoint/2015/main" val="1"/>
+              </p:ext>
+            </p:extLst>
+          </p:nvPr>
+        </p:nvSpPr>
+        <p:spPr>
+          <a:xfrm>
+            <a:off x="411480" y="2285541"/>
+            <a:ext cx="4389120" cy="18288"/>
+          </a:xfrm>
+          <a:prstGeom prst="rect">
+            <a:avLst/>
+          </a:prstGeom>
+          <a:solidFill>
+            <a:srgbClr val="D5D5D5"/>
+          </a:solidFill>
+          <a:ln w="3175">
+            <a:noFill/>
+          </a:ln>
+          <a:effectLst/>
+        </p:spPr>
+        <p:style>
+          <a:lnRef idx="2">
+            <a:schemeClr val="accent1">
+              <a:shade val="50000"/>
+            </a:schemeClr>
+          </a:lnRef>
+          <a:fillRef idx="1">
+            <a:schemeClr val="accent1"/>
+          </a:fillRef>
+          <a:effectRef idx="0">
+            <a:schemeClr val="accent1"/>
+          </a:effectRef>
+          <a:fontRef idx="minor">
+            <a:schemeClr val="lt1"/>
+          </a:fontRef>
+        </p:style>
+        <p:txBody>
+          <a:bodyPr rtlCol="0" anchor="ctr"/>
+          <a:lstStyle/>
+          <a:p>
+            <a:pPr algn="ctr"/>
+            <a:endParaRPr lang="en-US">
+              <a:solidFill>
+                <a:prstClr val="white"/>
+              </a:solidFill>
+              <a:latin typeface="Calibri" panose="020F0502020204030204"/>
+            </a:endParaRPr>
+          </a:p>
+        </p:txBody>
+      </p:sp>
+      <p:sp>
+        <p:nvSpPr>
+          <p:cNvPr id="108" name="Google Shape;108;p19">
+            <a:extLst>
+              <a:ext uri="{FF2B5EF4-FFF2-40B4-BE49-F238E27FC236}">
+                <a16:creationId xmlns:a16="http://schemas.microsoft.com/office/drawing/2014/main" id="{148C7BA9-535B-9F7B-6EEA-AAAEDB6F017D}"/>
+              </a:ext>
+            </a:extLst>
+          </p:cNvPr>
+          <p:cNvSpPr txBox="1"/>
+          <p:nvPr/>
+        </p:nvSpPr>
+        <p:spPr>
+          <a:xfrm>
+            <a:off x="399574" y="2684095"/>
+            <a:ext cx="11455934" cy="3492868"/>
+          </a:xfrm>
+          <a:prstGeom prst="rect">
+            <a:avLst/>
+          </a:prstGeom>
+        </p:spPr>
+        <p:txBody>
+          <a:bodyPr spcFirstLastPara="1" vert="horz" lIns="91440" tIns="45720" rIns="91440" bIns="45720" rtlCol="0" anchor="t" anchorCtr="0">
+            <a:normAutofit/>
+          </a:bodyPr>
+          <a:lstStyle/>
+          <a:p>
+            <a:pPr marL="285750" indent="-228600" defTabSz="914400">
+              <a:lnSpc>
+                <a:spcPct val="90000"/>
+              </a:lnSpc>
+              <a:spcAft>
+                <a:spcPts val="600"/>
+              </a:spcAft>
+              <a:buFont typeface="Arial,Sans-Serif" panose="020B0604020202020204" pitchFamily="34" charset="0"/>
+              <a:buChar char="•"/>
+            </a:pPr>
+            <a:r>
+              <a:rPr lang="en-US" sz="2000" dirty="0">
+                <a:ea typeface="+mn-lt"/>
+                <a:cs typeface="+mn-lt"/>
+              </a:rPr>
+              <a:t>We will use the </a:t>
+            </a:r>
+            <a:r>
+              <a:rPr lang="en-US" sz="2000" i="0" dirty="0">
+                <a:effectLst/>
+                <a:ea typeface="+mn-lt"/>
+                <a:cs typeface="+mn-lt"/>
+              </a:rPr>
+              <a:t>factors </a:t>
+            </a:r>
+            <a:r>
+              <a:rPr lang="en-US" sz="2000" dirty="0">
+                <a:ea typeface="+mn-lt"/>
+                <a:cs typeface="+mn-lt"/>
+              </a:rPr>
+              <a:t>that we determined </a:t>
+            </a:r>
+            <a:r>
+              <a:rPr lang="en-US" sz="2000" i="0" dirty="0">
+                <a:effectLst/>
+                <a:ea typeface="+mn-lt"/>
+                <a:cs typeface="+mn-lt"/>
+              </a:rPr>
+              <a:t>to </a:t>
+            </a:r>
+            <a:r>
+              <a:rPr lang="en-US" sz="2000" dirty="0">
+                <a:ea typeface="+mn-lt"/>
+                <a:cs typeface="+mn-lt"/>
+              </a:rPr>
+              <a:t>be highly correlated with </a:t>
+            </a:r>
+            <a:r>
+              <a:rPr lang="en-US" sz="2000" i="0" dirty="0">
+                <a:effectLst/>
+                <a:ea typeface="+mn-lt"/>
+                <a:cs typeface="+mn-lt"/>
+              </a:rPr>
+              <a:t>food deserts</a:t>
+            </a:r>
+            <a:r>
+              <a:rPr lang="en-US" sz="2000" dirty="0">
+                <a:ea typeface="+mn-lt"/>
+                <a:cs typeface="+mn-lt"/>
+              </a:rPr>
+              <a:t>.</a:t>
+            </a:r>
+          </a:p>
+          <a:p>
+            <a:pPr marL="285750" indent="-228600" defTabSz="914400">
+              <a:lnSpc>
+                <a:spcPct val="90000"/>
+              </a:lnSpc>
+              <a:spcAft>
+                <a:spcPts val="600"/>
+              </a:spcAft>
+              <a:buFont typeface="Arial,Sans-Serif" panose="020B0604020202020204" pitchFamily="34" charset="0"/>
+              <a:buChar char="•"/>
+            </a:pPr>
+            <a:r>
+              <a:rPr lang="en-US" sz="2000" dirty="0">
+                <a:ea typeface="+mn-lt"/>
+                <a:cs typeface="+mn-lt"/>
+              </a:rPr>
+              <a:t>Build a logit and RF model.</a:t>
+            </a:r>
+          </a:p>
+          <a:p>
+            <a:pPr marL="285750" indent="-228600" defTabSz="914400">
+              <a:lnSpc>
+                <a:spcPct val="90000"/>
+              </a:lnSpc>
+              <a:spcAft>
+                <a:spcPts val="600"/>
+              </a:spcAft>
+              <a:buFont typeface="Arial,Sans-Serif" panose="020B0604020202020204" pitchFamily="34" charset="0"/>
+              <a:buChar char="•"/>
+            </a:pPr>
+            <a:r>
+              <a:rPr lang="en-US" sz="2000" dirty="0">
+                <a:ea typeface="+mn-lt"/>
+                <a:cs typeface="+mn-lt"/>
+              </a:rPr>
+              <a:t>Analyze the logit model summary. </a:t>
+            </a:r>
+          </a:p>
+          <a:p>
+            <a:pPr marL="285750" indent="-228600" defTabSz="914400">
+              <a:lnSpc>
+                <a:spcPct val="90000"/>
+              </a:lnSpc>
+              <a:spcAft>
+                <a:spcPts val="600"/>
+              </a:spcAft>
+              <a:buFont typeface="Arial,Sans-Serif" panose="020B0604020202020204" pitchFamily="34" charset="0"/>
+              <a:buChar char="•"/>
+            </a:pPr>
+            <a:r>
+              <a:rPr lang="en-US" sz="2000" dirty="0">
+                <a:ea typeface="+mn-lt"/>
+                <a:cs typeface="+mn-lt"/>
+              </a:rPr>
+              <a:t>Compare with RF performance metrics and feature importance.</a:t>
+            </a:r>
+          </a:p>
+          <a:p>
+            <a:pPr marL="285750" indent="-228600" defTabSz="914400">
+              <a:lnSpc>
+                <a:spcPct val="90000"/>
+              </a:lnSpc>
+              <a:spcAft>
+                <a:spcPts val="600"/>
+              </a:spcAft>
+              <a:buFont typeface="Arial" panose="020B0604020202020204" pitchFamily="34" charset="0"/>
+              <a:buChar char="•"/>
+            </a:pPr>
+            <a:endParaRPr lang="en-US" sz="2000" dirty="0">
+              <a:ea typeface="Calibri"/>
+              <a:cs typeface="Calibri"/>
+            </a:endParaRPr>
+          </a:p>
+        </p:txBody>
+      </p:sp>
+    </p:spTree>
+    <p:extLst>
+      <p:ext uri="{BB962C8B-B14F-4D97-AF65-F5344CB8AC3E}">
+        <p14:creationId xmlns:p14="http://schemas.microsoft.com/office/powerpoint/2010/main" val="1615951824"/>
       </p:ext>
     </p:extLst>
   </p:cSld>
@@ -30497,7 +30086,7 @@
         <p:cNvPr id="1" name="Shape 106">
           <a:extLst>
             <a:ext uri="{FF2B5EF4-FFF2-40B4-BE49-F238E27FC236}">
-              <a16:creationId xmlns:a16="http://schemas.microsoft.com/office/drawing/2014/main" id="{F3AC236D-4E51-ADC1-6FEA-2C8F944DBE64}"/>
+              <a16:creationId xmlns:a16="http://schemas.microsoft.com/office/drawing/2014/main" id="{D7D4160C-5073-255A-ACBD-F18F87021AAA}"/>
             </a:ext>
           </a:extLst>
         </p:cNvPr>
@@ -30512,12 +30101,12 @@
           <a:chExt cx="0" cy="0"/>
         </a:xfrm>
       </p:grpSpPr>
-      <p:sp useBgFill="1">
+      <p:sp>
         <p:nvSpPr>
-          <p:cNvPr id="128" name="Rectangle 127">
+          <p:cNvPr id="196" name="Down Arrow 7">
             <a:extLst>
               <a:ext uri="{FF2B5EF4-FFF2-40B4-BE49-F238E27FC236}">
-                <a16:creationId xmlns:a16="http://schemas.microsoft.com/office/drawing/2014/main" id="{9E1608D1-098B-4638-7470-5D82AF7E6AB0}"/>
+                <a16:creationId xmlns:a16="http://schemas.microsoft.com/office/drawing/2014/main" id="{D4771268-CB57-404A-9271-370EB28F6090}"/>
               </a:ext>
               <a:ext uri="{C183D7F6-B498-43B3-948B-1728B52AA6E4}">
                 <adec:decorative xmlns:adec="http://schemas.microsoft.com/office/drawing/2017/decorative" val="1"/>
@@ -30536,14 +30125,20 @@
           </p:nvPr>
         </p:nvSpPr>
         <p:spPr>
-          <a:xfrm>
-            <a:off x="0" y="0"/>
-            <a:ext cx="12192000" cy="6858000"/>
+          <a:xfrm rot="16200000">
+            <a:off x="800100" y="1491343"/>
+            <a:ext cx="3333749" cy="3499103"/>
           </a:xfrm>
-          <a:prstGeom prst="rect">
-            <a:avLst/>
+          <a:prstGeom prst="downArrow">
+            <a:avLst>
+              <a:gd name="adj1" fmla="val 100000"/>
+              <a:gd name="adj2" fmla="val 15788"/>
+            </a:avLst>
           </a:prstGeom>
-          <a:ln>
+          <a:solidFill>
+            <a:srgbClr val="404040"/>
+          </a:solidFill>
+          <a:ln w="53975">
             <a:noFill/>
           </a:ln>
         </p:spPr>
@@ -30577,7 +30172,7 @@
           <p:cNvPr id="107" name="Google Shape;107;p19">
             <a:extLst>
               <a:ext uri="{FF2B5EF4-FFF2-40B4-BE49-F238E27FC236}">
-                <a16:creationId xmlns:a16="http://schemas.microsoft.com/office/drawing/2014/main" id="{70C02A41-3833-DD74-8D87-1F6EDEE984C9}"/>
+                <a16:creationId xmlns:a16="http://schemas.microsoft.com/office/drawing/2014/main" id="{217E2AD7-EEE2-974B-756D-7F1A75A1471C}"/>
               </a:ext>
             </a:extLst>
           </p:cNvPr>
@@ -30590,351 +30185,87 @@
         </p:nvSpPr>
         <p:spPr>
           <a:xfrm>
-            <a:off x="390416" y="978964"/>
-            <a:ext cx="11366638" cy="1306577"/>
+            <a:off x="1028700" y="1967266"/>
+            <a:ext cx="2628900" cy="2547257"/>
+          </a:xfrm>
+          <a:prstGeom prst="rect">
+            <a:avLst/>
+          </a:prstGeom>
+          <a:noFill/>
+        </p:spPr>
+        <p:txBody>
+          <a:bodyPr spcFirstLastPara="1" vert="horz" lIns="91440" tIns="45720" rIns="91440" bIns="45720" rtlCol="0" anchor="ctr" anchorCtr="0">
+            <a:normAutofit/>
+          </a:bodyPr>
+          <a:lstStyle/>
+          <a:p>
+            <a:pPr defTabSz="914400"/>
+            <a:r>
+              <a:rPr lang="en-US" sz="3600" kern="1200">
+                <a:solidFill>
+                  <a:srgbClr val="FFFFFF"/>
+                </a:solidFill>
+                <a:latin typeface="+mj-lt"/>
+                <a:ea typeface="+mj-ea"/>
+                <a:cs typeface="+mj-cs"/>
+              </a:rPr>
+              <a:t>Logit model summary</a:t>
+            </a:r>
+            <a:br>
+              <a:rPr lang="en-US" sz="3600" kern="1200">
+                <a:solidFill>
+                  <a:srgbClr val="FFFFFF"/>
+                </a:solidFill>
+                <a:latin typeface="+mj-lt"/>
+                <a:ea typeface="+mj-ea"/>
+                <a:cs typeface="+mj-cs"/>
+              </a:rPr>
+            </a:br>
+            <a:endParaRPr lang="en-US" sz="3600" kern="1200">
+              <a:solidFill>
+                <a:srgbClr val="FFFFFF"/>
+              </a:solidFill>
+              <a:latin typeface="+mj-lt"/>
+              <a:ea typeface="+mj-ea"/>
+              <a:cs typeface="+mj-cs"/>
+            </a:endParaRPr>
+          </a:p>
+        </p:txBody>
+      </p:sp>
+      <p:pic>
+        <p:nvPicPr>
+          <p:cNvPr id="4" name="Picture 3" descr="A screenshot of a computer program&#10;&#10;AI-generated content may be incorrect.">
+            <a:extLst>
+              <a:ext uri="{FF2B5EF4-FFF2-40B4-BE49-F238E27FC236}">
+                <a16:creationId xmlns:a16="http://schemas.microsoft.com/office/drawing/2014/main" id="{C648BCE4-DB2A-2FE2-FC67-A5165704661E}"/>
+              </a:ext>
+            </a:extLst>
+          </p:cNvPr>
+          <p:cNvPicPr>
+            <a:picLocks noChangeAspect="1"/>
+          </p:cNvPicPr>
+          <p:nvPr/>
+        </p:nvPicPr>
+        <p:blipFill>
+          <a:blip r:embed="rId3"/>
+          <a:stretch>
+            <a:fillRect/>
+          </a:stretch>
+        </p:blipFill>
+        <p:spPr>
+          <a:xfrm>
+            <a:off x="5030348" y="643466"/>
+            <a:ext cx="6274635" cy="5568739"/>
           </a:xfrm>
           <a:prstGeom prst="rect">
             <a:avLst/>
           </a:prstGeom>
         </p:spPr>
-        <p:txBody>
-          <a:bodyPr spcFirstLastPara="1" vert="horz" lIns="91440" tIns="45720" rIns="91440" bIns="45720" rtlCol="0" anchor="b" anchorCtr="0">
-            <a:normAutofit fontScale="90000"/>
-          </a:bodyPr>
-          <a:lstStyle/>
-          <a:p>
-            <a:pPr algn="l" defTabSz="914400">
-              <a:lnSpc>
-                <a:spcPct val="90000"/>
-              </a:lnSpc>
-            </a:pPr>
-            <a:r>
-              <a:rPr lang="en-US" sz="2700" dirty="0"/>
-              <a:t>SMART Question 4</a:t>
-            </a:r>
-            <a:br>
-              <a:rPr lang="en-US" sz="1600" dirty="0"/>
-            </a:br>
-            <a:r>
-              <a:rPr lang="en-US" sz="3200" b="1" dirty="0">
-                <a:ea typeface="+mj-lt"/>
-                <a:cs typeface="+mj-lt"/>
-              </a:rPr>
-              <a:t>Can we develop a predictive model that accurately identifies high-risk areas likely to be or become food deserts based on social and economic indicators?</a:t>
-            </a:r>
-            <a:endParaRPr lang="en-US" sz="3200" b="1" kern="1200" dirty="0">
-              <a:ea typeface="+mj-lt"/>
-              <a:cs typeface="+mj-lt"/>
-            </a:endParaRPr>
-          </a:p>
-        </p:txBody>
-      </p:sp>
-      <p:sp>
-        <p:nvSpPr>
-          <p:cNvPr id="129" name="Rectangle 128">
-            <a:extLst>
-              <a:ext uri="{FF2B5EF4-FFF2-40B4-BE49-F238E27FC236}">
-                <a16:creationId xmlns:a16="http://schemas.microsoft.com/office/drawing/2014/main" id="{A502EB9E-BF54-586D-D8E1-F55377C5F4BE}"/>
-              </a:ext>
-              <a:ext uri="{C183D7F6-B498-43B3-948B-1728B52AA6E4}">
-                <adec:decorative xmlns:adec="http://schemas.microsoft.com/office/drawing/2017/decorative" val="1"/>
-              </a:ext>
-            </a:extLst>
-          </p:cNvPr>
-          <p:cNvSpPr>
-            <a:spLocks noGrp="1" noRot="1" noChangeAspect="1" noMove="1" noResize="1" noEditPoints="1" noAdjustHandles="1" noChangeArrowheads="1" noChangeShapeType="1" noTextEdit="1"/>
-          </p:cNvSpPr>
-          <p:nvPr>
-            <p:extLst>
-              <p:ext uri="{386F3935-93C4-4BCD-93E2-E3B085C9AB24}">
-                <p16:designElem xmlns:p16="http://schemas.microsoft.com/office/powerpoint/2015/main" val="1"/>
-              </p:ext>
-            </p:extLst>
-          </p:nvPr>
-        </p:nvSpPr>
-        <p:spPr>
-          <a:xfrm rot="5400000">
-            <a:off x="649223" y="387939"/>
-            <a:ext cx="73152" cy="548640"/>
-          </a:xfrm>
-          <a:prstGeom prst="rect">
-            <a:avLst/>
-          </a:prstGeom>
-          <a:solidFill>
-            <a:schemeClr val="accent2"/>
-          </a:solidFill>
-          <a:ln>
-            <a:noFill/>
-          </a:ln>
-        </p:spPr>
-        <p:style>
-          <a:lnRef idx="2">
-            <a:schemeClr val="accent1">
-              <a:shade val="50000"/>
-            </a:schemeClr>
-          </a:lnRef>
-          <a:fillRef idx="1">
-            <a:schemeClr val="accent1"/>
-          </a:fillRef>
-          <a:effectRef idx="0">
-            <a:schemeClr val="accent1"/>
-          </a:effectRef>
-          <a:fontRef idx="minor">
-            <a:schemeClr val="lt1"/>
-          </a:fontRef>
-        </p:style>
-        <p:txBody>
-          <a:bodyPr rtlCol="0" anchor="ctr"/>
-          <a:lstStyle/>
-          <a:p>
-            <a:pPr algn="ctr"/>
-            <a:endParaRPr lang="en-US">
-              <a:solidFill>
-                <a:prstClr val="white"/>
-              </a:solidFill>
-              <a:latin typeface="Calibri" panose="020F0502020204030204"/>
-            </a:endParaRPr>
-          </a:p>
-        </p:txBody>
-      </p:sp>
-      <p:sp>
-        <p:nvSpPr>
-          <p:cNvPr id="130" name="Rectangle 129">
-            <a:extLst>
-              <a:ext uri="{FF2B5EF4-FFF2-40B4-BE49-F238E27FC236}">
-                <a16:creationId xmlns:a16="http://schemas.microsoft.com/office/drawing/2014/main" id="{A5E0EBF9-50DE-2DB8-17CA-C301C30FACA7}"/>
-              </a:ext>
-              <a:ext uri="{C183D7F6-B498-43B3-948B-1728B52AA6E4}">
-                <adec:decorative xmlns:adec="http://schemas.microsoft.com/office/drawing/2017/decorative" val="1"/>
-              </a:ext>
-            </a:extLst>
-          </p:cNvPr>
-          <p:cNvSpPr>
-            <a:spLocks noGrp="1" noRot="1" noChangeAspect="1" noMove="1" noResize="1" noEditPoints="1" noAdjustHandles="1" noChangeArrowheads="1" noChangeShapeType="1" noTextEdit="1"/>
-          </p:cNvSpPr>
-          <p:nvPr>
-            <p:extLst>
-              <p:ext uri="{386F3935-93C4-4BCD-93E2-E3B085C9AB24}">
-                <p16:designElem xmlns:p16="http://schemas.microsoft.com/office/powerpoint/2015/main" val="1"/>
-              </p:ext>
-            </p:extLst>
-          </p:nvPr>
-        </p:nvSpPr>
-        <p:spPr>
-          <a:xfrm>
-            <a:off x="411480" y="2285541"/>
-            <a:ext cx="4389120" cy="18288"/>
-          </a:xfrm>
-          <a:prstGeom prst="rect">
-            <a:avLst/>
-          </a:prstGeom>
-          <a:solidFill>
-            <a:srgbClr val="D5D5D5"/>
-          </a:solidFill>
-          <a:ln w="3175">
-            <a:noFill/>
-          </a:ln>
-          <a:effectLst/>
-        </p:spPr>
-        <p:style>
-          <a:lnRef idx="2">
-            <a:schemeClr val="accent1">
-              <a:shade val="50000"/>
-            </a:schemeClr>
-          </a:lnRef>
-          <a:fillRef idx="1">
-            <a:schemeClr val="accent1"/>
-          </a:fillRef>
-          <a:effectRef idx="0">
-            <a:schemeClr val="accent1"/>
-          </a:effectRef>
-          <a:fontRef idx="minor">
-            <a:schemeClr val="lt1"/>
-          </a:fontRef>
-        </p:style>
-        <p:txBody>
-          <a:bodyPr rtlCol="0" anchor="ctr"/>
-          <a:lstStyle/>
-          <a:p>
-            <a:pPr algn="ctr"/>
-            <a:endParaRPr lang="en-US">
-              <a:solidFill>
-                <a:prstClr val="white"/>
-              </a:solidFill>
-              <a:latin typeface="Calibri" panose="020F0502020204030204"/>
-            </a:endParaRPr>
-          </a:p>
-        </p:txBody>
-      </p:sp>
-      <p:sp>
-        <p:nvSpPr>
-          <p:cNvPr id="108" name="Google Shape;108;p19">
-            <a:extLst>
-              <a:ext uri="{FF2B5EF4-FFF2-40B4-BE49-F238E27FC236}">
-                <a16:creationId xmlns:a16="http://schemas.microsoft.com/office/drawing/2014/main" id="{148C7BA9-535B-9F7B-6EEA-AAAEDB6F017D}"/>
-              </a:ext>
-            </a:extLst>
-          </p:cNvPr>
-          <p:cNvSpPr txBox="1"/>
-          <p:nvPr/>
-        </p:nvSpPr>
-        <p:spPr>
-          <a:xfrm>
-            <a:off x="399574" y="2684095"/>
-            <a:ext cx="11455934" cy="3492868"/>
-          </a:xfrm>
-          <a:prstGeom prst="rect">
-            <a:avLst/>
-          </a:prstGeom>
-        </p:spPr>
-        <p:txBody>
-          <a:bodyPr spcFirstLastPara="1" vert="horz" lIns="91440" tIns="45720" rIns="91440" bIns="45720" rtlCol="0" anchor="t" anchorCtr="0">
-            <a:normAutofit/>
-          </a:bodyPr>
-          <a:lstStyle/>
-          <a:p>
-            <a:pPr marL="285750" indent="-228600" defTabSz="914400">
-              <a:lnSpc>
-                <a:spcPct val="90000"/>
-              </a:lnSpc>
-              <a:spcAft>
-                <a:spcPts val="600"/>
-              </a:spcAft>
-              <a:buFont typeface="Arial,Sans-Serif" panose="020B0604020202020204" pitchFamily="34" charset="0"/>
-              <a:buChar char="•"/>
-            </a:pPr>
-            <a:r>
-              <a:rPr lang="en-US" sz="2000" dirty="0">
-                <a:ea typeface="+mn-lt"/>
-                <a:cs typeface="+mn-lt"/>
-              </a:rPr>
-              <a:t>We will use the </a:t>
-            </a:r>
-            <a:r>
-              <a:rPr lang="en-US" sz="2000" i="0" dirty="0">
-                <a:effectLst/>
-                <a:ea typeface="+mn-lt"/>
-                <a:cs typeface="+mn-lt"/>
-              </a:rPr>
-              <a:t>factors </a:t>
-            </a:r>
-            <a:r>
-              <a:rPr lang="en-US" sz="2000" dirty="0">
-                <a:ea typeface="+mn-lt"/>
-                <a:cs typeface="+mn-lt"/>
-              </a:rPr>
-              <a:t>that we determined </a:t>
-            </a:r>
-            <a:r>
-              <a:rPr lang="en-US" sz="2000" i="0" dirty="0">
-                <a:effectLst/>
-                <a:ea typeface="+mn-lt"/>
-                <a:cs typeface="+mn-lt"/>
-              </a:rPr>
-              <a:t>to </a:t>
-            </a:r>
-            <a:r>
-              <a:rPr lang="en-US" sz="2000" dirty="0">
-                <a:ea typeface="+mn-lt"/>
-                <a:cs typeface="+mn-lt"/>
-              </a:rPr>
-              <a:t>be highly correlated with </a:t>
-            </a:r>
-            <a:r>
-              <a:rPr lang="en-US" sz="2000" i="0" dirty="0">
-                <a:effectLst/>
-                <a:ea typeface="+mn-lt"/>
-                <a:cs typeface="+mn-lt"/>
-              </a:rPr>
-              <a:t>food deserts</a:t>
-            </a:r>
-            <a:r>
-              <a:rPr lang="en-US" sz="2000" dirty="0">
-                <a:ea typeface="+mn-lt"/>
-                <a:cs typeface="+mn-lt"/>
-              </a:rPr>
-              <a:t>.</a:t>
-            </a:r>
-          </a:p>
-          <a:p>
-            <a:pPr marL="285750" indent="-228600" defTabSz="914400">
-              <a:lnSpc>
-                <a:spcPct val="90000"/>
-              </a:lnSpc>
-              <a:spcAft>
-                <a:spcPts val="600"/>
-              </a:spcAft>
-              <a:buFont typeface="Arial,Sans-Serif" panose="020B0604020202020204" pitchFamily="34" charset="0"/>
-              <a:buChar char="•"/>
-            </a:pPr>
-            <a:r>
-              <a:rPr lang="en-US" sz="2000" dirty="0">
-                <a:ea typeface="+mn-lt"/>
-                <a:cs typeface="+mn-lt"/>
-              </a:rPr>
-              <a:t>Build a logit and RF model.</a:t>
-            </a:r>
-          </a:p>
-          <a:p>
-            <a:pPr marL="285750" indent="-228600" defTabSz="914400">
-              <a:lnSpc>
-                <a:spcPct val="90000"/>
-              </a:lnSpc>
-              <a:spcAft>
-                <a:spcPts val="600"/>
-              </a:spcAft>
-              <a:buFont typeface="Arial,Sans-Serif" panose="020B0604020202020204" pitchFamily="34" charset="0"/>
-              <a:buChar char="•"/>
-            </a:pPr>
-            <a:r>
-              <a:rPr lang="en-US" sz="2000" dirty="0">
-                <a:ea typeface="+mn-lt"/>
-                <a:cs typeface="+mn-lt"/>
-              </a:rPr>
-              <a:t>Analyze the logit model summary. </a:t>
-            </a:r>
-          </a:p>
-          <a:p>
-            <a:pPr marL="285750" indent="-228600" defTabSz="914400">
-              <a:lnSpc>
-                <a:spcPct val="90000"/>
-              </a:lnSpc>
-              <a:spcAft>
-                <a:spcPts val="600"/>
-              </a:spcAft>
-              <a:buFont typeface="Arial,Sans-Serif" panose="020B0604020202020204" pitchFamily="34" charset="0"/>
-              <a:buChar char="•"/>
-            </a:pPr>
-            <a:r>
-              <a:rPr lang="en-US" sz="2000" dirty="0">
-                <a:ea typeface="+mn-lt"/>
-                <a:cs typeface="+mn-lt"/>
-              </a:rPr>
-              <a:t>Compare with RF performance metrics and feature importance.</a:t>
-            </a:r>
-          </a:p>
-          <a:p>
-            <a:pPr marL="285750" indent="-228600" defTabSz="914400">
-              <a:lnSpc>
-                <a:spcPct val="90000"/>
-              </a:lnSpc>
-              <a:spcAft>
-                <a:spcPts val="600"/>
-              </a:spcAft>
-              <a:buFont typeface="Arial" panose="020B0604020202020204" pitchFamily="34" charset="0"/>
-              <a:buChar char="•"/>
-            </a:pPr>
-            <a:endParaRPr lang="en-US" sz="2000" dirty="0">
-              <a:ea typeface="Calibri"/>
-              <a:cs typeface="Calibri"/>
-            </a:endParaRPr>
-          </a:p>
-        </p:txBody>
-      </p:sp>
+      </p:pic>
     </p:spTree>
     <p:extLst>
       <p:ext uri="{BB962C8B-B14F-4D97-AF65-F5344CB8AC3E}">
-        <p14:creationId xmlns:p14="http://schemas.microsoft.com/office/powerpoint/2010/main" val="1615951824"/>
+        <p14:creationId xmlns:p14="http://schemas.microsoft.com/office/powerpoint/2010/main" val="3092522876"/>
       </p:ext>
     </p:extLst>
   </p:cSld>
@@ -30957,13 +30288,7 @@
     </p:bg>
     <p:spTree>
       <p:nvGrpSpPr>
-        <p:cNvPr id="1" name="Shape 106">
-          <a:extLst>
-            <a:ext uri="{FF2B5EF4-FFF2-40B4-BE49-F238E27FC236}">
-              <a16:creationId xmlns:a16="http://schemas.microsoft.com/office/drawing/2014/main" id="{D7D4160C-5073-255A-ACBD-F18F87021AAA}"/>
-            </a:ext>
-          </a:extLst>
-        </p:cNvPr>
+        <p:cNvPr id="1" name=""/>
         <p:cNvGrpSpPr/>
         <p:nvPr/>
       </p:nvGrpSpPr>
@@ -30977,10 +30302,10 @@
       </p:grpSpPr>
       <p:sp useBgFill="1">
         <p:nvSpPr>
-          <p:cNvPr id="177" name="Rectangle 176">
+          <p:cNvPr id="11" name="Rectangle 10">
             <a:extLst>
               <a:ext uri="{FF2B5EF4-FFF2-40B4-BE49-F238E27FC236}">
-                <a16:creationId xmlns:a16="http://schemas.microsoft.com/office/drawing/2014/main" id="{A8384FB5-9ADC-4DDC-881B-597D56F5B15D}"/>
+                <a16:creationId xmlns:a16="http://schemas.microsoft.com/office/drawing/2014/main" id="{2151139A-886F-4B97-8815-729AD3831BBD}"/>
               </a:ext>
               <a:ext uri="{C183D7F6-B498-43B3-948B-1728B52AA6E4}">
                 <adec:decorative xmlns:adec="http://schemas.microsoft.com/office/drawing/2017/decorative" val="1"/>
@@ -31047,16 +30372,16 @@
           <a:lstStyle/>
           <a:p>
             <a:pPr algn="ctr"/>
-            <a:endParaRPr lang="en-US"/>
+            <a:endParaRPr lang="en-US" sz="2000"/>
           </a:p>
         </p:txBody>
       </p:sp>
       <p:sp>
         <p:nvSpPr>
-          <p:cNvPr id="176" name="Rectangle 175">
+          <p:cNvPr id="13" name="Rectangle 12">
             <a:extLst>
               <a:ext uri="{FF2B5EF4-FFF2-40B4-BE49-F238E27FC236}">
-                <a16:creationId xmlns:a16="http://schemas.microsoft.com/office/drawing/2014/main" id="{1199E1B1-A8C0-4FE8-A5A8-1CB41D69F857}"/>
+                <a16:creationId xmlns:a16="http://schemas.microsoft.com/office/drawing/2014/main" id="{AB5E08C4-8CDD-4623-A5B8-E998C6DEE3B7}"/>
               </a:ext>
               <a:ext uri="{C183D7F6-B498-43B3-948B-1728B52AA6E4}">
                 <adec:decorative xmlns:adec="http://schemas.microsoft.com/office/drawing/2017/decorative" val="1"/>
@@ -31075,8 +30400,8 @@
           </p:nvPr>
         </p:nvSpPr>
         <p:spPr>
-          <a:xfrm rot="10800000" flipH="1">
-            <a:off x="2" y="0"/>
+          <a:xfrm flipH="1">
+            <a:off x="2" y="492"/>
             <a:ext cx="12191998" cy="1575955"/>
           </a:xfrm>
           <a:prstGeom prst="rect">
@@ -31085,90 +30410,13 @@
           <a:gradFill>
             <a:gsLst>
               <a:gs pos="0">
-                <a:srgbClr val="000000">
-                  <a:alpha val="96000"/>
-                </a:srgbClr>
+                <a:schemeClr val="accent1">
+                  <a:lumMod val="50000"/>
+                </a:schemeClr>
               </a:gs>
               <a:gs pos="100000">
                 <a:schemeClr val="accent1">
                   <a:lumMod val="75000"/>
-                </a:schemeClr>
-              </a:gs>
-            </a:gsLst>
-            <a:lin ang="6000000" scaled="0"/>
-          </a:gradFill>
-          <a:ln>
-            <a:noFill/>
-          </a:ln>
-        </p:spPr>
-        <p:style>
-          <a:lnRef idx="2">
-            <a:schemeClr val="accent1">
-              <a:shade val="50000"/>
-            </a:schemeClr>
-          </a:lnRef>
-          <a:fillRef idx="1">
-            <a:schemeClr val="accent1"/>
-          </a:fillRef>
-          <a:effectRef idx="0">
-            <a:schemeClr val="accent1"/>
-          </a:effectRef>
-          <a:fontRef idx="minor">
-            <a:schemeClr val="lt1"/>
-          </a:fontRef>
-        </p:style>
-        <p:txBody>
-          <a:bodyPr rtlCol="0" anchor="ctr"/>
-          <a:lstStyle/>
-          <a:p>
-            <a:pPr algn="ctr"/>
-            <a:endParaRPr lang="en-US"/>
-          </a:p>
-        </p:txBody>
-      </p:sp>
-      <p:sp>
-        <p:nvSpPr>
-          <p:cNvPr id="178" name="Rectangle 177">
-            <a:extLst>
-              <a:ext uri="{FF2B5EF4-FFF2-40B4-BE49-F238E27FC236}">
-                <a16:creationId xmlns:a16="http://schemas.microsoft.com/office/drawing/2014/main" id="{84A8DE83-DE75-4B41-9DB4-A7EC0B0DEC0B}"/>
-              </a:ext>
-              <a:ext uri="{C183D7F6-B498-43B3-948B-1728B52AA6E4}">
-                <adec:decorative xmlns:adec="http://schemas.microsoft.com/office/drawing/2017/decorative" val="1"/>
-              </a:ext>
-            </a:extLst>
-          </p:cNvPr>
-          <p:cNvSpPr>
-            <a:spLocks noGrp="1" noRot="1" noChangeAspect="1" noMove="1" noResize="1" noEditPoints="1" noAdjustHandles="1" noChangeArrowheads="1" noChangeShapeType="1" noTextEdit="1"/>
-          </p:cNvSpPr>
-          <p:nvPr>
-            <p:extLst>
-              <p:ext uri="{386F3935-93C4-4BCD-93E2-E3B085C9AB24}">
-                <p16:designElem xmlns:p16="http://schemas.microsoft.com/office/powerpoint/2015/main" val="1"/>
-              </p:ext>
-            </p:extLst>
-          </p:nvPr>
-        </p:nvSpPr>
-        <p:spPr>
-          <a:xfrm>
-            <a:off x="0" y="0"/>
-            <a:ext cx="8128856" cy="1575461"/>
-          </a:xfrm>
-          <a:prstGeom prst="rect">
-            <a:avLst/>
-          </a:prstGeom>
-          <a:gradFill>
-            <a:gsLst>
-              <a:gs pos="0">
-                <a:schemeClr val="accent1">
-                  <a:alpha val="41000"/>
-                </a:schemeClr>
-              </a:gs>
-              <a:gs pos="74000">
-                <a:schemeClr val="accent1">
-                  <a:lumMod val="60000"/>
-                  <a:lumOff val="40000"/>
-                  <a:alpha val="0"/>
                 </a:schemeClr>
               </a:gs>
             </a:gsLst>
@@ -31205,10 +30453,10 @@
       </p:sp>
       <p:sp>
         <p:nvSpPr>
-          <p:cNvPr id="180" name="Rectangle 179">
+          <p:cNvPr id="15" name="Rectangle 14">
             <a:extLst>
               <a:ext uri="{FF2B5EF4-FFF2-40B4-BE49-F238E27FC236}">
-                <a16:creationId xmlns:a16="http://schemas.microsoft.com/office/drawing/2014/main" id="{A7009A0A-BEF5-4EAC-AF15-E4F9F002E239}"/>
+                <a16:creationId xmlns:a16="http://schemas.microsoft.com/office/drawing/2014/main" id="{15F33878-D502-4FFA-8ACE-F2AECDB2A23F}"/>
               </a:ext>
               <a:ext uri="{C183D7F6-B498-43B3-948B-1728B52AA6E4}">
                 <adec:decorative xmlns:adec="http://schemas.microsoft.com/office/drawing/2017/decorative" val="1"/>
@@ -31227,27 +30475,28 @@
           </p:nvPr>
         </p:nvSpPr>
         <p:spPr>
-          <a:xfrm flipH="1">
-            <a:off x="-3" y="-1"/>
-            <a:ext cx="12192002" cy="1574311"/>
+          <a:xfrm rot="10800000" flipH="1">
+            <a:off x="8128857" y="35"/>
+            <a:ext cx="4063143" cy="1576412"/>
           </a:xfrm>
           <a:prstGeom prst="rect">
             <a:avLst/>
           </a:prstGeom>
           <a:gradFill>
             <a:gsLst>
-              <a:gs pos="0">
-                <a:srgbClr val="000000">
-                  <a:alpha val="63000"/>
-                </a:srgbClr>
+              <a:gs pos="19000">
+                <a:schemeClr val="accent1">
+                  <a:lumMod val="50000"/>
+                  <a:alpha val="68000"/>
+                </a:schemeClr>
               </a:gs>
-              <a:gs pos="78000">
+              <a:gs pos="100000">
                 <a:schemeClr val="accent1">
-                  <a:alpha val="15000"/>
+                  <a:alpha val="79000"/>
                 </a:schemeClr>
               </a:gs>
             </a:gsLst>
-            <a:lin ang="15600000" scaled="0"/>
+            <a:lin ang="19200000" scaled="0"/>
           </a:gradFill>
           <a:ln>
             <a:noFill/>
@@ -31280,14 +30529,165 @@
       </p:sp>
       <p:sp>
         <p:nvSpPr>
-          <p:cNvPr id="107" name="Google Shape;107;p19">
+          <p:cNvPr id="17" name="Rectangle 16">
             <a:extLst>
               <a:ext uri="{FF2B5EF4-FFF2-40B4-BE49-F238E27FC236}">
-                <a16:creationId xmlns:a16="http://schemas.microsoft.com/office/drawing/2014/main" id="{217E2AD7-EEE2-974B-756D-7F1A75A1471C}"/>
+                <a16:creationId xmlns:a16="http://schemas.microsoft.com/office/drawing/2014/main" id="{D3539FEE-81D3-4406-802E-60B20B16F4F6}"/>
+              </a:ext>
+              <a:ext uri="{C183D7F6-B498-43B3-948B-1728B52AA6E4}">
+                <adec:decorative xmlns:adec="http://schemas.microsoft.com/office/drawing/2017/decorative" val="1"/>
               </a:ext>
             </a:extLst>
           </p:cNvPr>
-          <p:cNvSpPr txBox="1">
+          <p:cNvSpPr>
+            <a:spLocks noGrp="1" noRot="1" noChangeAspect="1" noMove="1" noResize="1" noEditPoints="1" noAdjustHandles="1" noChangeArrowheads="1" noChangeShapeType="1" noTextEdit="1"/>
+          </p:cNvSpPr>
+          <p:nvPr>
+            <p:extLst>
+              <p:ext uri="{386F3935-93C4-4BCD-93E2-E3B085C9AB24}">
+                <p16:designElem xmlns:p16="http://schemas.microsoft.com/office/powerpoint/2015/main" val="1"/>
+              </p:ext>
+            </p:extLst>
+          </p:nvPr>
+        </p:nvSpPr>
+        <p:spPr>
+          <a:xfrm rot="5400000">
+            <a:off x="5307778" y="-5307777"/>
+            <a:ext cx="1576446" cy="12192001"/>
+          </a:xfrm>
+          <a:prstGeom prst="rect">
+            <a:avLst/>
+          </a:prstGeom>
+          <a:gradFill>
+            <a:gsLst>
+              <a:gs pos="16000">
+                <a:srgbClr val="000000">
+                  <a:alpha val="0"/>
+                </a:srgbClr>
+              </a:gs>
+              <a:gs pos="99000">
+                <a:srgbClr val="000000">
+                  <a:alpha val="87000"/>
+                </a:srgbClr>
+              </a:gs>
+            </a:gsLst>
+            <a:lin ang="11400000" scaled="0"/>
+          </a:gradFill>
+          <a:ln>
+            <a:noFill/>
+          </a:ln>
+        </p:spPr>
+        <p:style>
+          <a:lnRef idx="2">
+            <a:schemeClr val="accent1">
+              <a:shade val="50000"/>
+            </a:schemeClr>
+          </a:lnRef>
+          <a:fillRef idx="1">
+            <a:schemeClr val="accent1"/>
+          </a:fillRef>
+          <a:effectRef idx="0">
+            <a:schemeClr val="accent1"/>
+          </a:effectRef>
+          <a:fontRef idx="minor">
+            <a:schemeClr val="lt1"/>
+          </a:fontRef>
+        </p:style>
+        <p:txBody>
+          <a:bodyPr rtlCol="0" anchor="ctr"/>
+          <a:lstStyle/>
+          <a:p>
+            <a:pPr algn="ctr"/>
+            <a:endParaRPr lang="en-US" dirty="0"/>
+          </a:p>
+        </p:txBody>
+      </p:sp>
+      <p:sp>
+        <p:nvSpPr>
+          <p:cNvPr id="19" name="Rectangle 18">
+            <a:extLst>
+              <a:ext uri="{FF2B5EF4-FFF2-40B4-BE49-F238E27FC236}">
+                <a16:creationId xmlns:a16="http://schemas.microsoft.com/office/drawing/2014/main" id="{DC701763-729E-462F-A5A8-E0DEFEB1E2E4}"/>
+              </a:ext>
+              <a:ext uri="{C183D7F6-B498-43B3-948B-1728B52AA6E4}">
+                <adec:decorative xmlns:adec="http://schemas.microsoft.com/office/drawing/2017/decorative" val="1"/>
+              </a:ext>
+            </a:extLst>
+          </p:cNvPr>
+          <p:cNvSpPr>
+            <a:spLocks noGrp="1" noRot="1" noChangeAspect="1" noMove="1" noResize="1" noEditPoints="1" noAdjustHandles="1" noChangeArrowheads="1" noChangeShapeType="1" noTextEdit="1"/>
+          </p:cNvSpPr>
+          <p:nvPr>
+            <p:extLst>
+              <p:ext uri="{386F3935-93C4-4BCD-93E2-E3B085C9AB24}">
+                <p16:designElem xmlns:p16="http://schemas.microsoft.com/office/powerpoint/2015/main" val="1"/>
+              </p:ext>
+            </p:extLst>
+          </p:nvPr>
+        </p:nvSpPr>
+        <p:spPr>
+          <a:xfrm>
+            <a:off x="3825434" y="986"/>
+            <a:ext cx="4303422" cy="1575461"/>
+          </a:xfrm>
+          <a:prstGeom prst="rect">
+            <a:avLst/>
+          </a:prstGeom>
+          <a:gradFill>
+            <a:gsLst>
+              <a:gs pos="0">
+                <a:schemeClr val="accent1">
+                  <a:alpha val="17000"/>
+                </a:schemeClr>
+              </a:gs>
+              <a:gs pos="74000">
+                <a:schemeClr val="accent1">
+                  <a:lumMod val="50000"/>
+                  <a:alpha val="0"/>
+                </a:schemeClr>
+              </a:gs>
+            </a:gsLst>
+            <a:lin ang="14400000" scaled="0"/>
+          </a:gradFill>
+          <a:ln>
+            <a:noFill/>
+          </a:ln>
+        </p:spPr>
+        <p:style>
+          <a:lnRef idx="2">
+            <a:schemeClr val="accent1">
+              <a:shade val="50000"/>
+            </a:schemeClr>
+          </a:lnRef>
+          <a:fillRef idx="1">
+            <a:schemeClr val="accent1"/>
+          </a:fillRef>
+          <a:effectRef idx="0">
+            <a:schemeClr val="accent1"/>
+          </a:effectRef>
+          <a:fontRef idx="minor">
+            <a:schemeClr val="lt1"/>
+          </a:fontRef>
+        </p:style>
+        <p:txBody>
+          <a:bodyPr rtlCol="0" anchor="ctr"/>
+          <a:lstStyle/>
+          <a:p>
+            <a:pPr algn="ctr"/>
+            <a:endParaRPr lang="en-US"/>
+          </a:p>
+        </p:txBody>
+      </p:sp>
+      <p:sp>
+        <p:nvSpPr>
+          <p:cNvPr id="2" name="Title 1">
+            <a:extLst>
+              <a:ext uri="{FF2B5EF4-FFF2-40B4-BE49-F238E27FC236}">
+                <a16:creationId xmlns:a16="http://schemas.microsoft.com/office/drawing/2014/main" id="{F6685D44-7061-0F49-EEDB-35F9D5269BEE}"/>
+              </a:ext>
+            </a:extLst>
+          </p:cNvPr>
+          <p:cNvSpPr>
             <a:spLocks noGrp="1"/>
           </p:cNvSpPr>
           <p:nvPr>
@@ -31296,15 +30696,12 @@
         </p:nvSpPr>
         <p:spPr>
           <a:xfrm>
-            <a:off x="699713" y="248038"/>
-            <a:ext cx="7063721" cy="1159200"/>
+            <a:off x="699714" y="353160"/>
+            <a:ext cx="7091300" cy="898581"/>
           </a:xfrm>
-          <a:prstGeom prst="rect">
-            <a:avLst/>
-          </a:prstGeom>
         </p:spPr>
         <p:txBody>
-          <a:bodyPr spcFirstLastPara="1" vert="horz" lIns="91440" tIns="45720" rIns="91440" bIns="45720" rtlCol="0" anchor="ctr" anchorCtr="0">
+          <a:bodyPr vert="horz" lIns="91440" tIns="45720" rIns="91440" bIns="45720" rtlCol="0" anchor="ctr">
             <a:normAutofit/>
           </a:bodyPr>
           <a:lstStyle/>
@@ -31315,43 +30712,52 @@
               </a:lnSpc>
             </a:pPr>
             <a:r>
-              <a:rPr lang="en-US" sz="3700" kern="1200">
+              <a:rPr lang="en-US" sz="4000" dirty="0">
                 <a:solidFill>
                   <a:srgbClr val="FFFFFF"/>
                 </a:solidFill>
-                <a:latin typeface="+mj-lt"/>
-                <a:ea typeface="+mj-ea"/>
-                <a:cs typeface="+mj-cs"/>
               </a:rPr>
-              <a:t>Logit model summary</a:t>
+              <a:t>Logit performance metrics</a:t>
             </a:r>
-            <a:br>
-              <a:rPr lang="en-US" sz="3700" kern="1200">
-                <a:solidFill>
-                  <a:srgbClr val="FFFFFF"/>
-                </a:solidFill>
-                <a:latin typeface="+mj-lt"/>
-                <a:ea typeface="+mj-ea"/>
-                <a:cs typeface="+mj-cs"/>
-              </a:rPr>
-            </a:br>
-            <a:endParaRPr lang="en-US" sz="3700" kern="1200">
-              <a:solidFill>
-                <a:srgbClr val="FFFFFF"/>
-              </a:solidFill>
-              <a:latin typeface="+mj-lt"/>
-              <a:ea typeface="+mj-ea"/>
-              <a:cs typeface="+mj-cs"/>
-            </a:endParaRPr>
           </a:p>
         </p:txBody>
       </p:sp>
       <p:pic>
         <p:nvPicPr>
-          <p:cNvPr id="3" name="Picture 2">
+          <p:cNvPr id="6" name="Picture 5" descr="A graph of a curve&#10;&#10;AI-generated content may be incorrect.">
             <a:extLst>
               <a:ext uri="{FF2B5EF4-FFF2-40B4-BE49-F238E27FC236}">
-                <a16:creationId xmlns:a16="http://schemas.microsoft.com/office/drawing/2014/main" id="{2D60A5E7-CA69-9217-14BF-7772C49389C5}"/>
+                <a16:creationId xmlns:a16="http://schemas.microsoft.com/office/drawing/2014/main" id="{A3E2E9BF-13BF-CAE4-4174-F760C67ACDAD}"/>
+              </a:ext>
+            </a:extLst>
+          </p:cNvPr>
+          <p:cNvPicPr>
+            <a:picLocks noChangeAspect="1"/>
+          </p:cNvPicPr>
+          <p:nvPr/>
+        </p:nvPicPr>
+        <p:blipFill>
+          <a:blip r:embed="rId2"/>
+          <a:stretch>
+            <a:fillRect/>
+          </a:stretch>
+        </p:blipFill>
+        <p:spPr>
+          <a:xfrm>
+            <a:off x="101362" y="1928621"/>
+            <a:ext cx="6759626" cy="4176482"/>
+          </a:xfrm>
+          <a:prstGeom prst="rect">
+            <a:avLst/>
+          </a:prstGeom>
+        </p:spPr>
+      </p:pic>
+      <p:pic>
+        <p:nvPicPr>
+          <p:cNvPr id="4" name="Picture 3" descr="A screenshot of a computer&#10;&#10;AI-generated content may be incorrect.">
+            <a:extLst>
+              <a:ext uri="{FF2B5EF4-FFF2-40B4-BE49-F238E27FC236}">
+                <a16:creationId xmlns:a16="http://schemas.microsoft.com/office/drawing/2014/main" id="{822D45DA-6494-9B50-855B-76E270611522}"/>
               </a:ext>
             </a:extLst>
           </p:cNvPr>
@@ -31368,8 +30774,8 @@
         </p:blipFill>
         <p:spPr>
           <a:xfrm>
-            <a:off x="1359661" y="1966293"/>
-            <a:ext cx="9472676" cy="4452160"/>
+            <a:off x="6962350" y="2041531"/>
+            <a:ext cx="3713020" cy="4541922"/>
           </a:xfrm>
           <a:prstGeom prst="rect">
             <a:avLst/>
@@ -31379,7 +30785,7 @@
     </p:spTree>
     <p:extLst>
       <p:ext uri="{BB962C8B-B14F-4D97-AF65-F5344CB8AC3E}">
-        <p14:creationId xmlns:p14="http://schemas.microsoft.com/office/powerpoint/2010/main" val="3092522876"/>
+        <p14:creationId xmlns:p14="http://schemas.microsoft.com/office/powerpoint/2010/main" val="2257364281"/>
       </p:ext>
     </p:extLst>
   </p:cSld>
@@ -31863,10 +31269,10 @@
       </p:sp>
       <p:pic>
         <p:nvPicPr>
-          <p:cNvPr id="4" name="Picture 3">
+          <p:cNvPr id="3" name="Picture 2" descr="A screenshot of a computer&#10;&#10;AI-generated content may be incorrect.">
             <a:extLst>
               <a:ext uri="{FF2B5EF4-FFF2-40B4-BE49-F238E27FC236}">
-                <a16:creationId xmlns:a16="http://schemas.microsoft.com/office/drawing/2014/main" id="{B58BE514-F842-FC9E-BB74-526E44B97E39}"/>
+                <a16:creationId xmlns:a16="http://schemas.microsoft.com/office/drawing/2014/main" id="{085CF2E1-8D20-4352-040A-39F3F125579C}"/>
               </a:ext>
             </a:extLst>
           </p:cNvPr>
@@ -31883,8 +31289,8 @@
         </p:blipFill>
         <p:spPr>
           <a:xfrm>
-            <a:off x="715748" y="2826920"/>
-            <a:ext cx="5131088" cy="2706649"/>
+            <a:off x="7575861" y="1623366"/>
+            <a:ext cx="3604304" cy="5233648"/>
           </a:xfrm>
           <a:prstGeom prst="rect">
             <a:avLst/>
@@ -31893,10 +31299,10 @@
       </p:pic>
       <p:pic>
         <p:nvPicPr>
-          <p:cNvPr id="6" name="Picture 5">
+          <p:cNvPr id="7" name="Picture 6" descr="A graph of a forest plot&#10;&#10;AI-generated content may be incorrect.">
             <a:extLst>
               <a:ext uri="{FF2B5EF4-FFF2-40B4-BE49-F238E27FC236}">
-                <a16:creationId xmlns:a16="http://schemas.microsoft.com/office/drawing/2014/main" id="{60BCEA08-3F69-577A-7DAB-3B8E88F7515C}"/>
+                <a16:creationId xmlns:a16="http://schemas.microsoft.com/office/drawing/2014/main" id="{DC60A42D-22D6-C31B-EC74-292BC08EBDCF}"/>
               </a:ext>
             </a:extLst>
           </p:cNvPr>
@@ -31913,8 +31319,8 @@
         </p:blipFill>
         <p:spPr>
           <a:xfrm>
-            <a:off x="6345165" y="2491402"/>
-            <a:ext cx="5131087" cy="3450656"/>
+            <a:off x="258577" y="2019969"/>
+            <a:ext cx="6667549" cy="4119593"/>
           </a:xfrm>
           <a:prstGeom prst="rect">
             <a:avLst/>
@@ -31935,6 +31341,373 @@
 </file>
 
 <file path=ppt/slides/slide23.xml><?xml version="1.0" encoding="utf-8"?>
+<p:sld xmlns:a="http://schemas.openxmlformats.org/drawingml/2006/main" xmlns:r="http://schemas.openxmlformats.org/officeDocument/2006/relationships" xmlns:p="http://schemas.openxmlformats.org/presentationml/2006/main">
+  <p:cSld>
+    <p:bg>
+      <p:bgPr>
+        <a:solidFill>
+          <a:schemeClr val="bg1"/>
+        </a:solidFill>
+        <a:effectLst/>
+      </p:bgPr>
+    </p:bg>
+    <p:spTree>
+      <p:nvGrpSpPr>
+        <p:cNvPr id="1" name=""/>
+        <p:cNvGrpSpPr/>
+        <p:nvPr/>
+      </p:nvGrpSpPr>
+      <p:grpSpPr>
+        <a:xfrm>
+          <a:off x="0" y="0"/>
+          <a:ext cx="0" cy="0"/>
+          <a:chOff x="0" y="0"/>
+          <a:chExt cx="0" cy="0"/>
+        </a:xfrm>
+      </p:grpSpPr>
+      <p:sp useBgFill="1">
+        <p:nvSpPr>
+          <p:cNvPr id="8" name="Rectangle 7">
+            <a:extLst>
+              <a:ext uri="{FF2B5EF4-FFF2-40B4-BE49-F238E27FC236}">
+                <a16:creationId xmlns:a16="http://schemas.microsoft.com/office/drawing/2014/main" id="{AB8C311F-7253-4AED-9701-7FC0708C41C7}"/>
+              </a:ext>
+              <a:ext uri="{C183D7F6-B498-43B3-948B-1728B52AA6E4}">
+                <adec:decorative xmlns:adec="http://schemas.microsoft.com/office/drawing/2017/decorative" val="1"/>
+              </a:ext>
+            </a:extLst>
+          </p:cNvPr>
+          <p:cNvSpPr>
+            <a:spLocks noGrp="1" noRot="1" noChangeAspect="1" noMove="1" noResize="1" noEditPoints="1" noAdjustHandles="1" noChangeArrowheads="1" noChangeShapeType="1" noTextEdit="1"/>
+          </p:cNvSpPr>
+          <p:nvPr>
+            <p:extLst>
+              <p:ext uri="{386F3935-93C4-4BCD-93E2-E3B085C9AB24}">
+                <p16:designElem xmlns:p16="http://schemas.microsoft.com/office/powerpoint/2015/main" val="1"/>
+              </p:ext>
+            </p:extLst>
+          </p:nvPr>
+        </p:nvSpPr>
+        <p:spPr>
+          <a:xfrm>
+            <a:off x="0" y="0"/>
+            <a:ext cx="12192000" cy="6858000"/>
+          </a:xfrm>
+          <a:prstGeom prst="rect">
+            <a:avLst/>
+          </a:prstGeom>
+          <a:ln w="12700" cap="flat" cmpd="sng" algn="ctr">
+            <a:noFill/>
+            <a:prstDash val="solid"/>
+            <a:miter lim="800000"/>
+          </a:ln>
+          <a:effectLst/>
+          <a:extLst>
+            <a:ext uri="{91240B29-F687-4F45-9708-019B960494DF}">
+              <a14:hiddenLine xmlns:a14="http://schemas.microsoft.com/office/drawing/2010/main" w="12700" cap="flat" cmpd="sng" algn="ctr">
+                <a:solidFill>
+                  <a:schemeClr val="accent1">
+                    <a:shade val="50000"/>
+                  </a:schemeClr>
+                </a:solidFill>
+                <a:prstDash val="solid"/>
+                <a:miter lim="800000"/>
+              </a14:hiddenLine>
+            </a:ext>
+          </a:extLst>
+        </p:spPr>
+        <p:style>
+          <a:lnRef idx="2">
+            <a:schemeClr val="accent1">
+              <a:shade val="50000"/>
+            </a:schemeClr>
+          </a:lnRef>
+          <a:fillRef idx="1">
+            <a:schemeClr val="accent1"/>
+          </a:fillRef>
+          <a:effectRef idx="0">
+            <a:schemeClr val="accent1"/>
+          </a:effectRef>
+          <a:fontRef idx="minor">
+            <a:schemeClr val="lt1"/>
+          </a:fontRef>
+        </p:style>
+        <p:txBody>
+          <a:bodyPr rtlCol="0" anchor="ctr"/>
+          <a:lstStyle/>
+          <a:p>
+            <a:pPr algn="ctr"/>
+            <a:endParaRPr lang="en-US"/>
+          </a:p>
+        </p:txBody>
+      </p:sp>
+      <p:sp>
+        <p:nvSpPr>
+          <p:cNvPr id="10" name="Rectangle 9">
+            <a:extLst>
+              <a:ext uri="{FF2B5EF4-FFF2-40B4-BE49-F238E27FC236}">
+                <a16:creationId xmlns:a16="http://schemas.microsoft.com/office/drawing/2014/main" id="{E2384209-CB15-4CDF-9D31-C44FD9A3F20D}"/>
+              </a:ext>
+              <a:ext uri="{C183D7F6-B498-43B3-948B-1728B52AA6E4}">
+                <adec:decorative xmlns:adec="http://schemas.microsoft.com/office/drawing/2017/decorative" val="1"/>
+              </a:ext>
+            </a:extLst>
+          </p:cNvPr>
+          <p:cNvSpPr>
+            <a:spLocks noGrp="1" noRot="1" noChangeAspect="1" noMove="1" noResize="1" noEditPoints="1" noAdjustHandles="1" noChangeArrowheads="1" noChangeShapeType="1" noTextEdit="1"/>
+          </p:cNvSpPr>
+          <p:nvPr>
+            <p:extLst>
+              <p:ext uri="{386F3935-93C4-4BCD-93E2-E3B085C9AB24}">
+                <p16:designElem xmlns:p16="http://schemas.microsoft.com/office/powerpoint/2015/main" val="1"/>
+              </p:ext>
+            </p:extLst>
+          </p:nvPr>
+        </p:nvSpPr>
+        <p:spPr>
+          <a:xfrm rot="16200000" flipH="1">
+            <a:off x="2666617" y="-2666188"/>
+            <a:ext cx="6858000" cy="12191233"/>
+          </a:xfrm>
+          <a:prstGeom prst="rect">
+            <a:avLst/>
+          </a:prstGeom>
+          <a:gradFill>
+            <a:gsLst>
+              <a:gs pos="8000">
+                <a:schemeClr val="accent1"/>
+              </a:gs>
+              <a:gs pos="100000">
+                <a:schemeClr val="accent1">
+                  <a:lumMod val="50000"/>
+                </a:schemeClr>
+              </a:gs>
+            </a:gsLst>
+            <a:lin ang="12000000" scaled="0"/>
+          </a:gradFill>
+          <a:ln>
+            <a:noFill/>
+          </a:ln>
+        </p:spPr>
+        <p:style>
+          <a:lnRef idx="2">
+            <a:schemeClr val="accent1">
+              <a:shade val="50000"/>
+            </a:schemeClr>
+          </a:lnRef>
+          <a:fillRef idx="1">
+            <a:schemeClr val="accent1"/>
+          </a:fillRef>
+          <a:effectRef idx="0">
+            <a:schemeClr val="accent1"/>
+          </a:effectRef>
+          <a:fontRef idx="minor">
+            <a:schemeClr val="lt1"/>
+          </a:fontRef>
+        </p:style>
+        <p:txBody>
+          <a:bodyPr rtlCol="0" anchor="ctr"/>
+          <a:lstStyle/>
+          <a:p>
+            <a:pPr algn="ctr"/>
+            <a:endParaRPr lang="en-US"/>
+          </a:p>
+        </p:txBody>
+      </p:sp>
+      <p:sp>
+        <p:nvSpPr>
+          <p:cNvPr id="12" name="Rectangle 11">
+            <a:extLst>
+              <a:ext uri="{FF2B5EF4-FFF2-40B4-BE49-F238E27FC236}">
+                <a16:creationId xmlns:a16="http://schemas.microsoft.com/office/drawing/2014/main" id="{2633B3B5-CC90-43F0-8714-D31D1F3F0209}"/>
+              </a:ext>
+              <a:ext uri="{C183D7F6-B498-43B3-948B-1728B52AA6E4}">
+                <adec:decorative xmlns:adec="http://schemas.microsoft.com/office/drawing/2017/decorative" val="1"/>
+              </a:ext>
+            </a:extLst>
+          </p:cNvPr>
+          <p:cNvSpPr>
+            <a:spLocks noGrp="1" noRot="1" noChangeAspect="1" noMove="1" noResize="1" noEditPoints="1" noAdjustHandles="1" noChangeArrowheads="1" noChangeShapeType="1" noTextEdit="1"/>
+          </p:cNvSpPr>
+          <p:nvPr>
+            <p:extLst>
+              <p:ext uri="{386F3935-93C4-4BCD-93E2-E3B085C9AB24}">
+                <p16:designElem xmlns:p16="http://schemas.microsoft.com/office/powerpoint/2015/main" val="1"/>
+              </p:ext>
+            </p:extLst>
+          </p:nvPr>
+        </p:nvSpPr>
+        <p:spPr>
+          <a:xfrm rot="10800000" flipH="1">
+            <a:off x="-2311" y="0"/>
+            <a:ext cx="9070846" cy="6857572"/>
+          </a:xfrm>
+          <a:prstGeom prst="rect">
+            <a:avLst/>
+          </a:prstGeom>
+          <a:gradFill>
+            <a:gsLst>
+              <a:gs pos="8000">
+                <a:srgbClr val="000000">
+                  <a:alpha val="52000"/>
+                </a:srgbClr>
+              </a:gs>
+              <a:gs pos="100000">
+                <a:schemeClr val="accent1"/>
+              </a:gs>
+            </a:gsLst>
+            <a:lin ang="4800000" scaled="0"/>
+          </a:gradFill>
+          <a:ln>
+            <a:noFill/>
+          </a:ln>
+        </p:spPr>
+        <p:style>
+          <a:lnRef idx="2">
+            <a:schemeClr val="accent1">
+              <a:shade val="50000"/>
+            </a:schemeClr>
+          </a:lnRef>
+          <a:fillRef idx="1">
+            <a:schemeClr val="accent1"/>
+          </a:fillRef>
+          <a:effectRef idx="0">
+            <a:schemeClr val="accent1"/>
+          </a:effectRef>
+          <a:fontRef idx="minor">
+            <a:schemeClr val="lt1"/>
+          </a:fontRef>
+        </p:style>
+        <p:txBody>
+          <a:bodyPr rtlCol="0" anchor="ctr"/>
+          <a:lstStyle/>
+          <a:p>
+            <a:pPr algn="ctr"/>
+            <a:endParaRPr lang="en-US"/>
+          </a:p>
+        </p:txBody>
+      </p:sp>
+      <p:sp>
+        <p:nvSpPr>
+          <p:cNvPr id="14" name="Rectangle 13">
+            <a:extLst>
+              <a:ext uri="{FF2B5EF4-FFF2-40B4-BE49-F238E27FC236}">
+                <a16:creationId xmlns:a16="http://schemas.microsoft.com/office/drawing/2014/main" id="{A8D57A06-A426-446D-B02C-A2DC6B62E45E}"/>
+              </a:ext>
+              <a:ext uri="{C183D7F6-B498-43B3-948B-1728B52AA6E4}">
+                <adec:decorative xmlns:adec="http://schemas.microsoft.com/office/drawing/2017/decorative" val="1"/>
+              </a:ext>
+            </a:extLst>
+          </p:cNvPr>
+          <p:cNvSpPr>
+            <a:spLocks noGrp="1" noRot="1" noChangeAspect="1" noMove="1" noResize="1" noEditPoints="1" noAdjustHandles="1" noChangeArrowheads="1" noChangeShapeType="1" noTextEdit="1"/>
+          </p:cNvSpPr>
+          <p:nvPr>
+            <p:extLst>
+              <p:ext uri="{386F3935-93C4-4BCD-93E2-E3B085C9AB24}">
+                <p16:designElem xmlns:p16="http://schemas.microsoft.com/office/powerpoint/2015/main" val="1"/>
+              </p:ext>
+            </p:extLst>
+          </p:nvPr>
+        </p:nvSpPr>
+        <p:spPr>
+          <a:xfrm rot="16200000" flipH="1">
+            <a:off x="3649491" y="-1685840"/>
+            <a:ext cx="4894564" cy="12193546"/>
+          </a:xfrm>
+          <a:prstGeom prst="rect">
+            <a:avLst/>
+          </a:prstGeom>
+          <a:gradFill>
+            <a:gsLst>
+              <a:gs pos="0">
+                <a:schemeClr val="accent5">
+                  <a:lumMod val="60000"/>
+                  <a:lumOff val="40000"/>
+                  <a:alpha val="0"/>
+                </a:schemeClr>
+              </a:gs>
+              <a:gs pos="100000">
+                <a:srgbClr val="000000">
+                  <a:alpha val="46000"/>
+                </a:srgbClr>
+              </a:gs>
+            </a:gsLst>
+            <a:lin ang="1200000" scaled="0"/>
+          </a:gradFill>
+          <a:ln>
+            <a:noFill/>
+          </a:ln>
+        </p:spPr>
+        <p:style>
+          <a:lnRef idx="2">
+            <a:schemeClr val="accent1">
+              <a:shade val="50000"/>
+            </a:schemeClr>
+          </a:lnRef>
+          <a:fillRef idx="1">
+            <a:schemeClr val="accent1"/>
+          </a:fillRef>
+          <a:effectRef idx="0">
+            <a:schemeClr val="accent1"/>
+          </a:effectRef>
+          <a:fontRef idx="minor">
+            <a:schemeClr val="lt1"/>
+          </a:fontRef>
+        </p:style>
+        <p:txBody>
+          <a:bodyPr rtlCol="0" anchor="ctr"/>
+          <a:lstStyle/>
+          <a:p>
+            <a:pPr algn="ctr"/>
+            <a:endParaRPr lang="en-US"/>
+          </a:p>
+        </p:txBody>
+      </p:sp>
+      <p:pic>
+        <p:nvPicPr>
+          <p:cNvPr id="3" name="Picture 2" descr="A graph with a bar graph&#10;&#10;AI-generated content may be incorrect.">
+            <a:extLst>
+              <a:ext uri="{FF2B5EF4-FFF2-40B4-BE49-F238E27FC236}">
+                <a16:creationId xmlns:a16="http://schemas.microsoft.com/office/drawing/2014/main" id="{00BA5FB5-3720-C8E6-153C-011A0BC7297C}"/>
+              </a:ext>
+            </a:extLst>
+          </p:cNvPr>
+          <p:cNvPicPr>
+            <a:picLocks noChangeAspect="1"/>
+          </p:cNvPicPr>
+          <p:nvPr/>
+        </p:nvPicPr>
+        <p:blipFill>
+          <a:blip r:embed="rId2"/>
+          <a:stretch>
+            <a:fillRect/>
+          </a:stretch>
+        </p:blipFill>
+        <p:spPr>
+          <a:xfrm>
+            <a:off x="1286151" y="457200"/>
+            <a:ext cx="9619698" cy="5943600"/>
+          </a:xfrm>
+          <a:prstGeom prst="rect">
+            <a:avLst/>
+          </a:prstGeom>
+        </p:spPr>
+      </p:pic>
+    </p:spTree>
+    <p:extLst>
+      <p:ext uri="{BB962C8B-B14F-4D97-AF65-F5344CB8AC3E}">
+        <p14:creationId xmlns:p14="http://schemas.microsoft.com/office/powerpoint/2010/main" val="1579198364"/>
+      </p:ext>
+    </p:extLst>
+  </p:cSld>
+  <p:clrMapOvr>
+    <a:masterClrMapping/>
+  </p:clrMapOvr>
+</p:sld>
+</file>
+
+<file path=ppt/slides/slide24.xml><?xml version="1.0" encoding="utf-8"?>
 <p:sld xmlns:a="http://schemas.openxmlformats.org/drawingml/2006/main" xmlns:r="http://schemas.openxmlformats.org/officeDocument/2006/relationships" xmlns:p="http://schemas.openxmlformats.org/presentationml/2006/main">
   <p:cSld>
     <p:bg>
@@ -32447,7 +32220,7 @@
 </p:sld>
 </file>
 
-<file path=ppt/slides/slide24.xml><?xml version="1.0" encoding="utf-8"?>
+<file path=ppt/slides/slide25.xml><?xml version="1.0" encoding="utf-8"?>
 <p:sld xmlns:a="http://schemas.openxmlformats.org/drawingml/2006/main" xmlns:r="http://schemas.openxmlformats.org/officeDocument/2006/relationships" xmlns:p="http://schemas.openxmlformats.org/presentationml/2006/main">
   <p:cSld>
     <p:bg>
@@ -32886,7 +32659,7 @@
 </p:sld>
 </file>
 
-<file path=ppt/slides/slide25.xml><?xml version="1.0" encoding="utf-8"?>
+<file path=ppt/slides/slide26.xml><?xml version="1.0" encoding="utf-8"?>
 <p:sld xmlns:a="http://schemas.openxmlformats.org/drawingml/2006/main" xmlns:r="http://schemas.openxmlformats.org/officeDocument/2006/relationships" xmlns:p="http://schemas.openxmlformats.org/presentationml/2006/main">
   <p:cSld>
     <p:bg>
@@ -33325,7 +33098,7 @@
 </p:sld>
 </file>
 
-<file path=ppt/slides/slide26.xml><?xml version="1.0" encoding="utf-8"?>
+<file path=ppt/slides/slide27.xml><?xml version="1.0" encoding="utf-8"?>
 <p:sld xmlns:a="http://schemas.openxmlformats.org/drawingml/2006/main" xmlns:r="http://schemas.openxmlformats.org/officeDocument/2006/relationships" xmlns:p="http://schemas.openxmlformats.org/presentationml/2006/main">
   <p:cSld>
     <p:bg>
@@ -33704,7 +33477,7 @@
                 <a:ea typeface="+mj-ea"/>
                 <a:cs typeface="+mj-cs"/>
               </a:rPr>
-              <a:t>Median Family Income/ Poverty Rate</a:t>
+              <a:t>Poverty Rate</a:t>
             </a:r>
           </a:p>
         </p:txBody>
@@ -33750,7 +33523,7 @@
 </p:sld>
 </file>
 
-<file path=ppt/slides/slide27.xml><?xml version="1.0" encoding="utf-8"?>
+<file path=ppt/slides/slide28.xml><?xml version="1.0" encoding="utf-8"?>
 <p:sld xmlns:a="http://schemas.openxmlformats.org/drawingml/2006/main" xmlns:r="http://schemas.openxmlformats.org/officeDocument/2006/relationships" xmlns:p="http://schemas.openxmlformats.org/presentationml/2006/main">
   <p:cSld>
     <p:bg>
@@ -34189,7 +33962,7 @@
 </p:sld>
 </file>
 
-<file path=ppt/slides/slide28.xml><?xml version="1.0" encoding="utf-8"?>
+<file path=ppt/slides/slide29.xml><?xml version="1.0" encoding="utf-8"?>
 <p:sld xmlns:a="http://schemas.openxmlformats.org/drawingml/2006/main" xmlns:r="http://schemas.openxmlformats.org/officeDocument/2006/relationships" xmlns:p="http://schemas.openxmlformats.org/presentationml/2006/main">
   <p:cSld>
     <p:bg>
@@ -34379,7 +34152,160 @@
 </p:sld>
 </file>
 
-<file path=ppt/slides/slide29.xml><?xml version="1.0" encoding="utf-8"?>
+<file path=ppt/slides/slide3.xml><?xml version="1.0" encoding="utf-8"?>
+<p:sld xmlns:a="http://schemas.openxmlformats.org/drawingml/2006/main" xmlns:r="http://schemas.openxmlformats.org/officeDocument/2006/relationships" xmlns:p="http://schemas.openxmlformats.org/presentationml/2006/main">
+  <p:cSld>
+    <p:bg>
+      <p:bgPr>
+        <a:solidFill>
+          <a:schemeClr val="bg1"/>
+        </a:solidFill>
+        <a:effectLst/>
+      </p:bgPr>
+    </p:bg>
+    <p:spTree>
+      <p:nvGrpSpPr>
+        <p:cNvPr id="1" name=""/>
+        <p:cNvGrpSpPr/>
+        <p:nvPr/>
+      </p:nvGrpSpPr>
+      <p:grpSpPr>
+        <a:xfrm>
+          <a:off x="0" y="0"/>
+          <a:ext cx="0" cy="0"/>
+          <a:chOff x="0" y="0"/>
+          <a:chExt cx="0" cy="0"/>
+        </a:xfrm>
+      </p:grpSpPr>
+      <p:sp useBgFill="1">
+        <p:nvSpPr>
+          <p:cNvPr id="39" name="Rectangle 38">
+            <a:extLst>
+              <a:ext uri="{FF2B5EF4-FFF2-40B4-BE49-F238E27FC236}">
+                <a16:creationId xmlns:a16="http://schemas.microsoft.com/office/drawing/2014/main" id="{6C4028FD-8BAA-4A19-BFDE-594D991B7552}"/>
+              </a:ext>
+              <a:ext uri="{C183D7F6-B498-43B3-948B-1728B52AA6E4}">
+                <adec:decorative xmlns:adec="http://schemas.microsoft.com/office/drawing/2017/decorative" val="1"/>
+              </a:ext>
+            </a:extLst>
+          </p:cNvPr>
+          <p:cNvSpPr>
+            <a:spLocks noGrp="1" noRot="1" noChangeAspect="1" noMove="1" noResize="1" noEditPoints="1" noAdjustHandles="1" noChangeArrowheads="1" noChangeShapeType="1" noTextEdit="1"/>
+          </p:cNvSpPr>
+          <p:nvPr>
+            <p:extLst>
+              <p:ext uri="{386F3935-93C4-4BCD-93E2-E3B085C9AB24}">
+                <p16:designElem xmlns:p16="http://schemas.microsoft.com/office/powerpoint/2015/main" val="1"/>
+              </p:ext>
+            </p:extLst>
+          </p:nvPr>
+        </p:nvSpPr>
+        <p:spPr>
+          <a:xfrm>
+            <a:off x="-1" y="0"/>
+            <a:ext cx="12188952" cy="6858000"/>
+          </a:xfrm>
+          <a:prstGeom prst="rect">
+            <a:avLst/>
+          </a:prstGeom>
+          <a:ln>
+            <a:noFill/>
+          </a:ln>
+        </p:spPr>
+        <p:style>
+          <a:lnRef idx="2">
+            <a:schemeClr val="accent1">
+              <a:shade val="50000"/>
+            </a:schemeClr>
+          </a:lnRef>
+          <a:fillRef idx="1">
+            <a:schemeClr val="accent1"/>
+          </a:fillRef>
+          <a:effectRef idx="0">
+            <a:schemeClr val="accent1"/>
+          </a:effectRef>
+          <a:fontRef idx="minor">
+            <a:schemeClr val="lt1"/>
+          </a:fontRef>
+        </p:style>
+        <p:txBody>
+          <a:bodyPr rtlCol="0" anchor="ctr"/>
+          <a:lstStyle/>
+          <a:p>
+            <a:pPr algn="ctr"/>
+            <a:endParaRPr lang="en-US"/>
+          </a:p>
+        </p:txBody>
+      </p:sp>
+      <p:sp>
+        <p:nvSpPr>
+          <p:cNvPr id="2" name="Title 1"/>
+          <p:cNvSpPr>
+            <a:spLocks noGrp="1"/>
+          </p:cNvSpPr>
+          <p:nvPr>
+            <p:ph type="title"/>
+          </p:nvPr>
+        </p:nvSpPr>
+        <p:spPr>
+          <a:xfrm>
+            <a:off x="838200" y="556995"/>
+            <a:ext cx="10515600" cy="1133693"/>
+          </a:xfrm>
+        </p:spPr>
+        <p:txBody>
+          <a:bodyPr>
+            <a:normAutofit/>
+          </a:bodyPr>
+          <a:lstStyle/>
+          <a:p>
+            <a:r>
+              <a:rPr lang="en-IN" sz="3600" dirty="0"/>
+              <a:t>Dataset Preparation</a:t>
+            </a:r>
+          </a:p>
+        </p:txBody>
+      </p:sp>
+      <p:graphicFrame>
+        <p:nvGraphicFramePr>
+          <p:cNvPr id="22" name="Content Placeholder 2">
+            <a:extLst>
+              <a:ext uri="{FF2B5EF4-FFF2-40B4-BE49-F238E27FC236}">
+                <a16:creationId xmlns:a16="http://schemas.microsoft.com/office/drawing/2014/main" id="{3FFF807F-C883-869C-AAF9-B69A7A92C813}"/>
+              </a:ext>
+            </a:extLst>
+          </p:cNvPr>
+          <p:cNvGraphicFramePr>
+            <a:graphicFrameLocks noGrp="1"/>
+          </p:cNvGraphicFramePr>
+          <p:nvPr>
+            <p:ph idx="1"/>
+            <p:extLst>
+              <p:ext uri="{D42A27DB-BD31-4B8C-83A1-F6EECF244321}">
+                <p14:modId xmlns:p14="http://schemas.microsoft.com/office/powerpoint/2010/main" val="1020284097"/>
+              </p:ext>
+            </p:extLst>
+          </p:nvPr>
+        </p:nvGraphicFramePr>
+        <p:xfrm>
+          <a:off x="838200" y="1825625"/>
+          <a:ext cx="10515600" cy="4351338"/>
+        </p:xfrm>
+        <a:graphic>
+          <a:graphicData uri="http://schemas.openxmlformats.org/drawingml/2006/diagram">
+            <dgm:relIds xmlns:dgm="http://schemas.openxmlformats.org/drawingml/2006/diagram" xmlns:r="http://schemas.openxmlformats.org/officeDocument/2006/relationships" r:dm="rId2" r:lo="rId3" r:qs="rId4" r:cs="rId5"/>
+          </a:graphicData>
+        </a:graphic>
+      </p:graphicFrame>
+    </p:spTree>
+  </p:cSld>
+  <p:clrMapOvr>
+    <a:masterClrMapping/>
+  </p:clrMapOvr>
+</p:sld>
+</file>
+
+<file path=ppt/slides/slide30.xml><?xml version="1.0" encoding="utf-8"?>
 <p:sld xmlns:a="http://schemas.openxmlformats.org/drawingml/2006/main" xmlns:r="http://schemas.openxmlformats.org/officeDocument/2006/relationships" xmlns:p="http://schemas.openxmlformats.org/presentationml/2006/main">
   <p:cSld>
     <p:bg>
@@ -34800,160 +34726,7 @@
 </p:sld>
 </file>
 
-<file path=ppt/slides/slide3.xml><?xml version="1.0" encoding="utf-8"?>
-<p:sld xmlns:a="http://schemas.openxmlformats.org/drawingml/2006/main" xmlns:r="http://schemas.openxmlformats.org/officeDocument/2006/relationships" xmlns:p="http://schemas.openxmlformats.org/presentationml/2006/main">
-  <p:cSld>
-    <p:bg>
-      <p:bgPr>
-        <a:solidFill>
-          <a:schemeClr val="bg1"/>
-        </a:solidFill>
-        <a:effectLst/>
-      </p:bgPr>
-    </p:bg>
-    <p:spTree>
-      <p:nvGrpSpPr>
-        <p:cNvPr id="1" name=""/>
-        <p:cNvGrpSpPr/>
-        <p:nvPr/>
-      </p:nvGrpSpPr>
-      <p:grpSpPr>
-        <a:xfrm>
-          <a:off x="0" y="0"/>
-          <a:ext cx="0" cy="0"/>
-          <a:chOff x="0" y="0"/>
-          <a:chExt cx="0" cy="0"/>
-        </a:xfrm>
-      </p:grpSpPr>
-      <p:sp useBgFill="1">
-        <p:nvSpPr>
-          <p:cNvPr id="39" name="Rectangle 38">
-            <a:extLst>
-              <a:ext uri="{FF2B5EF4-FFF2-40B4-BE49-F238E27FC236}">
-                <a16:creationId xmlns:a16="http://schemas.microsoft.com/office/drawing/2014/main" id="{6C4028FD-8BAA-4A19-BFDE-594D991B7552}"/>
-              </a:ext>
-              <a:ext uri="{C183D7F6-B498-43B3-948B-1728B52AA6E4}">
-                <adec:decorative xmlns:adec="http://schemas.microsoft.com/office/drawing/2017/decorative" val="1"/>
-              </a:ext>
-            </a:extLst>
-          </p:cNvPr>
-          <p:cNvSpPr>
-            <a:spLocks noGrp="1" noRot="1" noChangeAspect="1" noMove="1" noResize="1" noEditPoints="1" noAdjustHandles="1" noChangeArrowheads="1" noChangeShapeType="1" noTextEdit="1"/>
-          </p:cNvSpPr>
-          <p:nvPr>
-            <p:extLst>
-              <p:ext uri="{386F3935-93C4-4BCD-93E2-E3B085C9AB24}">
-                <p16:designElem xmlns:p16="http://schemas.microsoft.com/office/powerpoint/2015/main" val="1"/>
-              </p:ext>
-            </p:extLst>
-          </p:nvPr>
-        </p:nvSpPr>
-        <p:spPr>
-          <a:xfrm>
-            <a:off x="-1" y="0"/>
-            <a:ext cx="12188952" cy="6858000"/>
-          </a:xfrm>
-          <a:prstGeom prst="rect">
-            <a:avLst/>
-          </a:prstGeom>
-          <a:ln>
-            <a:noFill/>
-          </a:ln>
-        </p:spPr>
-        <p:style>
-          <a:lnRef idx="2">
-            <a:schemeClr val="accent1">
-              <a:shade val="50000"/>
-            </a:schemeClr>
-          </a:lnRef>
-          <a:fillRef idx="1">
-            <a:schemeClr val="accent1"/>
-          </a:fillRef>
-          <a:effectRef idx="0">
-            <a:schemeClr val="accent1"/>
-          </a:effectRef>
-          <a:fontRef idx="minor">
-            <a:schemeClr val="lt1"/>
-          </a:fontRef>
-        </p:style>
-        <p:txBody>
-          <a:bodyPr rtlCol="0" anchor="ctr"/>
-          <a:lstStyle/>
-          <a:p>
-            <a:pPr algn="ctr"/>
-            <a:endParaRPr lang="en-US"/>
-          </a:p>
-        </p:txBody>
-      </p:sp>
-      <p:sp>
-        <p:nvSpPr>
-          <p:cNvPr id="2" name="Title 1"/>
-          <p:cNvSpPr>
-            <a:spLocks noGrp="1"/>
-          </p:cNvSpPr>
-          <p:nvPr>
-            <p:ph type="title"/>
-          </p:nvPr>
-        </p:nvSpPr>
-        <p:spPr>
-          <a:xfrm>
-            <a:off x="838200" y="556995"/>
-            <a:ext cx="10515600" cy="1133693"/>
-          </a:xfrm>
-        </p:spPr>
-        <p:txBody>
-          <a:bodyPr>
-            <a:normAutofit/>
-          </a:bodyPr>
-          <a:lstStyle/>
-          <a:p>
-            <a:r>
-              <a:rPr lang="en-IN" sz="3600" dirty="0"/>
-              <a:t>Dataset Preparation</a:t>
-            </a:r>
-          </a:p>
-        </p:txBody>
-      </p:sp>
-      <p:graphicFrame>
-        <p:nvGraphicFramePr>
-          <p:cNvPr id="22" name="Content Placeholder 2">
-            <a:extLst>
-              <a:ext uri="{FF2B5EF4-FFF2-40B4-BE49-F238E27FC236}">
-                <a16:creationId xmlns:a16="http://schemas.microsoft.com/office/drawing/2014/main" id="{3FFF807F-C883-869C-AAF9-B69A7A92C813}"/>
-              </a:ext>
-            </a:extLst>
-          </p:cNvPr>
-          <p:cNvGraphicFramePr>
-            <a:graphicFrameLocks noGrp="1"/>
-          </p:cNvGraphicFramePr>
-          <p:nvPr>
-            <p:ph idx="1"/>
-            <p:extLst>
-              <p:ext uri="{D42A27DB-BD31-4B8C-83A1-F6EECF244321}">
-                <p14:modId xmlns:p14="http://schemas.microsoft.com/office/powerpoint/2010/main" val="1020284097"/>
-              </p:ext>
-            </p:extLst>
-          </p:nvPr>
-        </p:nvGraphicFramePr>
-        <p:xfrm>
-          <a:off x="838200" y="1825625"/>
-          <a:ext cx="10515600" cy="4351338"/>
-        </p:xfrm>
-        <a:graphic>
-          <a:graphicData uri="http://schemas.openxmlformats.org/drawingml/2006/diagram">
-            <dgm:relIds xmlns:dgm="http://schemas.openxmlformats.org/drawingml/2006/diagram" xmlns:r="http://schemas.openxmlformats.org/officeDocument/2006/relationships" r:dm="rId2" r:lo="rId3" r:qs="rId4" r:cs="rId5"/>
-          </a:graphicData>
-        </a:graphic>
-      </p:graphicFrame>
-    </p:spTree>
-  </p:cSld>
-  <p:clrMapOvr>
-    <a:masterClrMapping/>
-  </p:clrMapOvr>
-</p:sld>
-</file>
-
-<file path=ppt/slides/slide30.xml><?xml version="1.0" encoding="utf-8"?>
+<file path=ppt/slides/slide31.xml><?xml version="1.0" encoding="utf-8"?>
 <p:sld xmlns:a="http://schemas.openxmlformats.org/drawingml/2006/main" xmlns:r="http://schemas.openxmlformats.org/officeDocument/2006/relationships" xmlns:p="http://schemas.openxmlformats.org/presentationml/2006/main">
   <p:cSld>
     <p:bg>
@@ -35425,183 +35198,6 @@
 </file>
 
 <file path=ppt/slides/slide4.xml><?xml version="1.0" encoding="utf-8"?>
-<p:sld xmlns:a="http://schemas.openxmlformats.org/drawingml/2006/main" xmlns:r="http://schemas.openxmlformats.org/officeDocument/2006/relationships" xmlns:p="http://schemas.openxmlformats.org/presentationml/2006/main">
-  <p:cSld>
-    <p:bg>
-      <p:bgPr>
-        <a:solidFill>
-          <a:schemeClr val="bg1"/>
-        </a:solidFill>
-        <a:effectLst/>
-      </p:bgPr>
-    </p:bg>
-    <p:spTree>
-      <p:nvGrpSpPr>
-        <p:cNvPr id="1" name=""/>
-        <p:cNvGrpSpPr/>
-        <p:nvPr/>
-      </p:nvGrpSpPr>
-      <p:grpSpPr>
-        <a:xfrm>
-          <a:off x="0" y="0"/>
-          <a:ext cx="0" cy="0"/>
-          <a:chOff x="0" y="0"/>
-          <a:chExt cx="0" cy="0"/>
-        </a:xfrm>
-      </p:grpSpPr>
-      <p:sp useBgFill="1">
-        <p:nvSpPr>
-          <p:cNvPr id="16" name="Rectangle 15">
-            <a:extLst>
-              <a:ext uri="{FF2B5EF4-FFF2-40B4-BE49-F238E27FC236}">
-                <a16:creationId xmlns:a16="http://schemas.microsoft.com/office/drawing/2014/main" id="{022BDE4A-8A20-4A69-9C5A-581C82036A4D}"/>
-              </a:ext>
-              <a:ext uri="{C183D7F6-B498-43B3-948B-1728B52AA6E4}">
-                <adec:decorative xmlns:adec="http://schemas.microsoft.com/office/drawing/2017/decorative" val="1"/>
-              </a:ext>
-            </a:extLst>
-          </p:cNvPr>
-          <p:cNvSpPr>
-            <a:spLocks noGrp="1" noRot="1" noChangeAspect="1" noMove="1" noResize="1" noEditPoints="1" noAdjustHandles="1" noChangeArrowheads="1" noChangeShapeType="1" noTextEdit="1"/>
-          </p:cNvSpPr>
-          <p:nvPr>
-            <p:extLst>
-              <p:ext uri="{386F3935-93C4-4BCD-93E2-E3B085C9AB24}">
-                <p16:designElem xmlns:p16="http://schemas.microsoft.com/office/powerpoint/2015/main" val="1"/>
-              </p:ext>
-            </p:extLst>
-          </p:nvPr>
-        </p:nvSpPr>
-        <p:spPr>
-          <a:xfrm>
-            <a:off x="-1" y="0"/>
-            <a:ext cx="12188952" cy="6858000"/>
-          </a:xfrm>
-          <a:prstGeom prst="rect">
-            <a:avLst/>
-          </a:prstGeom>
-          <a:ln>
-            <a:noFill/>
-          </a:ln>
-        </p:spPr>
-        <p:style>
-          <a:lnRef idx="2">
-            <a:schemeClr val="accent1">
-              <a:shade val="50000"/>
-            </a:schemeClr>
-          </a:lnRef>
-          <a:fillRef idx="1">
-            <a:schemeClr val="accent1"/>
-          </a:fillRef>
-          <a:effectRef idx="0">
-            <a:schemeClr val="accent1"/>
-          </a:effectRef>
-          <a:fontRef idx="minor">
-            <a:schemeClr val="lt1"/>
-          </a:fontRef>
-        </p:style>
-        <p:txBody>
-          <a:bodyPr rtlCol="0" anchor="ctr"/>
-          <a:lstStyle/>
-          <a:p>
-            <a:pPr algn="ctr"/>
-            <a:endParaRPr lang="en-US"/>
-          </a:p>
-        </p:txBody>
-      </p:sp>
-      <p:sp>
-        <p:nvSpPr>
-          <p:cNvPr id="2" name="Title 1"/>
-          <p:cNvSpPr>
-            <a:spLocks noGrp="1"/>
-          </p:cNvSpPr>
-          <p:nvPr>
-            <p:ph type="title"/>
-          </p:nvPr>
-        </p:nvSpPr>
-        <p:spPr>
-          <a:xfrm>
-            <a:off x="1001684" y="170412"/>
-            <a:ext cx="10178934" cy="1328730"/>
-          </a:xfrm>
-        </p:spPr>
-        <p:txBody>
-          <a:bodyPr vert="horz" lIns="91440" tIns="45720" rIns="91440" bIns="45720" rtlCol="0" anchor="b">
-            <a:normAutofit/>
-          </a:bodyPr>
-          <a:lstStyle/>
-          <a:p>
-            <a:pPr defTabSz="914400">
-              <a:lnSpc>
-                <a:spcPct val="90000"/>
-              </a:lnSpc>
-            </a:pPr>
-            <a:r>
-              <a:rPr lang="en-US" sz="3600" kern="1200" dirty="0">
-                <a:latin typeface="+mj-lt"/>
-                <a:ea typeface="+mj-ea"/>
-                <a:cs typeface="+mj-cs"/>
-              </a:rPr>
-              <a:t>Exploratory Data Analysis (EDA)</a:t>
-            </a:r>
-          </a:p>
-        </p:txBody>
-      </p:sp>
-      <p:pic>
-        <p:nvPicPr>
-          <p:cNvPr id="3" name="Picture 2" descr="lapop10_hist.png"/>
-          <p:cNvPicPr>
-            <a:picLocks noChangeAspect="1"/>
-          </p:cNvPicPr>
-          <p:nvPr/>
-        </p:nvPicPr>
-        <p:blipFill>
-          <a:blip r:embed="rId2"/>
-          <a:srcRect r="6765" b="-3"/>
-          <a:stretch/>
-        </p:blipFill>
-        <p:spPr>
-          <a:xfrm>
-            <a:off x="198741" y="2410448"/>
-            <a:ext cx="5803323" cy="3890357"/>
-          </a:xfrm>
-          <a:prstGeom prst="rect">
-            <a:avLst/>
-          </a:prstGeom>
-        </p:spPr>
-      </p:pic>
-      <p:pic>
-        <p:nvPicPr>
-          <p:cNvPr id="4" name="Picture 3" descr="food_access_corr_heatmap.png"/>
-          <p:cNvPicPr>
-            <a:picLocks noChangeAspect="1"/>
-          </p:cNvPicPr>
-          <p:nvPr/>
-        </p:nvPicPr>
-        <p:blipFill>
-          <a:blip r:embed="rId3"/>
-          <a:srcRect r="-2" b="19474"/>
-          <a:stretch/>
-        </p:blipFill>
-        <p:spPr>
-          <a:xfrm>
-            <a:off x="6189934" y="2410448"/>
-            <a:ext cx="5803323" cy="3890357"/>
-          </a:xfrm>
-          <a:prstGeom prst="rect">
-            <a:avLst/>
-          </a:prstGeom>
-        </p:spPr>
-      </p:pic>
-    </p:spTree>
-  </p:cSld>
-  <p:clrMapOvr>
-    <a:masterClrMapping/>
-  </p:clrMapOvr>
-</p:sld>
-</file>
-
-<file path=ppt/slides/slide5.xml><?xml version="1.0" encoding="utf-8"?>
 <p:sld xmlns:a="http://schemas.openxmlformats.org/drawingml/2006/main" xmlns:r="http://schemas.openxmlformats.org/officeDocument/2006/relationships" xmlns:p="http://schemas.openxmlformats.org/presentationml/2006/main">
   <p:cSld>
     <p:bg>
@@ -36095,7 +35691,7 @@
 </p:sld>
 </file>
 
-<file path=ppt/slides/slide6.xml><?xml version="1.0" encoding="utf-8"?>
+<file path=ppt/slides/slide5.xml><?xml version="1.0" encoding="utf-8"?>
 <p:sld xmlns:a="http://schemas.openxmlformats.org/drawingml/2006/main" xmlns:r="http://schemas.openxmlformats.org/officeDocument/2006/relationships" xmlns:p="http://schemas.openxmlformats.org/presentationml/2006/main">
   <p:cSld>
     <p:bg>
@@ -36523,7 +36119,7 @@
 </p:sld>
 </file>
 
-<file path=ppt/slides/slide7.xml><?xml version="1.0" encoding="utf-8"?>
+<file path=ppt/slides/slide6.xml><?xml version="1.0" encoding="utf-8"?>
 <p:sld xmlns:a="http://schemas.openxmlformats.org/drawingml/2006/main" xmlns:r="http://schemas.openxmlformats.org/officeDocument/2006/relationships" xmlns:p="http://schemas.openxmlformats.org/presentationml/2006/main">
   <p:cSld>
     <p:bg>
@@ -36874,7 +36470,7 @@
 </p:sld>
 </file>
 
-<file path=ppt/slides/slide8.xml><?xml version="1.0" encoding="utf-8"?>
+<file path=ppt/slides/slide7.xml><?xml version="1.0" encoding="utf-8"?>
 <p:sld xmlns:a="http://schemas.openxmlformats.org/drawingml/2006/main" xmlns:r="http://schemas.openxmlformats.org/officeDocument/2006/relationships" xmlns:p="http://schemas.openxmlformats.org/presentationml/2006/main">
   <p:cSld>
     <p:bg>
@@ -37500,7 +37096,7 @@
 </p:sld>
 </file>
 
-<file path=ppt/slides/slide9.xml><?xml version="1.0" encoding="utf-8"?>
+<file path=ppt/slides/slide8.xml><?xml version="1.0" encoding="utf-8"?>
 <p:sld xmlns:a="http://schemas.openxmlformats.org/drawingml/2006/main" xmlns:r="http://schemas.openxmlformats.org/officeDocument/2006/relationships" xmlns:p="http://schemas.openxmlformats.org/presentationml/2006/main">
   <p:cSld>
     <p:bg>
@@ -37972,6 +37568,629 @@
     <p:extLst>
       <p:ext uri="{BB962C8B-B14F-4D97-AF65-F5344CB8AC3E}">
         <p14:creationId xmlns:p14="http://schemas.microsoft.com/office/powerpoint/2010/main" val="1649585098"/>
+      </p:ext>
+    </p:extLst>
+  </p:cSld>
+  <p:clrMapOvr>
+    <a:masterClrMapping/>
+  </p:clrMapOvr>
+</p:sld>
+</file>
+
+<file path=ppt/slides/slide9.xml><?xml version="1.0" encoding="utf-8"?>
+<p:sld xmlns:a="http://schemas.openxmlformats.org/drawingml/2006/main" xmlns:r="http://schemas.openxmlformats.org/officeDocument/2006/relationships" xmlns:p="http://schemas.openxmlformats.org/presentationml/2006/main">
+  <p:cSld>
+    <p:bg>
+      <p:bgPr>
+        <a:solidFill>
+          <a:schemeClr val="bg1"/>
+        </a:solidFill>
+        <a:effectLst/>
+      </p:bgPr>
+    </p:bg>
+    <p:spTree>
+      <p:nvGrpSpPr>
+        <p:cNvPr id="1" name=""/>
+        <p:cNvGrpSpPr/>
+        <p:nvPr/>
+      </p:nvGrpSpPr>
+      <p:grpSpPr>
+        <a:xfrm>
+          <a:off x="0" y="0"/>
+          <a:ext cx="0" cy="0"/>
+          <a:chOff x="0" y="0"/>
+          <a:chExt cx="0" cy="0"/>
+        </a:xfrm>
+      </p:grpSpPr>
+      <p:sp>
+        <p:nvSpPr>
+          <p:cNvPr id="11" name="Rectangle 10">
+            <a:extLst>
+              <a:ext uri="{FF2B5EF4-FFF2-40B4-BE49-F238E27FC236}">
+                <a16:creationId xmlns:a16="http://schemas.microsoft.com/office/drawing/2014/main" id="{F3060C83-F051-4F0E-ABAD-AA0DFC48B218}"/>
+              </a:ext>
+              <a:ext uri="{C183D7F6-B498-43B3-948B-1728B52AA6E4}">
+                <adec:decorative xmlns:adec="http://schemas.microsoft.com/office/drawing/2017/decorative" val="1"/>
+              </a:ext>
+            </a:extLst>
+          </p:cNvPr>
+          <p:cNvSpPr>
+            <a:spLocks noGrp="1" noRot="1" noChangeAspect="1" noMove="1" noResize="1" noEditPoints="1" noAdjustHandles="1" noChangeArrowheads="1" noChangeShapeType="1" noTextEdit="1"/>
+          </p:cNvSpPr>
+          <p:nvPr>
+            <p:extLst>
+              <p:ext uri="{386F3935-93C4-4BCD-93E2-E3B085C9AB24}">
+                <p16:designElem xmlns:p16="http://schemas.microsoft.com/office/powerpoint/2015/main" val="1"/>
+              </p:ext>
+            </p:extLst>
+          </p:nvPr>
+        </p:nvSpPr>
+        <p:spPr>
+          <a:xfrm>
+            <a:off x="0" y="0"/>
+            <a:ext cx="12192000" cy="6858000"/>
+          </a:xfrm>
+          <a:prstGeom prst="rect">
+            <a:avLst/>
+          </a:prstGeom>
+          <a:solidFill>
+            <a:schemeClr val="bg1"/>
+          </a:solidFill>
+          <a:ln>
+            <a:noFill/>
+          </a:ln>
+        </p:spPr>
+        <p:style>
+          <a:lnRef idx="2">
+            <a:schemeClr val="accent1">
+              <a:shade val="50000"/>
+            </a:schemeClr>
+          </a:lnRef>
+          <a:fillRef idx="1">
+            <a:schemeClr val="accent1"/>
+          </a:fillRef>
+          <a:effectRef idx="0">
+            <a:schemeClr val="accent1"/>
+          </a:effectRef>
+          <a:fontRef idx="minor">
+            <a:schemeClr val="lt1"/>
+          </a:fontRef>
+        </p:style>
+        <p:txBody>
+          <a:bodyPr rtlCol="0" anchor="ctr"/>
+          <a:lstStyle/>
+          <a:p>
+            <a:pPr algn="ctr"/>
+            <a:endParaRPr lang="en-US" dirty="0"/>
+          </a:p>
+        </p:txBody>
+      </p:sp>
+      <p:sp>
+        <p:nvSpPr>
+          <p:cNvPr id="13" name="Freeform: Shape 12">
+            <a:extLst>
+              <a:ext uri="{FF2B5EF4-FFF2-40B4-BE49-F238E27FC236}">
+                <a16:creationId xmlns:a16="http://schemas.microsoft.com/office/drawing/2014/main" id="{83C98ABE-055B-441F-B07E-44F97F083C39}"/>
+              </a:ext>
+              <a:ext uri="{C183D7F6-B498-43B3-948B-1728B52AA6E4}">
+                <adec:decorative xmlns:adec="http://schemas.microsoft.com/office/drawing/2017/decorative" val="1"/>
+              </a:ext>
+            </a:extLst>
+          </p:cNvPr>
+          <p:cNvSpPr>
+            <a:spLocks noGrp="1" noRot="1" noChangeAspect="1" noMove="1" noResize="1" noEditPoints="1" noAdjustHandles="1" noChangeArrowheads="1" noChangeShapeType="1" noTextEdit="1"/>
+          </p:cNvSpPr>
+          <p:nvPr>
+            <p:extLst>
+              <p:ext uri="{386F3935-93C4-4BCD-93E2-E3B085C9AB24}">
+                <p16:designElem xmlns:p16="http://schemas.microsoft.com/office/powerpoint/2015/main" val="1"/>
+              </p:ext>
+            </p:extLst>
+          </p:nvPr>
+        </p:nvSpPr>
+        <p:spPr>
+          <a:xfrm rot="18900000" flipH="1">
+            <a:off x="-376156" y="-253670"/>
+            <a:ext cx="1827638" cy="1376989"/>
+          </a:xfrm>
+          <a:custGeom>
+            <a:avLst/>
+            <a:gdLst>
+              <a:gd name="connsiteX0" fmla="*/ 0 w 1827638"/>
+              <a:gd name="connsiteY0" fmla="*/ 987379 h 1376989"/>
+              <a:gd name="connsiteX1" fmla="*/ 987379 w 1827638"/>
+              <a:gd name="connsiteY1" fmla="*/ 0 h 1376989"/>
+              <a:gd name="connsiteX2" fmla="*/ 1827638 w 1827638"/>
+              <a:gd name="connsiteY2" fmla="*/ 840260 h 1376989"/>
+              <a:gd name="connsiteX3" fmla="*/ 1827638 w 1827638"/>
+              <a:gd name="connsiteY3" fmla="*/ 1376989 h 1376989"/>
+              <a:gd name="connsiteX4" fmla="*/ 0 w 1827638"/>
+              <a:gd name="connsiteY4" fmla="*/ 1376989 h 1376989"/>
+            </a:gdLst>
+            <a:ahLst/>
+            <a:cxnLst>
+              <a:cxn ang="0">
+                <a:pos x="connsiteX0" y="connsiteY0"/>
+              </a:cxn>
+              <a:cxn ang="0">
+                <a:pos x="connsiteX1" y="connsiteY1"/>
+              </a:cxn>
+              <a:cxn ang="0">
+                <a:pos x="connsiteX2" y="connsiteY2"/>
+              </a:cxn>
+              <a:cxn ang="0">
+                <a:pos x="connsiteX3" y="connsiteY3"/>
+              </a:cxn>
+              <a:cxn ang="0">
+                <a:pos x="connsiteX4" y="connsiteY4"/>
+              </a:cxn>
+            </a:cxnLst>
+            <a:rect l="l" t="t" r="r" b="b"/>
+            <a:pathLst>
+              <a:path w="1827638" h="1376989">
+                <a:moveTo>
+                  <a:pt x="0" y="987379"/>
+                </a:moveTo>
+                <a:lnTo>
+                  <a:pt x="987379" y="0"/>
+                </a:lnTo>
+                <a:lnTo>
+                  <a:pt x="1827638" y="840260"/>
+                </a:lnTo>
+                <a:lnTo>
+                  <a:pt x="1827638" y="1376989"/>
+                </a:lnTo>
+                <a:lnTo>
+                  <a:pt x="0" y="1376989"/>
+                </a:lnTo>
+                <a:close/>
+              </a:path>
+            </a:pathLst>
+          </a:custGeom>
+          <a:solidFill>
+            <a:schemeClr val="accent1">
+              <a:alpha val="30000"/>
+            </a:schemeClr>
+          </a:solidFill>
+          <a:ln>
+            <a:noFill/>
+          </a:ln>
+        </p:spPr>
+        <p:style>
+          <a:lnRef idx="2">
+            <a:schemeClr val="accent1">
+              <a:shade val="50000"/>
+            </a:schemeClr>
+          </a:lnRef>
+          <a:fillRef idx="1">
+            <a:schemeClr val="accent1"/>
+          </a:fillRef>
+          <a:effectRef idx="0">
+            <a:schemeClr val="accent1"/>
+          </a:effectRef>
+          <a:fontRef idx="minor">
+            <a:schemeClr val="lt1"/>
+          </a:fontRef>
+        </p:style>
+        <p:txBody>
+          <a:bodyPr rtlCol="0" anchor="ctr"/>
+          <a:lstStyle/>
+          <a:p>
+            <a:pPr algn="ctr"/>
+            <a:endParaRPr lang="en-US" dirty="0"/>
+          </a:p>
+        </p:txBody>
+      </p:sp>
+      <p:sp>
+        <p:nvSpPr>
+          <p:cNvPr id="15" name="Rectangle 14">
+            <a:extLst>
+              <a:ext uri="{FF2B5EF4-FFF2-40B4-BE49-F238E27FC236}">
+                <a16:creationId xmlns:a16="http://schemas.microsoft.com/office/drawing/2014/main" id="{29FDB030-9B49-4CED-8CCD-4D99382388AC}"/>
+              </a:ext>
+              <a:ext uri="{C183D7F6-B498-43B3-948B-1728B52AA6E4}">
+                <adec:decorative xmlns:adec="http://schemas.microsoft.com/office/drawing/2017/decorative" val="1"/>
+              </a:ext>
+            </a:extLst>
+          </p:cNvPr>
+          <p:cNvSpPr>
+            <a:spLocks noGrp="1" noRot="1" noChangeAspect="1" noMove="1" noResize="1" noEditPoints="1" noAdjustHandles="1" noChangeArrowheads="1" noChangeShapeType="1" noTextEdit="1"/>
+          </p:cNvSpPr>
+          <p:nvPr>
+            <p:extLst>
+              <p:ext uri="{386F3935-93C4-4BCD-93E2-E3B085C9AB24}">
+                <p16:designElem xmlns:p16="http://schemas.microsoft.com/office/powerpoint/2015/main" val="1"/>
+              </p:ext>
+            </p:extLst>
+          </p:nvPr>
+        </p:nvSpPr>
+        <p:spPr>
+          <a:xfrm rot="18900000" flipH="1">
+            <a:off x="891641" y="422146"/>
+            <a:ext cx="645368" cy="645368"/>
+          </a:xfrm>
+          <a:prstGeom prst="rect">
+            <a:avLst/>
+          </a:prstGeom>
+          <a:solidFill>
+            <a:schemeClr val="accent1">
+              <a:alpha val="30000"/>
+            </a:schemeClr>
+          </a:solidFill>
+          <a:ln>
+            <a:noFill/>
+          </a:ln>
+        </p:spPr>
+        <p:style>
+          <a:lnRef idx="2">
+            <a:schemeClr val="accent1">
+              <a:shade val="50000"/>
+            </a:schemeClr>
+          </a:lnRef>
+          <a:fillRef idx="1">
+            <a:schemeClr val="accent1"/>
+          </a:fillRef>
+          <a:effectRef idx="0">
+            <a:schemeClr val="accent1"/>
+          </a:effectRef>
+          <a:fontRef idx="minor">
+            <a:schemeClr val="lt1"/>
+          </a:fontRef>
+        </p:style>
+        <p:txBody>
+          <a:bodyPr rtlCol="0" anchor="ctr"/>
+          <a:lstStyle/>
+          <a:p>
+            <a:pPr algn="ctr"/>
+            <a:endParaRPr lang="en-US"/>
+          </a:p>
+        </p:txBody>
+      </p:sp>
+      <p:sp>
+        <p:nvSpPr>
+          <p:cNvPr id="17" name="Rectangle 16">
+            <a:extLst>
+              <a:ext uri="{FF2B5EF4-FFF2-40B4-BE49-F238E27FC236}">
+                <a16:creationId xmlns:a16="http://schemas.microsoft.com/office/drawing/2014/main" id="{3783CA14-24A1-485C-8B30-D6A5D87987AD}"/>
+              </a:ext>
+              <a:ext uri="{C183D7F6-B498-43B3-948B-1728B52AA6E4}">
+                <adec:decorative xmlns:adec="http://schemas.microsoft.com/office/drawing/2017/decorative" val="1"/>
+              </a:ext>
+            </a:extLst>
+          </p:cNvPr>
+          <p:cNvSpPr>
+            <a:spLocks noGrp="1" noRot="1" noChangeAspect="1" noMove="1" noResize="1" noEditPoints="1" noAdjustHandles="1" noChangeArrowheads="1" noChangeShapeType="1" noTextEdit="1"/>
+          </p:cNvSpPr>
+          <p:nvPr>
+            <p:extLst>
+              <p:ext uri="{386F3935-93C4-4BCD-93E2-E3B085C9AB24}">
+                <p16:designElem xmlns:p16="http://schemas.microsoft.com/office/powerpoint/2015/main" val="1"/>
+              </p:ext>
+            </p:extLst>
+          </p:nvPr>
+        </p:nvSpPr>
+        <p:spPr>
+          <a:xfrm rot="18900000" flipH="1">
+            <a:off x="10043482" y="655140"/>
+            <a:ext cx="687472" cy="687472"/>
+          </a:xfrm>
+          <a:prstGeom prst="rect">
+            <a:avLst/>
+          </a:prstGeom>
+          <a:solidFill>
+            <a:schemeClr val="accent4">
+              <a:alpha val="30000"/>
+            </a:schemeClr>
+          </a:solidFill>
+          <a:ln>
+            <a:noFill/>
+          </a:ln>
+        </p:spPr>
+        <p:style>
+          <a:lnRef idx="2">
+            <a:schemeClr val="accent1">
+              <a:shade val="50000"/>
+            </a:schemeClr>
+          </a:lnRef>
+          <a:fillRef idx="1">
+            <a:schemeClr val="accent1"/>
+          </a:fillRef>
+          <a:effectRef idx="0">
+            <a:schemeClr val="accent1"/>
+          </a:effectRef>
+          <a:fontRef idx="minor">
+            <a:schemeClr val="lt1"/>
+          </a:fontRef>
+        </p:style>
+        <p:txBody>
+          <a:bodyPr rtlCol="0" anchor="ctr"/>
+          <a:lstStyle/>
+          <a:p>
+            <a:pPr algn="ctr"/>
+            <a:endParaRPr lang="en-US"/>
+          </a:p>
+        </p:txBody>
+      </p:sp>
+      <p:sp>
+        <p:nvSpPr>
+          <p:cNvPr id="19" name="Freeform: Shape 18">
+            <a:extLst>
+              <a:ext uri="{FF2B5EF4-FFF2-40B4-BE49-F238E27FC236}">
+                <a16:creationId xmlns:a16="http://schemas.microsoft.com/office/drawing/2014/main" id="{9A97C86A-04D6-40F7-AE84-31AB43E6A846}"/>
+              </a:ext>
+              <a:ext uri="{C183D7F6-B498-43B3-948B-1728B52AA6E4}">
+                <adec:decorative xmlns:adec="http://schemas.microsoft.com/office/drawing/2017/decorative" val="1"/>
+              </a:ext>
+            </a:extLst>
+          </p:cNvPr>
+          <p:cNvSpPr>
+            <a:spLocks noGrp="1" noRot="1" noChangeAspect="1" noMove="1" noResize="1" noEditPoints="1" noAdjustHandles="1" noChangeArrowheads="1" noChangeShapeType="1" noTextEdit="1"/>
+          </p:cNvSpPr>
+          <p:nvPr>
+            <p:extLst>
+              <p:ext uri="{386F3935-93C4-4BCD-93E2-E3B085C9AB24}">
+                <p16:designElem xmlns:p16="http://schemas.microsoft.com/office/powerpoint/2015/main" val="1"/>
+              </p:ext>
+            </p:extLst>
+          </p:nvPr>
+        </p:nvSpPr>
+        <p:spPr>
+          <a:xfrm rot="10800000" flipH="1">
+            <a:off x="9356643" y="0"/>
+            <a:ext cx="2835357" cy="1480837"/>
+          </a:xfrm>
+          <a:custGeom>
+            <a:avLst/>
+            <a:gdLst>
+              <a:gd name="connsiteX0" fmla="*/ 2835357 w 2835357"/>
+              <a:gd name="connsiteY0" fmla="*/ 1480837 h 1480837"/>
+              <a:gd name="connsiteX1" fmla="*/ 0 w 2835357"/>
+              <a:gd name="connsiteY1" fmla="*/ 1480837 h 1480837"/>
+              <a:gd name="connsiteX2" fmla="*/ 1552727 w 2835357"/>
+              <a:gd name="connsiteY2" fmla="*/ 0 h 1480837"/>
+              <a:gd name="connsiteX3" fmla="*/ 2835357 w 2835357"/>
+              <a:gd name="connsiteY3" fmla="*/ 1223245 h 1480837"/>
+            </a:gdLst>
+            <a:ahLst/>
+            <a:cxnLst>
+              <a:cxn ang="0">
+                <a:pos x="connsiteX0" y="connsiteY0"/>
+              </a:cxn>
+              <a:cxn ang="0">
+                <a:pos x="connsiteX1" y="connsiteY1"/>
+              </a:cxn>
+              <a:cxn ang="0">
+                <a:pos x="connsiteX2" y="connsiteY2"/>
+              </a:cxn>
+              <a:cxn ang="0">
+                <a:pos x="connsiteX3" y="connsiteY3"/>
+              </a:cxn>
+            </a:cxnLst>
+            <a:rect l="l" t="t" r="r" b="b"/>
+            <a:pathLst>
+              <a:path w="2835357" h="1480837">
+                <a:moveTo>
+                  <a:pt x="2835357" y="1480837"/>
+                </a:moveTo>
+                <a:lnTo>
+                  <a:pt x="0" y="1480837"/>
+                </a:lnTo>
+                <a:lnTo>
+                  <a:pt x="1552727" y="0"/>
+                </a:lnTo>
+                <a:lnTo>
+                  <a:pt x="2835357" y="1223245"/>
+                </a:lnTo>
+                <a:close/>
+              </a:path>
+            </a:pathLst>
+          </a:custGeom>
+          <a:solidFill>
+            <a:schemeClr val="accent4">
+              <a:alpha val="30000"/>
+            </a:schemeClr>
+          </a:solidFill>
+          <a:ln>
+            <a:noFill/>
+          </a:ln>
+        </p:spPr>
+        <p:style>
+          <a:lnRef idx="2">
+            <a:schemeClr val="accent1">
+              <a:shade val="50000"/>
+            </a:schemeClr>
+          </a:lnRef>
+          <a:fillRef idx="1">
+            <a:schemeClr val="accent1"/>
+          </a:fillRef>
+          <a:effectRef idx="0">
+            <a:schemeClr val="accent1"/>
+          </a:effectRef>
+          <a:fontRef idx="minor">
+            <a:schemeClr val="lt1"/>
+          </a:fontRef>
+        </p:style>
+        <p:txBody>
+          <a:bodyPr wrap="square" rtlCol="0" anchor="ctr">
+            <a:noAutofit/>
+          </a:bodyPr>
+          <a:lstStyle/>
+          <a:p>
+            <a:pPr algn="ctr"/>
+            <a:endParaRPr lang="en-US" dirty="0"/>
+          </a:p>
+        </p:txBody>
+      </p:sp>
+      <p:sp>
+        <p:nvSpPr>
+          <p:cNvPr id="21" name="Isosceles Triangle 20">
+            <a:extLst>
+              <a:ext uri="{FF2B5EF4-FFF2-40B4-BE49-F238E27FC236}">
+                <a16:creationId xmlns:a16="http://schemas.microsoft.com/office/drawing/2014/main" id="{FF9F2414-84E8-453E-B1F3-389FDE8192D9}"/>
+              </a:ext>
+              <a:ext uri="{C183D7F6-B498-43B3-948B-1728B52AA6E4}">
+                <adec:decorative xmlns:adec="http://schemas.microsoft.com/office/drawing/2017/decorative" val="1"/>
+              </a:ext>
+            </a:extLst>
+          </p:cNvPr>
+          <p:cNvSpPr>
+            <a:spLocks noGrp="1" noRot="1" noChangeAspect="1" noMove="1" noResize="1" noEditPoints="1" noAdjustHandles="1" noChangeArrowheads="1" noChangeShapeType="1" noTextEdit="1"/>
+          </p:cNvSpPr>
+          <p:nvPr>
+            <p:extLst>
+              <p:ext uri="{386F3935-93C4-4BCD-93E2-E3B085C9AB24}">
+                <p16:designElem xmlns:p16="http://schemas.microsoft.com/office/powerpoint/2015/main" val="1"/>
+              </p:ext>
+            </p:extLst>
+          </p:nvPr>
+        </p:nvSpPr>
+        <p:spPr>
+          <a:xfrm flipH="1">
+            <a:off x="7976344" y="6115501"/>
+            <a:ext cx="1494513" cy="742499"/>
+          </a:xfrm>
+          <a:prstGeom prst="triangle">
+            <a:avLst/>
+          </a:prstGeom>
+          <a:solidFill>
+            <a:schemeClr val="accent1">
+              <a:alpha val="30000"/>
+            </a:schemeClr>
+          </a:solidFill>
+          <a:ln>
+            <a:noFill/>
+          </a:ln>
+        </p:spPr>
+        <p:style>
+          <a:lnRef idx="2">
+            <a:schemeClr val="accent1">
+              <a:shade val="50000"/>
+            </a:schemeClr>
+          </a:lnRef>
+          <a:fillRef idx="1">
+            <a:schemeClr val="accent1"/>
+          </a:fillRef>
+          <a:effectRef idx="0">
+            <a:schemeClr val="accent1"/>
+          </a:effectRef>
+          <a:fontRef idx="minor">
+            <a:schemeClr val="lt1"/>
+          </a:fontRef>
+        </p:style>
+        <p:txBody>
+          <a:bodyPr rtlCol="0" anchor="ctr"/>
+          <a:lstStyle/>
+          <a:p>
+            <a:pPr algn="ctr"/>
+            <a:endParaRPr lang="en-US"/>
+          </a:p>
+        </p:txBody>
+      </p:sp>
+      <p:pic>
+        <p:nvPicPr>
+          <p:cNvPr id="6" name="Picture Placeholder 5">
+            <a:extLst>
+              <a:ext uri="{FF2B5EF4-FFF2-40B4-BE49-F238E27FC236}">
+                <a16:creationId xmlns:a16="http://schemas.microsoft.com/office/drawing/2014/main" id="{E0EF9054-F9CA-223A-A974-90D580FC2CD1}"/>
+              </a:ext>
+            </a:extLst>
+          </p:cNvPr>
+          <p:cNvPicPr>
+            <a:picLocks noGrp="1" noChangeAspect="1"/>
+          </p:cNvPicPr>
+          <p:nvPr>
+            <p:ph type="pic" idx="1"/>
+          </p:nvPr>
+        </p:nvPicPr>
+        <p:blipFill>
+          <a:blip r:embed="rId2"/>
+          <a:srcRect t="550" b="550"/>
+          <a:stretch>
+            <a:fillRect/>
+          </a:stretch>
+        </p:blipFill>
+        <p:spPr>
+          <a:xfrm>
+            <a:off x="970202" y="542264"/>
+            <a:ext cx="10251597" cy="5773471"/>
+          </a:xfrm>
+          <a:prstGeom prst="rect">
+            <a:avLst/>
+          </a:prstGeom>
+          <a:ln>
+            <a:noFill/>
+          </a:ln>
+        </p:spPr>
+      </p:pic>
+      <p:sp>
+        <p:nvSpPr>
+          <p:cNvPr id="23" name="Isosceles Triangle 22">
+            <a:extLst>
+              <a:ext uri="{FF2B5EF4-FFF2-40B4-BE49-F238E27FC236}">
+                <a16:creationId xmlns:a16="http://schemas.microsoft.com/office/drawing/2014/main" id="{3ECA69A1-7536-43AC-85EF-C7106179F5ED}"/>
+              </a:ext>
+              <a:ext uri="{C183D7F6-B498-43B3-948B-1728B52AA6E4}">
+                <adec:decorative xmlns:adec="http://schemas.microsoft.com/office/drawing/2017/decorative" val="1"/>
+              </a:ext>
+            </a:extLst>
+          </p:cNvPr>
+          <p:cNvSpPr>
+            <a:spLocks noGrp="1" noRot="1" noChangeAspect="1" noMove="1" noResize="1" noEditPoints="1" noAdjustHandles="1" noChangeArrowheads="1" noChangeShapeType="1" noTextEdit="1"/>
+          </p:cNvSpPr>
+          <p:nvPr>
+            <p:extLst>
+              <p:ext uri="{386F3935-93C4-4BCD-93E2-E3B085C9AB24}">
+                <p16:designElem xmlns:p16="http://schemas.microsoft.com/office/powerpoint/2015/main" val="1"/>
+              </p:ext>
+            </p:extLst>
+          </p:nvPr>
+        </p:nvSpPr>
+        <p:spPr>
+          <a:xfrm flipH="1">
+            <a:off x="7604080" y="6453143"/>
+            <a:ext cx="814903" cy="404857"/>
+          </a:xfrm>
+          <a:prstGeom prst="triangle">
+            <a:avLst/>
+          </a:prstGeom>
+          <a:solidFill>
+            <a:schemeClr val="accent1">
+              <a:alpha val="30000"/>
+            </a:schemeClr>
+          </a:solidFill>
+          <a:ln>
+            <a:noFill/>
+          </a:ln>
+        </p:spPr>
+        <p:style>
+          <a:lnRef idx="2">
+            <a:schemeClr val="accent1">
+              <a:shade val="50000"/>
+            </a:schemeClr>
+          </a:lnRef>
+          <a:fillRef idx="1">
+            <a:schemeClr val="accent1"/>
+          </a:fillRef>
+          <a:effectRef idx="0">
+            <a:schemeClr val="accent1"/>
+          </a:effectRef>
+          <a:fontRef idx="minor">
+            <a:schemeClr val="lt1"/>
+          </a:fontRef>
+        </p:style>
+        <p:txBody>
+          <a:bodyPr rtlCol="0" anchor="ctr"/>
+          <a:lstStyle/>
+          <a:p>
+            <a:pPr algn="ctr"/>
+            <a:endParaRPr lang="en-US"/>
+          </a:p>
+        </p:txBody>
+      </p:sp>
+    </p:spTree>
+    <p:extLst>
+      <p:ext uri="{BB962C8B-B14F-4D97-AF65-F5344CB8AC3E}">
+        <p14:creationId xmlns:p14="http://schemas.microsoft.com/office/powerpoint/2010/main" val="2069750573"/>
       </p:ext>
     </p:extLst>
   </p:cSld>

--- a/presentation/Presentation Slides- Food deserts in US.pptx
+++ b/presentation/Presentation Slides- Food deserts in US.pptx
@@ -38836,12 +38836,9 @@
 </file>
 
 <file path=customXml/item1.xml><?xml version="1.0" encoding="utf-8"?>
-<?mso-contentType ?>
-<FormTemplates xmlns="http://schemas.microsoft.com/sharepoint/v3/contenttype/forms">
-  <Display>DocumentLibraryForm</Display>
-  <Edit>DocumentLibraryForm</Edit>
-  <New>DocumentLibraryForm</New>
-</FormTemplates>
+<p:properties xmlns:p="http://schemas.microsoft.com/office/2006/metadata/properties" xmlns:xsi="http://www.w3.org/2001/XMLSchema-instance" xmlns:pc="http://schemas.microsoft.com/office/infopath/2007/PartnerControls">
+  <documentManagement/>
+</p:properties>
 </file>
 
 <file path=customXml/item2.xml><?xml version="1.0" encoding="utf-8"?>
@@ -38971,15 +38968,26 @@
 </file>
 
 <file path=customXml/item3.xml><?xml version="1.0" encoding="utf-8"?>
-<p:properties xmlns:p="http://schemas.microsoft.com/office/2006/metadata/properties" xmlns:xsi="http://www.w3.org/2001/XMLSchema-instance" xmlns:pc="http://schemas.microsoft.com/office/infopath/2007/PartnerControls">
-  <documentManagement/>
-</p:properties>
+<?mso-contentType ?>
+<FormTemplates xmlns="http://schemas.microsoft.com/sharepoint/v3/contenttype/forms">
+  <Display>DocumentLibraryForm</Display>
+  <Edit>DocumentLibraryForm</Edit>
+  <New>DocumentLibraryForm</New>
+</FormTemplates>
 </file>
 
 <file path=customXml/itemProps1.xml><?xml version="1.0" encoding="utf-8"?>
-<ds:datastoreItem xmlns:ds="http://schemas.openxmlformats.org/officeDocument/2006/customXml" ds:itemID="{B17B38D2-646E-49A0-B698-1696F94D5170}">
+<ds:datastoreItem xmlns:ds="http://schemas.openxmlformats.org/officeDocument/2006/customXml" ds:itemID="{19DF537D-7BBF-4912-829F-A8224D9C364E}">
   <ds:schemaRefs>
-    <ds:schemaRef ds:uri="http://schemas.microsoft.com/sharepoint/v3/contenttype/forms"/>
+    <ds:schemaRef ds:uri="58a92a34-6a55-4443-b506-6bf62df04849"/>
+    <ds:schemaRef ds:uri="http://www.w3.org/XML/1998/namespace"/>
+    <ds:schemaRef ds:uri="http://schemas.microsoft.com/office/2006/documentManagement/types"/>
+    <ds:schemaRef ds:uri="http://purl.org/dc/elements/1.1/"/>
+    <ds:schemaRef ds:uri="http://purl.org/dc/terms/"/>
+    <ds:schemaRef ds:uri="http://schemas.microsoft.com/office/2006/metadata/properties"/>
+    <ds:schemaRef ds:uri="http://purl.org/dc/dcmitype/"/>
+    <ds:schemaRef ds:uri="http://schemas.microsoft.com/office/infopath/2007/PartnerControls"/>
+    <ds:schemaRef ds:uri="http://schemas.openxmlformats.org/package/2006/metadata/core-properties"/>
   </ds:schemaRefs>
 </ds:datastoreItem>
 </file>
@@ -39003,17 +39011,9 @@
 </file>
 
 <file path=customXml/itemProps3.xml><?xml version="1.0" encoding="utf-8"?>
-<ds:datastoreItem xmlns:ds="http://schemas.openxmlformats.org/officeDocument/2006/customXml" ds:itemID="{19DF537D-7BBF-4912-829F-A8224D9C364E}">
+<ds:datastoreItem xmlns:ds="http://schemas.openxmlformats.org/officeDocument/2006/customXml" ds:itemID="{B17B38D2-646E-49A0-B698-1696F94D5170}">
   <ds:schemaRefs>
-    <ds:schemaRef ds:uri="58a92a34-6a55-4443-b506-6bf62df04849"/>
-    <ds:schemaRef ds:uri="http://www.w3.org/XML/1998/namespace"/>
-    <ds:schemaRef ds:uri="http://schemas.microsoft.com/office/2006/documentManagement/types"/>
-    <ds:schemaRef ds:uri="http://purl.org/dc/elements/1.1/"/>
-    <ds:schemaRef ds:uri="http://purl.org/dc/terms/"/>
-    <ds:schemaRef ds:uri="http://schemas.microsoft.com/office/2006/metadata/properties"/>
-    <ds:schemaRef ds:uri="http://purl.org/dc/dcmitype/"/>
-    <ds:schemaRef ds:uri="http://schemas.microsoft.com/office/infopath/2007/PartnerControls"/>
-    <ds:schemaRef ds:uri="http://schemas.openxmlformats.org/package/2006/metadata/core-properties"/>
+    <ds:schemaRef ds:uri="http://schemas.microsoft.com/sharepoint/v3/contenttype/forms"/>
   </ds:schemaRefs>
 </ds:datastoreItem>
 </file>